--- a/Presentation.pptx
+++ b/Presentation.pptx
@@ -4,6 +4,9 @@
   <p:sldMasterIdLst>
     <p:sldMasterId id="2147483668" r:id="rId1"/>
   </p:sldMasterIdLst>
+  <p:notesMasterIdLst>
+    <p:notesMasterId r:id="rId22"/>
+  </p:notesMasterIdLst>
   <p:sldIdLst>
     <p:sldId id="256" r:id="rId2"/>
     <p:sldId id="258" r:id="rId3"/>
@@ -19,10 +22,12 @@
     <p:sldId id="266" r:id="rId13"/>
     <p:sldId id="265" r:id="rId14"/>
     <p:sldId id="273" r:id="rId15"/>
-    <p:sldId id="268" r:id="rId16"/>
-    <p:sldId id="267" r:id="rId17"/>
-    <p:sldId id="272" r:id="rId18"/>
-    <p:sldId id="264" r:id="rId19"/>
+    <p:sldId id="274" r:id="rId16"/>
+    <p:sldId id="275" r:id="rId17"/>
+    <p:sldId id="268" r:id="rId18"/>
+    <p:sldId id="267" r:id="rId19"/>
+    <p:sldId id="272" r:id="rId20"/>
+    <p:sldId id="264" r:id="rId21"/>
   </p:sldIdLst>
   <p:sldSz cx="12192000" cy="6858000"/>
   <p:notesSz cx="6858000" cy="9144000"/>
@@ -144,6 +149,8 @@
             <p14:sldId id="266"/>
             <p14:sldId id="265"/>
             <p14:sldId id="273"/>
+            <p14:sldId id="274"/>
+            <p14:sldId id="275"/>
             <p14:sldId id="268"/>
             <p14:sldId id="267"/>
             <p14:sldId id="272"/>
@@ -1018,6 +1025,658 @@
 </cs:chartStyle>
 </file>
 
+<file path=ppt/notesMasters/notesMaster1.xml><?xml version="1.0" encoding="utf-8"?>
+<p:notesMaster xmlns:a="http://schemas.openxmlformats.org/drawingml/2006/main" xmlns:r="http://schemas.openxmlformats.org/officeDocument/2006/relationships" xmlns:p="http://schemas.openxmlformats.org/presentationml/2006/main">
+  <p:cSld>
+    <p:bg>
+      <p:bgRef idx="1001">
+        <a:schemeClr val="bg1"/>
+      </p:bgRef>
+    </p:bg>
+    <p:spTree>
+      <p:nvGrpSpPr>
+        <p:cNvPr id="1" name=""/>
+        <p:cNvGrpSpPr/>
+        <p:nvPr/>
+      </p:nvGrpSpPr>
+      <p:grpSpPr>
+        <a:xfrm>
+          <a:off x="0" y="0"/>
+          <a:ext cx="0" cy="0"/>
+          <a:chOff x="0" y="0"/>
+          <a:chExt cx="0" cy="0"/>
+        </a:xfrm>
+      </p:grpSpPr>
+      <p:sp>
+        <p:nvSpPr>
+          <p:cNvPr id="2" name="Header Placeholder 1"/>
+          <p:cNvSpPr>
+            <a:spLocks noGrp="1"/>
+          </p:cNvSpPr>
+          <p:nvPr>
+            <p:ph type="hdr" sz="quarter"/>
+          </p:nvPr>
+        </p:nvSpPr>
+        <p:spPr>
+          <a:xfrm>
+            <a:off x="0" y="0"/>
+            <a:ext cx="2971800" cy="458788"/>
+          </a:xfrm>
+          <a:prstGeom prst="rect">
+            <a:avLst/>
+          </a:prstGeom>
+        </p:spPr>
+        <p:txBody>
+          <a:bodyPr vert="horz" lIns="91440" tIns="45720" rIns="91440" bIns="45720" rtlCol="0"/>
+          <a:lstStyle>
+            <a:lvl1pPr algn="l">
+              <a:defRPr sz="1200"/>
+            </a:lvl1pPr>
+          </a:lstStyle>
+          <a:p>
+            <a:endParaRPr lang="en-US"/>
+          </a:p>
+        </p:txBody>
+      </p:sp>
+      <p:sp>
+        <p:nvSpPr>
+          <p:cNvPr id="3" name="Date Placeholder 2"/>
+          <p:cNvSpPr>
+            <a:spLocks noGrp="1"/>
+          </p:cNvSpPr>
+          <p:nvPr>
+            <p:ph type="dt" idx="1"/>
+          </p:nvPr>
+        </p:nvSpPr>
+        <p:spPr>
+          <a:xfrm>
+            <a:off x="3884613" y="0"/>
+            <a:ext cx="2971800" cy="458788"/>
+          </a:xfrm>
+          <a:prstGeom prst="rect">
+            <a:avLst/>
+          </a:prstGeom>
+        </p:spPr>
+        <p:txBody>
+          <a:bodyPr vert="horz" lIns="91440" tIns="45720" rIns="91440" bIns="45720" rtlCol="0"/>
+          <a:lstStyle>
+            <a:lvl1pPr algn="r">
+              <a:defRPr sz="1200"/>
+            </a:lvl1pPr>
+          </a:lstStyle>
+          <a:p>
+            <a:fld id="{D98B8BF6-A8F6-45E4-934F-66193C77F253}" type="datetimeFigureOut">
+              <a:rPr lang="en-US" smtClean="0"/>
+              <a:t>2/22/2018</a:t>
+            </a:fld>
+            <a:endParaRPr lang="en-US"/>
+          </a:p>
+        </p:txBody>
+      </p:sp>
+      <p:sp>
+        <p:nvSpPr>
+          <p:cNvPr id="4" name="Slide Image Placeholder 3"/>
+          <p:cNvSpPr>
+            <a:spLocks noGrp="1" noRot="1" noChangeAspect="1"/>
+          </p:cNvSpPr>
+          <p:nvPr>
+            <p:ph type="sldImg" idx="2"/>
+          </p:nvPr>
+        </p:nvSpPr>
+        <p:spPr>
+          <a:xfrm>
+            <a:off x="685800" y="1143000"/>
+            <a:ext cx="5486400" cy="3086100"/>
+          </a:xfrm>
+          <a:prstGeom prst="rect">
+            <a:avLst/>
+          </a:prstGeom>
+          <a:noFill/>
+          <a:ln w="12700">
+            <a:solidFill>
+              <a:prstClr val="black"/>
+            </a:solidFill>
+          </a:ln>
+        </p:spPr>
+        <p:txBody>
+          <a:bodyPr vert="horz" lIns="91440" tIns="45720" rIns="91440" bIns="45720" rtlCol="0" anchor="ctr"/>
+          <a:lstStyle/>
+          <a:p>
+            <a:endParaRPr lang="en-US"/>
+          </a:p>
+        </p:txBody>
+      </p:sp>
+      <p:sp>
+        <p:nvSpPr>
+          <p:cNvPr id="5" name="Notes Placeholder 4"/>
+          <p:cNvSpPr>
+            <a:spLocks noGrp="1"/>
+          </p:cNvSpPr>
+          <p:nvPr>
+            <p:ph type="body" sz="quarter" idx="3"/>
+          </p:nvPr>
+        </p:nvSpPr>
+        <p:spPr>
+          <a:xfrm>
+            <a:off x="685800" y="4400550"/>
+            <a:ext cx="5486400" cy="3600450"/>
+          </a:xfrm>
+          <a:prstGeom prst="rect">
+            <a:avLst/>
+          </a:prstGeom>
+        </p:spPr>
+        <p:txBody>
+          <a:bodyPr vert="horz" lIns="91440" tIns="45720" rIns="91440" bIns="45720" rtlCol="0"/>
+          <a:lstStyle/>
+          <a:p>
+            <a:pPr lvl="0"/>
+            <a:r>
+              <a:rPr lang="en-US" smtClean="0"/>
+              <a:t>Edit Master text styles</a:t>
+            </a:r>
+          </a:p>
+          <a:p>
+            <a:pPr lvl="1"/>
+            <a:r>
+              <a:rPr lang="en-US" smtClean="0"/>
+              <a:t>Second level</a:t>
+            </a:r>
+          </a:p>
+          <a:p>
+            <a:pPr lvl="2"/>
+            <a:r>
+              <a:rPr lang="en-US" smtClean="0"/>
+              <a:t>Third level</a:t>
+            </a:r>
+          </a:p>
+          <a:p>
+            <a:pPr lvl="3"/>
+            <a:r>
+              <a:rPr lang="en-US" smtClean="0"/>
+              <a:t>Fourth level</a:t>
+            </a:r>
+          </a:p>
+          <a:p>
+            <a:pPr lvl="4"/>
+            <a:r>
+              <a:rPr lang="en-US" smtClean="0"/>
+              <a:t>Fifth level</a:t>
+            </a:r>
+            <a:endParaRPr lang="en-US"/>
+          </a:p>
+        </p:txBody>
+      </p:sp>
+      <p:sp>
+        <p:nvSpPr>
+          <p:cNvPr id="6" name="Footer Placeholder 5"/>
+          <p:cNvSpPr>
+            <a:spLocks noGrp="1"/>
+          </p:cNvSpPr>
+          <p:nvPr>
+            <p:ph type="ftr" sz="quarter" idx="4"/>
+          </p:nvPr>
+        </p:nvSpPr>
+        <p:spPr>
+          <a:xfrm>
+            <a:off x="0" y="8685213"/>
+            <a:ext cx="2971800" cy="458787"/>
+          </a:xfrm>
+          <a:prstGeom prst="rect">
+            <a:avLst/>
+          </a:prstGeom>
+        </p:spPr>
+        <p:txBody>
+          <a:bodyPr vert="horz" lIns="91440" tIns="45720" rIns="91440" bIns="45720" rtlCol="0" anchor="b"/>
+          <a:lstStyle>
+            <a:lvl1pPr algn="l">
+              <a:defRPr sz="1200"/>
+            </a:lvl1pPr>
+          </a:lstStyle>
+          <a:p>
+            <a:endParaRPr lang="en-US"/>
+          </a:p>
+        </p:txBody>
+      </p:sp>
+      <p:sp>
+        <p:nvSpPr>
+          <p:cNvPr id="7" name="Slide Number Placeholder 6"/>
+          <p:cNvSpPr>
+            <a:spLocks noGrp="1"/>
+          </p:cNvSpPr>
+          <p:nvPr>
+            <p:ph type="sldNum" sz="quarter" idx="5"/>
+          </p:nvPr>
+        </p:nvSpPr>
+        <p:spPr>
+          <a:xfrm>
+            <a:off x="3884613" y="8685213"/>
+            <a:ext cx="2971800" cy="458787"/>
+          </a:xfrm>
+          <a:prstGeom prst="rect">
+            <a:avLst/>
+          </a:prstGeom>
+        </p:spPr>
+        <p:txBody>
+          <a:bodyPr vert="horz" lIns="91440" tIns="45720" rIns="91440" bIns="45720" rtlCol="0" anchor="b"/>
+          <a:lstStyle>
+            <a:lvl1pPr algn="r">
+              <a:defRPr sz="1200"/>
+            </a:lvl1pPr>
+          </a:lstStyle>
+          <a:p>
+            <a:fld id="{72EB332F-D54A-4050-A012-A33A569E7EAC}" type="slidenum">
+              <a:rPr lang="en-US" smtClean="0"/>
+              <a:t>‹#›</a:t>
+            </a:fld>
+            <a:endParaRPr lang="en-US"/>
+          </a:p>
+        </p:txBody>
+      </p:sp>
+    </p:spTree>
+    <p:extLst>
+      <p:ext uri="{BB962C8B-B14F-4D97-AF65-F5344CB8AC3E}">
+        <p14:creationId xmlns:p14="http://schemas.microsoft.com/office/powerpoint/2010/main" val="1412493111"/>
+      </p:ext>
+    </p:extLst>
+  </p:cSld>
+  <p:clrMap bg1="lt1" tx1="dk1" bg2="lt2" tx2="dk2" accent1="accent1" accent2="accent2" accent3="accent3" accent4="accent4" accent5="accent5" accent6="accent6" hlink="hlink" folHlink="folHlink"/>
+  <p:notesStyle>
+    <a:lvl1pPr marL="0" algn="l" defTabSz="914400" rtl="0" eaLnBrk="1" latinLnBrk="0" hangingPunct="1">
+      <a:defRPr sz="1200" kern="1200">
+        <a:solidFill>
+          <a:schemeClr val="tx1"/>
+        </a:solidFill>
+        <a:latin typeface="+mn-lt"/>
+        <a:ea typeface="+mn-ea"/>
+        <a:cs typeface="+mn-cs"/>
+      </a:defRPr>
+    </a:lvl1pPr>
+    <a:lvl2pPr marL="457200" algn="l" defTabSz="914400" rtl="0" eaLnBrk="1" latinLnBrk="0" hangingPunct="1">
+      <a:defRPr sz="1200" kern="1200">
+        <a:solidFill>
+          <a:schemeClr val="tx1"/>
+        </a:solidFill>
+        <a:latin typeface="+mn-lt"/>
+        <a:ea typeface="+mn-ea"/>
+        <a:cs typeface="+mn-cs"/>
+      </a:defRPr>
+    </a:lvl2pPr>
+    <a:lvl3pPr marL="914400" algn="l" defTabSz="914400" rtl="0" eaLnBrk="1" latinLnBrk="0" hangingPunct="1">
+      <a:defRPr sz="1200" kern="1200">
+        <a:solidFill>
+          <a:schemeClr val="tx1"/>
+        </a:solidFill>
+        <a:latin typeface="+mn-lt"/>
+        <a:ea typeface="+mn-ea"/>
+        <a:cs typeface="+mn-cs"/>
+      </a:defRPr>
+    </a:lvl3pPr>
+    <a:lvl4pPr marL="1371600" algn="l" defTabSz="914400" rtl="0" eaLnBrk="1" latinLnBrk="0" hangingPunct="1">
+      <a:defRPr sz="1200" kern="1200">
+        <a:solidFill>
+          <a:schemeClr val="tx1"/>
+        </a:solidFill>
+        <a:latin typeface="+mn-lt"/>
+        <a:ea typeface="+mn-ea"/>
+        <a:cs typeface="+mn-cs"/>
+      </a:defRPr>
+    </a:lvl4pPr>
+    <a:lvl5pPr marL="1828800" algn="l" defTabSz="914400" rtl="0" eaLnBrk="1" latinLnBrk="0" hangingPunct="1">
+      <a:defRPr sz="1200" kern="1200">
+        <a:solidFill>
+          <a:schemeClr val="tx1"/>
+        </a:solidFill>
+        <a:latin typeface="+mn-lt"/>
+        <a:ea typeface="+mn-ea"/>
+        <a:cs typeface="+mn-cs"/>
+      </a:defRPr>
+    </a:lvl5pPr>
+    <a:lvl6pPr marL="2286000" algn="l" defTabSz="914400" rtl="0" eaLnBrk="1" latinLnBrk="0" hangingPunct="1">
+      <a:defRPr sz="1200" kern="1200">
+        <a:solidFill>
+          <a:schemeClr val="tx1"/>
+        </a:solidFill>
+        <a:latin typeface="+mn-lt"/>
+        <a:ea typeface="+mn-ea"/>
+        <a:cs typeface="+mn-cs"/>
+      </a:defRPr>
+    </a:lvl6pPr>
+    <a:lvl7pPr marL="2743200" algn="l" defTabSz="914400" rtl="0" eaLnBrk="1" latinLnBrk="0" hangingPunct="1">
+      <a:defRPr sz="1200" kern="1200">
+        <a:solidFill>
+          <a:schemeClr val="tx1"/>
+        </a:solidFill>
+        <a:latin typeface="+mn-lt"/>
+        <a:ea typeface="+mn-ea"/>
+        <a:cs typeface="+mn-cs"/>
+      </a:defRPr>
+    </a:lvl7pPr>
+    <a:lvl8pPr marL="3200400" algn="l" defTabSz="914400" rtl="0" eaLnBrk="1" latinLnBrk="0" hangingPunct="1">
+      <a:defRPr sz="1200" kern="1200">
+        <a:solidFill>
+          <a:schemeClr val="tx1"/>
+        </a:solidFill>
+        <a:latin typeface="+mn-lt"/>
+        <a:ea typeface="+mn-ea"/>
+        <a:cs typeface="+mn-cs"/>
+      </a:defRPr>
+    </a:lvl8pPr>
+    <a:lvl9pPr marL="3657600" algn="l" defTabSz="914400" rtl="0" eaLnBrk="1" latinLnBrk="0" hangingPunct="1">
+      <a:defRPr sz="1200" kern="1200">
+        <a:solidFill>
+          <a:schemeClr val="tx1"/>
+        </a:solidFill>
+        <a:latin typeface="+mn-lt"/>
+        <a:ea typeface="+mn-ea"/>
+        <a:cs typeface="+mn-cs"/>
+      </a:defRPr>
+    </a:lvl9pPr>
+  </p:notesStyle>
+</p:notesMaster>
+</file>
+
+<file path=ppt/notesSlides/notesSlide1.xml><?xml version="1.0" encoding="utf-8"?>
+<p:notes xmlns:a="http://schemas.openxmlformats.org/drawingml/2006/main" xmlns:r="http://schemas.openxmlformats.org/officeDocument/2006/relationships" xmlns:p="http://schemas.openxmlformats.org/presentationml/2006/main">
+  <p:cSld>
+    <p:spTree>
+      <p:nvGrpSpPr>
+        <p:cNvPr id="1" name=""/>
+        <p:cNvGrpSpPr/>
+        <p:nvPr/>
+      </p:nvGrpSpPr>
+      <p:grpSpPr>
+        <a:xfrm>
+          <a:off x="0" y="0"/>
+          <a:ext cx="0" cy="0"/>
+          <a:chOff x="0" y="0"/>
+          <a:chExt cx="0" cy="0"/>
+        </a:xfrm>
+      </p:grpSpPr>
+      <p:sp>
+        <p:nvSpPr>
+          <p:cNvPr id="2" name="Slide Image Placeholder 1"/>
+          <p:cNvSpPr>
+            <a:spLocks noGrp="1" noRot="1" noChangeAspect="1"/>
+          </p:cNvSpPr>
+          <p:nvPr>
+            <p:ph type="sldImg"/>
+          </p:nvPr>
+        </p:nvSpPr>
+        <p:spPr/>
+      </p:sp>
+      <p:sp>
+        <p:nvSpPr>
+          <p:cNvPr id="3" name="Notes Placeholder 2"/>
+          <p:cNvSpPr>
+            <a:spLocks noGrp="1"/>
+          </p:cNvSpPr>
+          <p:nvPr>
+            <p:ph type="body" idx="1"/>
+          </p:nvPr>
+        </p:nvSpPr>
+        <p:spPr/>
+        <p:txBody>
+          <a:bodyPr/>
+          <a:lstStyle/>
+          <a:p>
+            <a:r>
+              <a:rPr lang="en-US" dirty="0" smtClean="0"/>
+              <a:t>Build…easy.</a:t>
+            </a:r>
+            <a:r>
+              <a:rPr lang="en-US" baseline="0" dirty="0" smtClean="0"/>
+              <a:t>  Deploy…easy.  Unit tests? A month and a couple thousand lines of code later I gave that up</a:t>
+            </a:r>
+            <a:endParaRPr lang="en-US" dirty="0"/>
+          </a:p>
+        </p:txBody>
+      </p:sp>
+      <p:sp>
+        <p:nvSpPr>
+          <p:cNvPr id="4" name="Slide Number Placeholder 3"/>
+          <p:cNvSpPr>
+            <a:spLocks noGrp="1"/>
+          </p:cNvSpPr>
+          <p:nvPr>
+            <p:ph type="sldNum" sz="quarter" idx="10"/>
+          </p:nvPr>
+        </p:nvSpPr>
+        <p:spPr/>
+        <p:txBody>
+          <a:bodyPr/>
+          <a:lstStyle/>
+          <a:p>
+            <a:fld id="{72EB332F-D54A-4050-A012-A33A569E7EAC}" type="slidenum">
+              <a:rPr lang="en-US" smtClean="0"/>
+              <a:t>15</a:t>
+            </a:fld>
+            <a:endParaRPr lang="en-US"/>
+          </a:p>
+        </p:txBody>
+      </p:sp>
+    </p:spTree>
+    <p:extLst>
+      <p:ext uri="{BB962C8B-B14F-4D97-AF65-F5344CB8AC3E}">
+        <p14:creationId xmlns:p14="http://schemas.microsoft.com/office/powerpoint/2010/main" val="2931885566"/>
+      </p:ext>
+    </p:extLst>
+  </p:cSld>
+  <p:clrMapOvr>
+    <a:masterClrMapping/>
+  </p:clrMapOvr>
+</p:notes>
+</file>
+
+<file path=ppt/notesSlides/notesSlide2.xml><?xml version="1.0" encoding="utf-8"?>
+<p:notes xmlns:a="http://schemas.openxmlformats.org/drawingml/2006/main" xmlns:r="http://schemas.openxmlformats.org/officeDocument/2006/relationships" xmlns:p="http://schemas.openxmlformats.org/presentationml/2006/main">
+  <p:cSld>
+    <p:spTree>
+      <p:nvGrpSpPr>
+        <p:cNvPr id="1" name=""/>
+        <p:cNvGrpSpPr/>
+        <p:nvPr/>
+      </p:nvGrpSpPr>
+      <p:grpSpPr>
+        <a:xfrm>
+          <a:off x="0" y="0"/>
+          <a:ext cx="0" cy="0"/>
+          <a:chOff x="0" y="0"/>
+          <a:chExt cx="0" cy="0"/>
+        </a:xfrm>
+      </p:grpSpPr>
+      <p:sp>
+        <p:nvSpPr>
+          <p:cNvPr id="2" name="Slide Image Placeholder 1"/>
+          <p:cNvSpPr>
+            <a:spLocks noGrp="1" noRot="1" noChangeAspect="1"/>
+          </p:cNvSpPr>
+          <p:nvPr>
+            <p:ph type="sldImg"/>
+          </p:nvPr>
+        </p:nvSpPr>
+        <p:spPr/>
+      </p:sp>
+      <p:sp>
+        <p:nvSpPr>
+          <p:cNvPr id="3" name="Notes Placeholder 2"/>
+          <p:cNvSpPr>
+            <a:spLocks noGrp="1"/>
+          </p:cNvSpPr>
+          <p:nvPr>
+            <p:ph type="body" idx="1"/>
+          </p:nvPr>
+        </p:nvSpPr>
+        <p:spPr/>
+        <p:txBody>
+          <a:bodyPr/>
+          <a:lstStyle/>
+          <a:p>
+            <a:r>
+              <a:rPr lang="en-US" dirty="0" smtClean="0"/>
+              <a:t>Deploy</a:t>
+            </a:r>
+            <a:r>
+              <a:rPr lang="en-US" baseline="0" dirty="0" smtClean="0"/>
+              <a:t> a virtual appliance in the cloud.  Two things needed:</a:t>
+            </a:r>
+          </a:p>
+          <a:p>
+            <a:r>
+              <a:rPr lang="en-US" baseline="0" dirty="0" smtClean="0"/>
+              <a:t>ARM Template</a:t>
+            </a:r>
+          </a:p>
+          <a:p>
+            <a:r>
+              <a:rPr lang="en-US" baseline="0" dirty="0" smtClean="0"/>
+              <a:t>Authentication info</a:t>
+            </a:r>
+            <a:endParaRPr lang="en-US" dirty="0"/>
+          </a:p>
+        </p:txBody>
+      </p:sp>
+      <p:sp>
+        <p:nvSpPr>
+          <p:cNvPr id="4" name="Slide Number Placeholder 3"/>
+          <p:cNvSpPr>
+            <a:spLocks noGrp="1"/>
+          </p:cNvSpPr>
+          <p:nvPr>
+            <p:ph type="sldNum" sz="quarter" idx="10"/>
+          </p:nvPr>
+        </p:nvSpPr>
+        <p:spPr/>
+        <p:txBody>
+          <a:bodyPr/>
+          <a:lstStyle/>
+          <a:p>
+            <a:fld id="{72EB332F-D54A-4050-A012-A33A569E7EAC}" type="slidenum">
+              <a:rPr lang="en-US" smtClean="0"/>
+              <a:t>16</a:t>
+            </a:fld>
+            <a:endParaRPr lang="en-US"/>
+          </a:p>
+        </p:txBody>
+      </p:sp>
+    </p:spTree>
+    <p:extLst>
+      <p:ext uri="{BB962C8B-B14F-4D97-AF65-F5344CB8AC3E}">
+        <p14:creationId xmlns:p14="http://schemas.microsoft.com/office/powerpoint/2010/main" val="3522744353"/>
+      </p:ext>
+    </p:extLst>
+  </p:cSld>
+  <p:clrMapOvr>
+    <a:masterClrMapping/>
+  </p:clrMapOvr>
+</p:notes>
+</file>
+
+<file path=ppt/notesSlides/notesSlide3.xml><?xml version="1.0" encoding="utf-8"?>
+<p:notes xmlns:a="http://schemas.openxmlformats.org/drawingml/2006/main" xmlns:r="http://schemas.openxmlformats.org/officeDocument/2006/relationships" xmlns:p="http://schemas.openxmlformats.org/presentationml/2006/main">
+  <p:cSld>
+    <p:spTree>
+      <p:nvGrpSpPr>
+        <p:cNvPr id="1" name=""/>
+        <p:cNvGrpSpPr/>
+        <p:nvPr/>
+      </p:nvGrpSpPr>
+      <p:grpSpPr>
+        <a:xfrm>
+          <a:off x="0" y="0"/>
+          <a:ext cx="0" cy="0"/>
+          <a:chOff x="0" y="0"/>
+          <a:chExt cx="0" cy="0"/>
+        </a:xfrm>
+      </p:grpSpPr>
+      <p:sp>
+        <p:nvSpPr>
+          <p:cNvPr id="2" name="Slide Image Placeholder 1"/>
+          <p:cNvSpPr>
+            <a:spLocks noGrp="1" noRot="1" noChangeAspect="1"/>
+          </p:cNvSpPr>
+          <p:nvPr>
+            <p:ph type="sldImg"/>
+          </p:nvPr>
+        </p:nvSpPr>
+        <p:spPr/>
+      </p:sp>
+      <p:sp>
+        <p:nvSpPr>
+          <p:cNvPr id="3" name="Notes Placeholder 2"/>
+          <p:cNvSpPr>
+            <a:spLocks noGrp="1"/>
+          </p:cNvSpPr>
+          <p:nvPr>
+            <p:ph type="body" idx="1"/>
+          </p:nvPr>
+        </p:nvSpPr>
+        <p:spPr/>
+        <p:txBody>
+          <a:bodyPr/>
+          <a:lstStyle/>
+          <a:p>
+            <a:r>
+              <a:rPr lang="en-US" dirty="0" smtClean="0"/>
+              <a:t>Here’s the problem.  When</a:t>
+            </a:r>
+            <a:r>
+              <a:rPr lang="en-US" baseline="0" dirty="0" smtClean="0"/>
+              <a:t> you mock invoke-</a:t>
+            </a:r>
+            <a:r>
+              <a:rPr lang="en-US" baseline="0" dirty="0" err="1" smtClean="0"/>
+              <a:t>restmethod</a:t>
+            </a:r>
+            <a:r>
+              <a:rPr lang="en-US" baseline="0" dirty="0" smtClean="0"/>
+              <a:t> you basically have to reverse engineer your API.</a:t>
+            </a:r>
+          </a:p>
+          <a:p>
+            <a:r>
+              <a:rPr lang="en-US" baseline="0" dirty="0" smtClean="0"/>
+              <a:t>Or write a specific mock for every test</a:t>
+            </a:r>
+            <a:endParaRPr lang="en-US" dirty="0"/>
+          </a:p>
+        </p:txBody>
+      </p:sp>
+      <p:sp>
+        <p:nvSpPr>
+          <p:cNvPr id="4" name="Slide Number Placeholder 3"/>
+          <p:cNvSpPr>
+            <a:spLocks noGrp="1"/>
+          </p:cNvSpPr>
+          <p:nvPr>
+            <p:ph type="sldNum" sz="quarter" idx="10"/>
+          </p:nvPr>
+        </p:nvSpPr>
+        <p:spPr/>
+        <p:txBody>
+          <a:bodyPr/>
+          <a:lstStyle/>
+          <a:p>
+            <a:fld id="{72EB332F-D54A-4050-A012-A33A569E7EAC}" type="slidenum">
+              <a:rPr lang="en-US" smtClean="0"/>
+              <a:t>17</a:t>
+            </a:fld>
+            <a:endParaRPr lang="en-US"/>
+          </a:p>
+        </p:txBody>
+      </p:sp>
+    </p:spTree>
+    <p:extLst>
+      <p:ext uri="{BB962C8B-B14F-4D97-AF65-F5344CB8AC3E}">
+        <p14:creationId xmlns:p14="http://schemas.microsoft.com/office/powerpoint/2010/main" val="1979760998"/>
+      </p:ext>
+    </p:extLst>
+  </p:cSld>
+  <p:clrMapOvr>
+    <a:masterClrMapping/>
+  </p:clrMapOvr>
+</p:notes>
+</file>
+
 <file path=ppt/slideLayouts/slideLayout1.xml><?xml version="1.0" encoding="utf-8"?>
 <p:sldLayout xmlns:a="http://schemas.openxmlformats.org/drawingml/2006/main" xmlns:r="http://schemas.openxmlformats.org/officeDocument/2006/relationships" xmlns:p="http://schemas.openxmlformats.org/presentationml/2006/main" type="title" preserve="1">
   <p:cSld name="Title Slide">
@@ -1233,7 +1892,7 @@
             <a:fld id="{B61BEF0D-F0BB-DE4B-95CE-6DB70DBA9567}" type="datetimeFigureOut">
               <a:rPr lang="en-US" smtClean="0"/>
               <a:pPr/>
-              <a:t>2/14/2018</a:t>
+              <a:t>2/22/2018</a:t>
             </a:fld>
             <a:endParaRPr lang="en-US" dirty="0"/>
           </a:p>
@@ -1813,7 +2472,7 @@
             <a:fld id="{B61BEF0D-F0BB-DE4B-95CE-6DB70DBA9567}" type="datetimeFigureOut">
               <a:rPr lang="en-US" smtClean="0"/>
               <a:pPr/>
-              <a:t>2/14/2018</a:t>
+              <a:t>2/22/2018</a:t>
             </a:fld>
             <a:endParaRPr lang="en-US" dirty="0"/>
           </a:p>
@@ -2055,7 +2714,7 @@
             <a:fld id="{B61BEF0D-F0BB-DE4B-95CE-6DB70DBA9567}" type="datetimeFigureOut">
               <a:rPr lang="en-US" smtClean="0"/>
               <a:pPr/>
-              <a:t>2/14/2018</a:t>
+              <a:t>2/22/2018</a:t>
             </a:fld>
             <a:endParaRPr lang="en-US" dirty="0"/>
           </a:p>
@@ -2311,7 +2970,7 @@
             <a:fld id="{B61BEF0D-F0BB-DE4B-95CE-6DB70DBA9567}" type="datetimeFigureOut">
               <a:rPr lang="en-US" smtClean="0"/>
               <a:pPr/>
-              <a:t>2/14/2018</a:t>
+              <a:t>2/22/2018</a:t>
             </a:fld>
             <a:endParaRPr lang="en-US" dirty="0"/>
           </a:p>
@@ -2672,7 +3331,7 @@
             <a:fld id="{B61BEF0D-F0BB-DE4B-95CE-6DB70DBA9567}" type="datetimeFigureOut">
               <a:rPr lang="en-US" smtClean="0"/>
               <a:pPr/>
-              <a:t>2/14/2018</a:t>
+              <a:t>2/22/2018</a:t>
             </a:fld>
             <a:endParaRPr lang="en-US" dirty="0"/>
           </a:p>
@@ -2786,7 +3445,7 @@
             <a:fld id="{B61BEF0D-F0BB-DE4B-95CE-6DB70DBA9567}" type="datetimeFigureOut">
               <a:rPr lang="en-US" smtClean="0"/>
               <a:pPr/>
-              <a:t>2/14/2018</a:t>
+              <a:t>2/22/2018</a:t>
             </a:fld>
             <a:endParaRPr lang="en-US" dirty="0"/>
           </a:p>
@@ -2878,7 +3537,7 @@
             <a:fld id="{B61BEF0D-F0BB-DE4B-95CE-6DB70DBA9567}" type="datetimeFigureOut">
               <a:rPr lang="en-US" smtClean="0"/>
               <a:pPr/>
-              <a:t>2/14/2018</a:t>
+              <a:t>2/22/2018</a:t>
             </a:fld>
             <a:endParaRPr lang="en-US" dirty="0"/>
           </a:p>
@@ -3150,7 +3809,7 @@
             <a:fld id="{B61BEF0D-F0BB-DE4B-95CE-6DB70DBA9567}" type="datetimeFigureOut">
               <a:rPr lang="en-US" smtClean="0"/>
               <a:pPr/>
-              <a:t>2/14/2018</a:t>
+              <a:t>2/22/2018</a:t>
             </a:fld>
             <a:endParaRPr lang="en-US" dirty="0"/>
           </a:p>
@@ -3399,7 +4058,7 @@
             <a:fld id="{B61BEF0D-F0BB-DE4B-95CE-6DB70DBA9567}" type="datetimeFigureOut">
               <a:rPr lang="en-US" smtClean="0"/>
               <a:pPr/>
-              <a:t>2/14/2018</a:t>
+              <a:t>2/22/2018</a:t>
             </a:fld>
             <a:endParaRPr lang="en-US" dirty="0"/>
           </a:p>
@@ -3610,7 +4269,7 @@
             <a:fld id="{B61BEF0D-F0BB-DE4B-95CE-6DB70DBA9567}" type="datetimeFigureOut">
               <a:rPr lang="en-US" smtClean="0"/>
               <a:pPr/>
-              <a:t>2/14/2018</a:t>
+              <a:t>2/22/2018</a:t>
             </a:fld>
             <a:endParaRPr lang="en-US" dirty="0"/>
           </a:p>
@@ -4285,7 +4944,15 @@
           <a:p>
             <a:r>
               <a:rPr lang="en-US" dirty="0" smtClean="0"/>
-              <a:t>But why?</a:t>
+              <a:t>But </a:t>
+            </a:r>
+            <a:r>
+              <a:rPr lang="en-US" dirty="0" smtClean="0"/>
+              <a:t>Why</a:t>
+            </a:r>
+            <a:r>
+              <a:rPr lang="en-US" dirty="0" smtClean="0"/>
+              <a:t>?</a:t>
             </a:r>
             <a:endParaRPr lang="en-US" dirty="0"/>
           </a:p>
@@ -5561,44 +6228,518 @@
           <a:bodyPr/>
           <a:lstStyle/>
           <a:p>
-            <a:pPr algn="r"/>
             <a:r>
               <a:rPr lang="en-US" dirty="0" smtClean="0"/>
-              <a:t>Always test your code!.....</a:t>
+              <a:t>Release Pipeline	</a:t>
             </a:r>
             <a:endParaRPr lang="en-US" dirty="0"/>
           </a:p>
         </p:txBody>
       </p:sp>
-      <p:graphicFrame>
-        <p:nvGraphicFramePr>
-          <p:cNvPr id="4" name="Content Placeholder 3"/>
-          <p:cNvGraphicFramePr>
-            <a:graphicFrameLocks noGrp="1"/>
-          </p:cNvGraphicFramePr>
+      <p:sp>
+        <p:nvSpPr>
+          <p:cNvPr id="3" name="Content Placeholder 2"/>
+          <p:cNvSpPr>
+            <a:spLocks noGrp="1"/>
+          </p:cNvSpPr>
           <p:nvPr>
             <p:ph idx="1"/>
-            <p:extLst>
-              <p:ext uri="{D42A27DB-BD31-4B8C-83A1-F6EECF244321}">
-                <p14:modId xmlns:p14="http://schemas.microsoft.com/office/powerpoint/2010/main" val="1986227818"/>
-              </p:ext>
-            </p:extLst>
-          </p:nvPr>
-        </p:nvGraphicFramePr>
-        <p:xfrm>
-          <a:off x="3321538" y="1906955"/>
-          <a:ext cx="8032261" cy="4270008"/>
-        </p:xfrm>
-        <a:graphic>
-          <a:graphicData uri="http://schemas.openxmlformats.org/drawingml/2006/chart">
-            <c:chart xmlns:c="http://schemas.openxmlformats.org/drawingml/2006/chart" xmlns:r="http://schemas.openxmlformats.org/officeDocument/2006/relationships" r:id="rId2"/>
-          </a:graphicData>
-        </a:graphic>
-      </p:graphicFrame>
+          </p:nvPr>
+        </p:nvSpPr>
+        <p:spPr/>
+        <p:txBody>
+          <a:bodyPr>
+            <a:normAutofit/>
+          </a:bodyPr>
+          <a:lstStyle/>
+          <a:p>
+            <a:pPr>
+              <a:lnSpc>
+                <a:spcPct val="100000"/>
+              </a:lnSpc>
+            </a:pPr>
+            <a:r>
+              <a:rPr lang="en-US" dirty="0" smtClean="0"/>
+              <a:t>Build</a:t>
+            </a:r>
+          </a:p>
+          <a:p>
+            <a:pPr lvl="1">
+              <a:lnSpc>
+                <a:spcPct val="100000"/>
+              </a:lnSpc>
+            </a:pPr>
+            <a:r>
+              <a:rPr lang="en-US" dirty="0"/>
+              <a:t>create directory structure</a:t>
+            </a:r>
+          </a:p>
+          <a:p>
+            <a:pPr lvl="1">
+              <a:lnSpc>
+                <a:spcPct val="100000"/>
+              </a:lnSpc>
+            </a:pPr>
+            <a:r>
+              <a:rPr lang="en-US" dirty="0" smtClean="0"/>
+              <a:t>combine script files into psm1</a:t>
+            </a:r>
+          </a:p>
+          <a:p>
+            <a:pPr lvl="1">
+              <a:lnSpc>
+                <a:spcPct val="100000"/>
+              </a:lnSpc>
+            </a:pPr>
+            <a:r>
+              <a:rPr lang="en-US" dirty="0" smtClean="0"/>
+              <a:t>set module manifest</a:t>
+            </a:r>
+          </a:p>
+          <a:p>
+            <a:pPr lvl="1">
+              <a:lnSpc>
+                <a:spcPct val="100000"/>
+              </a:lnSpc>
+            </a:pPr>
+            <a:r>
+              <a:rPr lang="en-US" dirty="0" smtClean="0"/>
+              <a:t>compile help files with </a:t>
+            </a:r>
+            <a:r>
+              <a:rPr lang="en-US" dirty="0" err="1" smtClean="0"/>
+              <a:t>platyPS</a:t>
+            </a:r>
+            <a:endParaRPr lang="en-US" dirty="0" smtClean="0"/>
+          </a:p>
+          <a:p>
+            <a:pPr>
+              <a:lnSpc>
+                <a:spcPct val="200000"/>
+              </a:lnSpc>
+            </a:pPr>
+            <a:r>
+              <a:rPr lang="en-US" dirty="0" smtClean="0"/>
+              <a:t>Test – unit test by mocking Invoke-</a:t>
+            </a:r>
+            <a:r>
+              <a:rPr lang="en-US" dirty="0" err="1" smtClean="0"/>
+              <a:t>RestMethod</a:t>
+            </a:r>
+            <a:endParaRPr lang="en-US" dirty="0" smtClean="0"/>
+          </a:p>
+          <a:p>
+            <a:pPr>
+              <a:lnSpc>
+                <a:spcPct val="200000"/>
+              </a:lnSpc>
+            </a:pPr>
+            <a:r>
+              <a:rPr lang="en-US" dirty="0" smtClean="0"/>
+              <a:t>Deploy – publish module to the </a:t>
+            </a:r>
+            <a:r>
+              <a:rPr lang="en-US" dirty="0" err="1" smtClean="0"/>
+              <a:t>Powershell</a:t>
+            </a:r>
+            <a:r>
+              <a:rPr lang="en-US" dirty="0" smtClean="0"/>
+              <a:t> Gallery</a:t>
+            </a:r>
+            <a:endParaRPr lang="en-US" dirty="0"/>
+          </a:p>
+        </p:txBody>
+      </p:sp>
     </p:spTree>
     <p:extLst>
       <p:ext uri="{BB962C8B-B14F-4D97-AF65-F5344CB8AC3E}">
-        <p14:creationId xmlns:p14="http://schemas.microsoft.com/office/powerpoint/2010/main" val="195809996"/>
+        <p14:creationId xmlns:p14="http://schemas.microsoft.com/office/powerpoint/2010/main" val="704832245"/>
+      </p:ext>
+    </p:extLst>
+  </p:cSld>
+  <p:clrMapOvr>
+    <a:masterClrMapping/>
+  </p:clrMapOvr>
+  <p:timing>
+    <p:tnLst>
+      <p:par>
+        <p:cTn id="1" dur="indefinite" restart="never" nodeType="tmRoot">
+          <p:childTnLst>
+            <p:seq concurrent="1" nextAc="seek">
+              <p:cTn id="2" dur="indefinite" nodeType="mainSeq">
+                <p:childTnLst>
+                  <p:par>
+                    <p:cTn id="3" fill="hold">
+                      <p:stCondLst>
+                        <p:cond delay="indefinite"/>
+                        <p:cond evt="onBegin" delay="0">
+                          <p:tn val="2"/>
+                        </p:cond>
+                      </p:stCondLst>
+                      <p:childTnLst>
+                        <p:par>
+                          <p:cTn id="4" fill="hold">
+                            <p:stCondLst>
+                              <p:cond delay="0"/>
+                            </p:stCondLst>
+                            <p:childTnLst>
+                              <p:par>
+                                <p:cTn id="5" presetID="1" presetClass="entr" presetSubtype="0" fill="hold" nodeType="withEffect">
+                                  <p:stCondLst>
+                                    <p:cond delay="0"/>
+                                  </p:stCondLst>
+                                  <p:childTnLst>
+                                    <p:set>
+                                      <p:cBhvr>
+                                        <p:cTn id="6" dur="1" fill="hold">
+                                          <p:stCondLst>
+                                            <p:cond delay="0"/>
+                                          </p:stCondLst>
+                                        </p:cTn>
+                                        <p:tgtEl>
+                                          <p:spTgt spid="3">
+                                            <p:txEl>
+                                              <p:pRg st="0" end="0"/>
+                                            </p:txEl>
+                                          </p:spTgt>
+                                        </p:tgtEl>
+                                        <p:attrNameLst>
+                                          <p:attrName>style.visibility</p:attrName>
+                                        </p:attrNameLst>
+                                      </p:cBhvr>
+                                      <p:to>
+                                        <p:strVal val="visible"/>
+                                      </p:to>
+                                    </p:set>
+                                  </p:childTnLst>
+                                </p:cTn>
+                              </p:par>
+                              <p:par>
+                                <p:cTn id="7" presetID="1" presetClass="entr" presetSubtype="0" fill="hold" nodeType="withEffect">
+                                  <p:stCondLst>
+                                    <p:cond delay="0"/>
+                                  </p:stCondLst>
+                                  <p:childTnLst>
+                                    <p:set>
+                                      <p:cBhvr>
+                                        <p:cTn id="8" dur="1" fill="hold">
+                                          <p:stCondLst>
+                                            <p:cond delay="0"/>
+                                          </p:stCondLst>
+                                        </p:cTn>
+                                        <p:tgtEl>
+                                          <p:spTgt spid="3">
+                                            <p:txEl>
+                                              <p:pRg st="1" end="1"/>
+                                            </p:txEl>
+                                          </p:spTgt>
+                                        </p:tgtEl>
+                                        <p:attrNameLst>
+                                          <p:attrName>style.visibility</p:attrName>
+                                        </p:attrNameLst>
+                                      </p:cBhvr>
+                                      <p:to>
+                                        <p:strVal val="visible"/>
+                                      </p:to>
+                                    </p:set>
+                                  </p:childTnLst>
+                                </p:cTn>
+                              </p:par>
+                              <p:par>
+                                <p:cTn id="9" presetID="1" presetClass="entr" presetSubtype="0" fill="hold" nodeType="withEffect">
+                                  <p:stCondLst>
+                                    <p:cond delay="0"/>
+                                  </p:stCondLst>
+                                  <p:childTnLst>
+                                    <p:set>
+                                      <p:cBhvr>
+                                        <p:cTn id="10" dur="1" fill="hold">
+                                          <p:stCondLst>
+                                            <p:cond delay="0"/>
+                                          </p:stCondLst>
+                                        </p:cTn>
+                                        <p:tgtEl>
+                                          <p:spTgt spid="3">
+                                            <p:txEl>
+                                              <p:pRg st="2" end="2"/>
+                                            </p:txEl>
+                                          </p:spTgt>
+                                        </p:tgtEl>
+                                        <p:attrNameLst>
+                                          <p:attrName>style.visibility</p:attrName>
+                                        </p:attrNameLst>
+                                      </p:cBhvr>
+                                      <p:to>
+                                        <p:strVal val="visible"/>
+                                      </p:to>
+                                    </p:set>
+                                  </p:childTnLst>
+                                </p:cTn>
+                              </p:par>
+                              <p:par>
+                                <p:cTn id="11" presetID="1" presetClass="entr" presetSubtype="0" fill="hold" nodeType="withEffect">
+                                  <p:stCondLst>
+                                    <p:cond delay="0"/>
+                                  </p:stCondLst>
+                                  <p:childTnLst>
+                                    <p:set>
+                                      <p:cBhvr>
+                                        <p:cTn id="12" dur="1" fill="hold">
+                                          <p:stCondLst>
+                                            <p:cond delay="0"/>
+                                          </p:stCondLst>
+                                        </p:cTn>
+                                        <p:tgtEl>
+                                          <p:spTgt spid="3">
+                                            <p:txEl>
+                                              <p:pRg st="3" end="3"/>
+                                            </p:txEl>
+                                          </p:spTgt>
+                                        </p:tgtEl>
+                                        <p:attrNameLst>
+                                          <p:attrName>style.visibility</p:attrName>
+                                        </p:attrNameLst>
+                                      </p:cBhvr>
+                                      <p:to>
+                                        <p:strVal val="visible"/>
+                                      </p:to>
+                                    </p:set>
+                                  </p:childTnLst>
+                                </p:cTn>
+                              </p:par>
+                              <p:par>
+                                <p:cTn id="13" presetID="1" presetClass="entr" presetSubtype="0" fill="hold" nodeType="withEffect">
+                                  <p:stCondLst>
+                                    <p:cond delay="0"/>
+                                  </p:stCondLst>
+                                  <p:childTnLst>
+                                    <p:set>
+                                      <p:cBhvr>
+                                        <p:cTn id="14" dur="1" fill="hold">
+                                          <p:stCondLst>
+                                            <p:cond delay="0"/>
+                                          </p:stCondLst>
+                                        </p:cTn>
+                                        <p:tgtEl>
+                                          <p:spTgt spid="3">
+                                            <p:txEl>
+                                              <p:pRg st="4" end="4"/>
+                                            </p:txEl>
+                                          </p:spTgt>
+                                        </p:tgtEl>
+                                        <p:attrNameLst>
+                                          <p:attrName>style.visibility</p:attrName>
+                                        </p:attrNameLst>
+                                      </p:cBhvr>
+                                      <p:to>
+                                        <p:strVal val="visible"/>
+                                      </p:to>
+                                    </p:set>
+                                  </p:childTnLst>
+                                </p:cTn>
+                              </p:par>
+                            </p:childTnLst>
+                          </p:cTn>
+                        </p:par>
+                      </p:childTnLst>
+                    </p:cTn>
+                  </p:par>
+                  <p:par>
+                    <p:cTn id="15" fill="hold">
+                      <p:stCondLst>
+                        <p:cond delay="indefinite"/>
+                      </p:stCondLst>
+                      <p:childTnLst>
+                        <p:par>
+                          <p:cTn id="16" fill="hold">
+                            <p:stCondLst>
+                              <p:cond delay="0"/>
+                            </p:stCondLst>
+                            <p:childTnLst>
+                              <p:par>
+                                <p:cTn id="17" presetID="1" presetClass="entr" presetSubtype="0" fill="hold" nodeType="clickEffect">
+                                  <p:stCondLst>
+                                    <p:cond delay="0"/>
+                                  </p:stCondLst>
+                                  <p:childTnLst>
+                                    <p:set>
+                                      <p:cBhvr>
+                                        <p:cTn id="18" dur="1" fill="hold">
+                                          <p:stCondLst>
+                                            <p:cond delay="0"/>
+                                          </p:stCondLst>
+                                        </p:cTn>
+                                        <p:tgtEl>
+                                          <p:spTgt spid="3">
+                                            <p:txEl>
+                                              <p:pRg st="6" end="6"/>
+                                            </p:txEl>
+                                          </p:spTgt>
+                                        </p:tgtEl>
+                                        <p:attrNameLst>
+                                          <p:attrName>style.visibility</p:attrName>
+                                        </p:attrNameLst>
+                                      </p:cBhvr>
+                                      <p:to>
+                                        <p:strVal val="visible"/>
+                                      </p:to>
+                                    </p:set>
+                                  </p:childTnLst>
+                                </p:cTn>
+                              </p:par>
+                            </p:childTnLst>
+                          </p:cTn>
+                        </p:par>
+                      </p:childTnLst>
+                    </p:cTn>
+                  </p:par>
+                  <p:par>
+                    <p:cTn id="19" fill="hold">
+                      <p:stCondLst>
+                        <p:cond delay="indefinite"/>
+                      </p:stCondLst>
+                      <p:childTnLst>
+                        <p:par>
+                          <p:cTn id="20" fill="hold">
+                            <p:stCondLst>
+                              <p:cond delay="0"/>
+                            </p:stCondLst>
+                            <p:childTnLst>
+                              <p:par>
+                                <p:cTn id="21" presetID="1" presetClass="entr" presetSubtype="0" fill="hold" nodeType="clickEffect">
+                                  <p:stCondLst>
+                                    <p:cond delay="0"/>
+                                  </p:stCondLst>
+                                  <p:childTnLst>
+                                    <p:set>
+                                      <p:cBhvr>
+                                        <p:cTn id="22" dur="1" fill="hold">
+                                          <p:stCondLst>
+                                            <p:cond delay="0"/>
+                                          </p:stCondLst>
+                                        </p:cTn>
+                                        <p:tgtEl>
+                                          <p:spTgt spid="3">
+                                            <p:txEl>
+                                              <p:pRg st="5" end="5"/>
+                                            </p:txEl>
+                                          </p:spTgt>
+                                        </p:tgtEl>
+                                        <p:attrNameLst>
+                                          <p:attrName>style.visibility</p:attrName>
+                                        </p:attrNameLst>
+                                      </p:cBhvr>
+                                      <p:to>
+                                        <p:strVal val="visible"/>
+                                      </p:to>
+                                    </p:set>
+                                  </p:childTnLst>
+                                </p:cTn>
+                              </p:par>
+                            </p:childTnLst>
+                          </p:cTn>
+                        </p:par>
+                      </p:childTnLst>
+                    </p:cTn>
+                  </p:par>
+                </p:childTnLst>
+              </p:cTn>
+              <p:prevCondLst>
+                <p:cond evt="onPrev" delay="0">
+                  <p:tgtEl>
+                    <p:sldTgt/>
+                  </p:tgtEl>
+                </p:cond>
+              </p:prevCondLst>
+              <p:nextCondLst>
+                <p:cond evt="onNext" delay="0">
+                  <p:tgtEl>
+                    <p:sldTgt/>
+                  </p:tgtEl>
+                </p:cond>
+              </p:nextCondLst>
+            </p:seq>
+          </p:childTnLst>
+        </p:cTn>
+      </p:par>
+    </p:tnLst>
+  </p:timing>
+</p:sld>
+</file>
+
+<file path=ppt/slides/slide16.xml><?xml version="1.0" encoding="utf-8"?>
+<p:sld xmlns:a="http://schemas.openxmlformats.org/drawingml/2006/main" xmlns:r="http://schemas.openxmlformats.org/officeDocument/2006/relationships" xmlns:p="http://schemas.openxmlformats.org/presentationml/2006/main">
+  <p:cSld>
+    <p:spTree>
+      <p:nvGrpSpPr>
+        <p:cNvPr id="1" name=""/>
+        <p:cNvGrpSpPr/>
+        <p:nvPr/>
+      </p:nvGrpSpPr>
+      <p:grpSpPr>
+        <a:xfrm>
+          <a:off x="0" y="0"/>
+          <a:ext cx="0" cy="0"/>
+          <a:chOff x="0" y="0"/>
+          <a:chExt cx="0" cy="0"/>
+        </a:xfrm>
+      </p:grpSpPr>
+      <p:sp>
+        <p:nvSpPr>
+          <p:cNvPr id="3" name="Title 2"/>
+          <p:cNvSpPr>
+            <a:spLocks noGrp="1"/>
+          </p:cNvSpPr>
+          <p:nvPr>
+            <p:ph type="title"/>
+          </p:nvPr>
+        </p:nvSpPr>
+        <p:spPr/>
+        <p:txBody>
+          <a:bodyPr/>
+          <a:lstStyle/>
+          <a:p>
+            <a:r>
+              <a:rPr lang="en-US" dirty="0" smtClean="0"/>
+              <a:t>To The Cloud!</a:t>
+            </a:r>
+            <a:endParaRPr lang="en-US" dirty="0"/>
+          </a:p>
+        </p:txBody>
+      </p:sp>
+      <p:pic>
+        <p:nvPicPr>
+          <p:cNvPr id="5" name="Content Placeholder 4"/>
+          <p:cNvPicPr>
+            <a:picLocks noGrp="1" noChangeAspect="1"/>
+          </p:cNvPicPr>
+          <p:nvPr>
+            <p:ph idx="1"/>
+          </p:nvPr>
+        </p:nvPicPr>
+        <p:blipFill>
+          <a:blip r:embed="rId3">
+            <a:extLst>
+              <a:ext uri="{28A0092B-C50C-407E-A947-70E740481C1C}">
+                <a14:useLocalDpi xmlns:a14="http://schemas.microsoft.com/office/drawing/2010/main" val="0"/>
+              </a:ext>
+            </a:extLst>
+          </a:blip>
+          <a:stretch>
+            <a:fillRect/>
+          </a:stretch>
+        </p:blipFill>
+        <p:spPr>
+          <a:xfrm>
+            <a:off x="5259753" y="854440"/>
+            <a:ext cx="4220307" cy="4220307"/>
+          </a:xfrm>
+        </p:spPr>
+      </p:pic>
+    </p:spTree>
+    <p:extLst>
+      <p:ext uri="{BB962C8B-B14F-4D97-AF65-F5344CB8AC3E}">
+        <p14:creationId xmlns:p14="http://schemas.microsoft.com/office/powerpoint/2010/main" val="2911385361"/>
       </p:ext>
     </p:extLst>
   </p:cSld>
@@ -5615,7 +6756,101 @@
 </p:sld>
 </file>
 
-<file path=ppt/slides/slide16.xml><?xml version="1.0" encoding="utf-8"?>
+<file path=ppt/slides/slide17.xml><?xml version="1.0" encoding="utf-8"?>
+<p:sld xmlns:a="http://schemas.openxmlformats.org/drawingml/2006/main" xmlns:r="http://schemas.openxmlformats.org/officeDocument/2006/relationships" xmlns:p="http://schemas.openxmlformats.org/presentationml/2006/main" show="0">
+  <p:cSld>
+    <p:spTree>
+      <p:nvGrpSpPr>
+        <p:cNvPr id="1" name=""/>
+        <p:cNvGrpSpPr/>
+        <p:nvPr/>
+      </p:nvGrpSpPr>
+      <p:grpSpPr>
+        <a:xfrm>
+          <a:off x="0" y="0"/>
+          <a:ext cx="0" cy="0"/>
+          <a:chOff x="0" y="0"/>
+          <a:chExt cx="0" cy="0"/>
+        </a:xfrm>
+      </p:grpSpPr>
+      <p:sp>
+        <p:nvSpPr>
+          <p:cNvPr id="2" name="Title 1"/>
+          <p:cNvSpPr>
+            <a:spLocks noGrp="1"/>
+          </p:cNvSpPr>
+          <p:nvPr>
+            <p:ph type="title"/>
+          </p:nvPr>
+        </p:nvSpPr>
+        <p:spPr/>
+        <p:txBody>
+          <a:bodyPr/>
+          <a:lstStyle/>
+          <a:p>
+            <a:pPr algn="r"/>
+            <a:r>
+              <a:rPr lang="en-US" dirty="0" smtClean="0"/>
+              <a:t>Always test your code!.....</a:t>
+            </a:r>
+            <a:endParaRPr lang="en-US" dirty="0"/>
+          </a:p>
+        </p:txBody>
+      </p:sp>
+      <p:graphicFrame>
+        <p:nvGraphicFramePr>
+          <p:cNvPr id="4" name="Content Placeholder 3"/>
+          <p:cNvGraphicFramePr>
+            <a:graphicFrameLocks noGrp="1"/>
+          </p:cNvGraphicFramePr>
+          <p:nvPr>
+            <p:ph idx="1"/>
+            <p:extLst>
+              <p:ext uri="{D42A27DB-BD31-4B8C-83A1-F6EECF244321}">
+                <p14:modId xmlns:p14="http://schemas.microsoft.com/office/powerpoint/2010/main" val="1986227818"/>
+              </p:ext>
+            </p:extLst>
+          </p:nvPr>
+        </p:nvGraphicFramePr>
+        <p:xfrm>
+          <a:off x="3321538" y="1906955"/>
+          <a:ext cx="8032261" cy="4270008"/>
+        </p:xfrm>
+        <a:graphic>
+          <a:graphicData uri="http://schemas.openxmlformats.org/drawingml/2006/chart">
+            <c:chart xmlns:c="http://schemas.openxmlformats.org/drawingml/2006/chart" xmlns:r="http://schemas.openxmlformats.org/officeDocument/2006/relationships" r:id="rId3"/>
+          </a:graphicData>
+        </a:graphic>
+      </p:graphicFrame>
+    </p:spTree>
+    <p:extLst>
+      <p:ext uri="{BB962C8B-B14F-4D97-AF65-F5344CB8AC3E}">
+        <p14:creationId xmlns:p14="http://schemas.microsoft.com/office/powerpoint/2010/main" val="195809996"/>
+      </p:ext>
+    </p:extLst>
+  </p:cSld>
+  <p:clrMapOvr>
+    <a:masterClrMapping/>
+  </p:clrMapOvr>
+  <mc:AlternateContent xmlns:mc="http://schemas.openxmlformats.org/markup-compatibility/2006">
+    <mc:Choice xmlns:p14="http://schemas.microsoft.com/office/powerpoint/2010/main" Requires="p14">
+      <p:transition spd="slow" p14:dur="2000"/>
+    </mc:Choice>
+    <mc:Fallback>
+      <p:transition spd="slow"/>
+    </mc:Fallback>
+  </mc:AlternateContent>
+  <p:timing>
+    <p:tnLst>
+      <p:par>
+        <p:cTn id="1" dur="indefinite" restart="never" nodeType="tmRoot"/>
+      </p:par>
+    </p:tnLst>
+  </p:timing>
+</p:sld>
+</file>
+
+<file path=ppt/slides/slide18.xml><?xml version="1.0" encoding="utf-8"?>
 <p:sld xmlns:a="http://schemas.openxmlformats.org/drawingml/2006/main" xmlns:r="http://schemas.openxmlformats.org/officeDocument/2006/relationships" xmlns:p="http://schemas.openxmlformats.org/presentationml/2006/main">
   <p:cSld>
     <p:spTree>
@@ -6844,7 +8079,7 @@
 </p:sld>
 </file>
 
-<file path=ppt/slides/slide17.xml><?xml version="1.0" encoding="utf-8"?>
+<file path=ppt/slides/slide19.xml><?xml version="1.0" encoding="utf-8"?>
 <p:sld xmlns:a="http://schemas.openxmlformats.org/drawingml/2006/main" xmlns:r="http://schemas.openxmlformats.org/officeDocument/2006/relationships" xmlns:p="http://schemas.openxmlformats.org/presentationml/2006/main">
   <p:cSld>
     <p:spTree>
@@ -6960,43 +8195,6 @@
     <p:extLst>
       <p:ext uri="{BB962C8B-B14F-4D97-AF65-F5344CB8AC3E}">
         <p14:creationId xmlns:p14="http://schemas.microsoft.com/office/powerpoint/2010/main" val="276757675"/>
-      </p:ext>
-    </p:extLst>
-  </p:cSld>
-  <p:clrMapOvr>
-    <a:masterClrMapping/>
-  </p:clrMapOvr>
-  <p:timing>
-    <p:tnLst>
-      <p:par>
-        <p:cTn id="1" dur="indefinite" restart="never" nodeType="tmRoot"/>
-      </p:par>
-    </p:tnLst>
-  </p:timing>
-</p:sld>
-</file>
-
-<file path=ppt/slides/slide18.xml><?xml version="1.0" encoding="utf-8"?>
-<p:sld xmlns:a="http://schemas.openxmlformats.org/drawingml/2006/main" xmlns:r="http://schemas.openxmlformats.org/officeDocument/2006/relationships" xmlns:p="http://schemas.openxmlformats.org/presentationml/2006/main">
-  <p:cSld>
-    <p:spTree>
-      <p:nvGrpSpPr>
-        <p:cNvPr id="1" name=""/>
-        <p:cNvGrpSpPr/>
-        <p:nvPr/>
-      </p:nvGrpSpPr>
-      <p:grpSpPr>
-        <a:xfrm>
-          <a:off x="0" y="0"/>
-          <a:ext cx="0" cy="0"/>
-          <a:chOff x="0" y="0"/>
-          <a:chExt cx="0" cy="0"/>
-        </a:xfrm>
-      </p:grpSpPr>
-    </p:spTree>
-    <p:extLst>
-      <p:ext uri="{BB962C8B-B14F-4D97-AF65-F5344CB8AC3E}">
-        <p14:creationId xmlns:p14="http://schemas.microsoft.com/office/powerpoint/2010/main" val="2711495577"/>
       </p:ext>
     </p:extLst>
   </p:cSld>
@@ -7112,6 +8310,43 @@
       <p:transition spd="slow"/>
     </mc:Fallback>
   </mc:AlternateContent>
+  <p:timing>
+    <p:tnLst>
+      <p:par>
+        <p:cTn id="1" dur="indefinite" restart="never" nodeType="tmRoot"/>
+      </p:par>
+    </p:tnLst>
+  </p:timing>
+</p:sld>
+</file>
+
+<file path=ppt/slides/slide20.xml><?xml version="1.0" encoding="utf-8"?>
+<p:sld xmlns:a="http://schemas.openxmlformats.org/drawingml/2006/main" xmlns:r="http://schemas.openxmlformats.org/officeDocument/2006/relationships" xmlns:p="http://schemas.openxmlformats.org/presentationml/2006/main">
+  <p:cSld>
+    <p:spTree>
+      <p:nvGrpSpPr>
+        <p:cNvPr id="1" name=""/>
+        <p:cNvGrpSpPr/>
+        <p:nvPr/>
+      </p:nvGrpSpPr>
+      <p:grpSpPr>
+        <a:xfrm>
+          <a:off x="0" y="0"/>
+          <a:ext cx="0" cy="0"/>
+          <a:chOff x="0" y="0"/>
+          <a:chExt cx="0" cy="0"/>
+        </a:xfrm>
+      </p:grpSpPr>
+    </p:spTree>
+    <p:extLst>
+      <p:ext uri="{BB962C8B-B14F-4D97-AF65-F5344CB8AC3E}">
+        <p14:creationId xmlns:p14="http://schemas.microsoft.com/office/powerpoint/2010/main" val="2711495577"/>
+      </p:ext>
+    </p:extLst>
+  </p:cSld>
+  <p:clrMapOvr>
+    <a:masterClrMapping/>
+  </p:clrMapOvr>
   <p:timing>
     <p:tnLst>
       <p:par>
@@ -8201,4 +9436,265 @@
     </a:ext>
   </a:extLst>
 </a:theme>
+</file>
+
+<file path=ppt/theme/theme2.xml><?xml version="1.0" encoding="utf-8"?>
+<a:theme xmlns:a="http://schemas.openxmlformats.org/drawingml/2006/main" name="Office Theme">
+  <a:themeElements>
+    <a:clrScheme name="Office">
+      <a:dk1>
+        <a:sysClr val="windowText" lastClr="000000"/>
+      </a:dk1>
+      <a:lt1>
+        <a:sysClr val="window" lastClr="FFFFFF"/>
+      </a:lt1>
+      <a:dk2>
+        <a:srgbClr val="44546A"/>
+      </a:dk2>
+      <a:lt2>
+        <a:srgbClr val="E7E6E6"/>
+      </a:lt2>
+      <a:accent1>
+        <a:srgbClr val="5B9BD5"/>
+      </a:accent1>
+      <a:accent2>
+        <a:srgbClr val="ED7D31"/>
+      </a:accent2>
+      <a:accent3>
+        <a:srgbClr val="A5A5A5"/>
+      </a:accent3>
+      <a:accent4>
+        <a:srgbClr val="FFC000"/>
+      </a:accent4>
+      <a:accent5>
+        <a:srgbClr val="4472C4"/>
+      </a:accent5>
+      <a:accent6>
+        <a:srgbClr val="70AD47"/>
+      </a:accent6>
+      <a:hlink>
+        <a:srgbClr val="0563C1"/>
+      </a:hlink>
+      <a:folHlink>
+        <a:srgbClr val="954F72"/>
+      </a:folHlink>
+    </a:clrScheme>
+    <a:fontScheme name="Office">
+      <a:majorFont>
+        <a:latin typeface="Calibri Light" panose="020F0302020204030204"/>
+        <a:ea typeface=""/>
+        <a:cs typeface=""/>
+        <a:font script="Jpan" typeface="游ゴシック Light"/>
+        <a:font script="Hang" typeface="맑은 고딕"/>
+        <a:font script="Hans" typeface="等线 Light"/>
+        <a:font script="Hant" typeface="新細明體"/>
+        <a:font script="Arab" typeface="Times New Roman"/>
+        <a:font script="Hebr" typeface="Times New Roman"/>
+        <a:font script="Thai" typeface="Angsana New"/>
+        <a:font script="Ethi" typeface="Nyala"/>
+        <a:font script="Beng" typeface="Vrinda"/>
+        <a:font script="Gujr" typeface="Shruti"/>
+        <a:font script="Khmr" typeface="MoolBoran"/>
+        <a:font script="Knda" typeface="Tunga"/>
+        <a:font script="Guru" typeface="Raavi"/>
+        <a:font script="Cans" typeface="Euphemia"/>
+        <a:font script="Cher" typeface="Plantagenet Cherokee"/>
+        <a:font script="Yiii" typeface="Microsoft Yi Baiti"/>
+        <a:font script="Tibt" typeface="Microsoft Himalaya"/>
+        <a:font script="Thaa" typeface="MV Boli"/>
+        <a:font script="Deva" typeface="Mangal"/>
+        <a:font script="Telu" typeface="Gautami"/>
+        <a:font script="Taml" typeface="Latha"/>
+        <a:font script="Syrc" typeface="Estrangelo Edessa"/>
+        <a:font script="Orya" typeface="Kalinga"/>
+        <a:font script="Mlym" typeface="Kartika"/>
+        <a:font script="Laoo" typeface="DokChampa"/>
+        <a:font script="Sinh" typeface="Iskoola Pota"/>
+        <a:font script="Mong" typeface="Mongolian Baiti"/>
+        <a:font script="Viet" typeface="Times New Roman"/>
+        <a:font script="Uigh" typeface="Microsoft Uighur"/>
+        <a:font script="Geor" typeface="Sylfaen"/>
+      </a:majorFont>
+      <a:minorFont>
+        <a:latin typeface="Calibri" panose="020F0502020204030204"/>
+        <a:ea typeface=""/>
+        <a:cs typeface=""/>
+        <a:font script="Jpan" typeface="游ゴシック"/>
+        <a:font script="Hang" typeface="맑은 고딕"/>
+        <a:font script="Hans" typeface="等线"/>
+        <a:font script="Hant" typeface="新細明體"/>
+        <a:font script="Arab" typeface="Arial"/>
+        <a:font script="Hebr" typeface="Arial"/>
+        <a:font script="Thai" typeface="Cordia New"/>
+        <a:font script="Ethi" typeface="Nyala"/>
+        <a:font script="Beng" typeface="Vrinda"/>
+        <a:font script="Gujr" typeface="Shruti"/>
+        <a:font script="Khmr" typeface="DaunPenh"/>
+        <a:font script="Knda" typeface="Tunga"/>
+        <a:font script="Guru" typeface="Raavi"/>
+        <a:font script="Cans" typeface="Euphemia"/>
+        <a:font script="Cher" typeface="Plantagenet Cherokee"/>
+        <a:font script="Yiii" typeface="Microsoft Yi Baiti"/>
+        <a:font script="Tibt" typeface="Microsoft Himalaya"/>
+        <a:font script="Thaa" typeface="MV Boli"/>
+        <a:font script="Deva" typeface="Mangal"/>
+        <a:font script="Telu" typeface="Gautami"/>
+        <a:font script="Taml" typeface="Latha"/>
+        <a:font script="Syrc" typeface="Estrangelo Edessa"/>
+        <a:font script="Orya" typeface="Kalinga"/>
+        <a:font script="Mlym" typeface="Kartika"/>
+        <a:font script="Laoo" typeface="DokChampa"/>
+        <a:font script="Sinh" typeface="Iskoola Pota"/>
+        <a:font script="Mong" typeface="Mongolian Baiti"/>
+        <a:font script="Viet" typeface="Arial"/>
+        <a:font script="Uigh" typeface="Microsoft Uighur"/>
+        <a:font script="Geor" typeface="Sylfaen"/>
+      </a:minorFont>
+    </a:fontScheme>
+    <a:fmtScheme name="Office">
+      <a:fillStyleLst>
+        <a:solidFill>
+          <a:schemeClr val="phClr"/>
+        </a:solidFill>
+        <a:gradFill rotWithShape="1">
+          <a:gsLst>
+            <a:gs pos="0">
+              <a:schemeClr val="phClr">
+                <a:lumMod val="110000"/>
+                <a:satMod val="105000"/>
+                <a:tint val="67000"/>
+              </a:schemeClr>
+            </a:gs>
+            <a:gs pos="50000">
+              <a:schemeClr val="phClr">
+                <a:lumMod val="105000"/>
+                <a:satMod val="103000"/>
+                <a:tint val="73000"/>
+              </a:schemeClr>
+            </a:gs>
+            <a:gs pos="100000">
+              <a:schemeClr val="phClr">
+                <a:lumMod val="105000"/>
+                <a:satMod val="109000"/>
+                <a:tint val="81000"/>
+              </a:schemeClr>
+            </a:gs>
+          </a:gsLst>
+          <a:lin ang="5400000" scaled="0"/>
+        </a:gradFill>
+        <a:gradFill rotWithShape="1">
+          <a:gsLst>
+            <a:gs pos="0">
+              <a:schemeClr val="phClr">
+                <a:satMod val="103000"/>
+                <a:lumMod val="102000"/>
+                <a:tint val="94000"/>
+              </a:schemeClr>
+            </a:gs>
+            <a:gs pos="50000">
+              <a:schemeClr val="phClr">
+                <a:satMod val="110000"/>
+                <a:lumMod val="100000"/>
+                <a:shade val="100000"/>
+              </a:schemeClr>
+            </a:gs>
+            <a:gs pos="100000">
+              <a:schemeClr val="phClr">
+                <a:lumMod val="99000"/>
+                <a:satMod val="120000"/>
+                <a:shade val="78000"/>
+              </a:schemeClr>
+            </a:gs>
+          </a:gsLst>
+          <a:lin ang="5400000" scaled="0"/>
+        </a:gradFill>
+      </a:fillStyleLst>
+      <a:lnStyleLst>
+        <a:ln w="6350" cap="flat" cmpd="sng" algn="ctr">
+          <a:solidFill>
+            <a:schemeClr val="phClr"/>
+          </a:solidFill>
+          <a:prstDash val="solid"/>
+          <a:miter lim="800000"/>
+        </a:ln>
+        <a:ln w="12700" cap="flat" cmpd="sng" algn="ctr">
+          <a:solidFill>
+            <a:schemeClr val="phClr"/>
+          </a:solidFill>
+          <a:prstDash val="solid"/>
+          <a:miter lim="800000"/>
+        </a:ln>
+        <a:ln w="19050" cap="flat" cmpd="sng" algn="ctr">
+          <a:solidFill>
+            <a:schemeClr val="phClr"/>
+          </a:solidFill>
+          <a:prstDash val="solid"/>
+          <a:miter lim="800000"/>
+        </a:ln>
+      </a:lnStyleLst>
+      <a:effectStyleLst>
+        <a:effectStyle>
+          <a:effectLst/>
+        </a:effectStyle>
+        <a:effectStyle>
+          <a:effectLst/>
+        </a:effectStyle>
+        <a:effectStyle>
+          <a:effectLst>
+            <a:outerShdw blurRad="57150" dist="19050" dir="5400000" algn="ctr" rotWithShape="0">
+              <a:srgbClr val="000000">
+                <a:alpha val="63000"/>
+              </a:srgbClr>
+            </a:outerShdw>
+          </a:effectLst>
+        </a:effectStyle>
+      </a:effectStyleLst>
+      <a:bgFillStyleLst>
+        <a:solidFill>
+          <a:schemeClr val="phClr"/>
+        </a:solidFill>
+        <a:solidFill>
+          <a:schemeClr val="phClr">
+            <a:tint val="95000"/>
+            <a:satMod val="170000"/>
+          </a:schemeClr>
+        </a:solidFill>
+        <a:gradFill rotWithShape="1">
+          <a:gsLst>
+            <a:gs pos="0">
+              <a:schemeClr val="phClr">
+                <a:tint val="93000"/>
+                <a:satMod val="150000"/>
+                <a:shade val="98000"/>
+                <a:lumMod val="102000"/>
+              </a:schemeClr>
+            </a:gs>
+            <a:gs pos="50000">
+              <a:schemeClr val="phClr">
+                <a:tint val="98000"/>
+                <a:satMod val="130000"/>
+                <a:shade val="90000"/>
+                <a:lumMod val="103000"/>
+              </a:schemeClr>
+            </a:gs>
+            <a:gs pos="100000">
+              <a:schemeClr val="phClr">
+                <a:shade val="63000"/>
+                <a:satMod val="120000"/>
+              </a:schemeClr>
+            </a:gs>
+          </a:gsLst>
+          <a:lin ang="5400000" scaled="0"/>
+        </a:gradFill>
+      </a:bgFillStyleLst>
+    </a:fmtScheme>
+  </a:themeElements>
+  <a:objectDefaults/>
+  <a:extraClrSchemeLst/>
+  <a:extLst>
+    <a:ext uri="{05A4C25C-085E-4340-85A3-A5531E510DB2}">
+      <thm15:themeFamily xmlns:thm15="http://schemas.microsoft.com/office/thememl/2012/main" name="Office Theme" id="{62F939B6-93AF-4DB8-9C6B-D6C7DFDC589F}" vid="{4A3C46E8-61CC-4603-A589-7422A47A8E4A}"/>
+    </a:ext>
+  </a:extLst>
+</a:theme>
 </file>
--- a/Presentation.pptx
+++ b/Presentation.pptx
@@ -5,7 +5,7 @@
     <p:sldMasterId id="2147483668" r:id="rId1"/>
   </p:sldMasterIdLst>
   <p:notesMasterIdLst>
-    <p:notesMasterId r:id="rId22"/>
+    <p:notesMasterId r:id="rId23"/>
   </p:notesMasterIdLst>
   <p:sldIdLst>
     <p:sldId id="256" r:id="rId2"/>
@@ -19,15 +19,16 @@
     <p:sldId id="269" r:id="rId10"/>
     <p:sldId id="271" r:id="rId11"/>
     <p:sldId id="270" r:id="rId12"/>
-    <p:sldId id="266" r:id="rId13"/>
-    <p:sldId id="265" r:id="rId14"/>
-    <p:sldId id="273" r:id="rId15"/>
-    <p:sldId id="274" r:id="rId16"/>
-    <p:sldId id="275" r:id="rId17"/>
-    <p:sldId id="268" r:id="rId18"/>
-    <p:sldId id="267" r:id="rId19"/>
-    <p:sldId id="272" r:id="rId20"/>
-    <p:sldId id="264" r:id="rId21"/>
+    <p:sldId id="276" r:id="rId13"/>
+    <p:sldId id="266" r:id="rId14"/>
+    <p:sldId id="265" r:id="rId15"/>
+    <p:sldId id="273" r:id="rId16"/>
+    <p:sldId id="274" r:id="rId17"/>
+    <p:sldId id="275" r:id="rId18"/>
+    <p:sldId id="268" r:id="rId19"/>
+    <p:sldId id="267" r:id="rId20"/>
+    <p:sldId id="272" r:id="rId21"/>
+    <p:sldId id="264" r:id="rId22"/>
   </p:sldIdLst>
   <p:sldSz cx="12192000" cy="6858000"/>
   <p:notesSz cx="6858000" cy="9144000"/>
@@ -146,6 +147,7 @@
             <p14:sldId id="269"/>
             <p14:sldId id="271"/>
             <p14:sldId id="270"/>
+            <p14:sldId id="276"/>
             <p14:sldId id="266"/>
             <p14:sldId id="265"/>
             <p14:sldId id="273"/>
@@ -265,9 +267,7 @@
               <c:showPercent val="1"/>
               <c:showBubbleSize val="0"/>
               <c:extLst>
-                <c:ext xmlns:c15="http://schemas.microsoft.com/office/drawing/2012/chart" uri="{CE6537A1-D6FC-4f65-9D91-7224C49458BB}">
-                  <c15:layout/>
-                </c:ext>
+                <c:ext xmlns:c15="http://schemas.microsoft.com/office/drawing/2012/chart" uri="{CE6537A1-D6FC-4f65-9D91-7224C49458BB}"/>
                 <c:ext xmlns:c16="http://schemas.microsoft.com/office/drawing/2014/chart" uri="{C3380CC4-5D6E-409C-BE32-E72D297353CC}">
                   <c16:uniqueId val="{00000001-84CD-4B32-AC75-67A0F3EBBE3C}"/>
                 </c:ext>
@@ -289,9 +289,7 @@
               <c:showPercent val="1"/>
               <c:showBubbleSize val="0"/>
               <c:extLst>
-                <c:ext xmlns:c15="http://schemas.microsoft.com/office/drawing/2012/chart" uri="{CE6537A1-D6FC-4f65-9D91-7224C49458BB}">
-                  <c15:layout/>
-                </c:ext>
+                <c:ext xmlns:c15="http://schemas.microsoft.com/office/drawing/2012/chart" uri="{CE6537A1-D6FC-4f65-9D91-7224C49458BB}"/>
                 <c:ext xmlns:c16="http://schemas.microsoft.com/office/drawing/2014/chart" uri="{C3380CC4-5D6E-409C-BE32-E72D297353CC}">
                   <c16:uniqueId val="{00000003-84CD-4B32-AC75-67A0F3EBBE3C}"/>
                 </c:ext>
@@ -313,9 +311,7 @@
               <c:showPercent val="1"/>
               <c:showBubbleSize val="0"/>
               <c:extLst>
-                <c:ext xmlns:c15="http://schemas.microsoft.com/office/drawing/2012/chart" uri="{CE6537A1-D6FC-4f65-9D91-7224C49458BB}">
-                  <c15:layout/>
-                </c:ext>
+                <c:ext xmlns:c15="http://schemas.microsoft.com/office/drawing/2012/chart" uri="{CE6537A1-D6FC-4f65-9D91-7224C49458BB}"/>
                 <c:ext xmlns:c16="http://schemas.microsoft.com/office/drawing/2014/chart" uri="{C3380CC4-5D6E-409C-BE32-E72D297353CC}">
                   <c16:uniqueId val="{00000005-84CD-4B32-AC75-67A0F3EBBE3C}"/>
                 </c:ext>
@@ -1107,7 +1103,7 @@
           <a:p>
             <a:fld id="{D98B8BF6-A8F6-45E4-934F-66193C77F253}" type="datetimeFigureOut">
               <a:rPr lang="en-US" smtClean="0"/>
-              <a:t>2/22/2018</a:t>
+              <a:t>2/28/2018</a:t>
             </a:fld>
             <a:endParaRPr lang="en-US"/>
           </a:p>
@@ -1171,38 +1167,37 @@
           <a:p>
             <a:pPr lvl="0"/>
             <a:r>
-              <a:rPr lang="en-US" smtClean="0"/>
+              <a:rPr lang="en-US"/>
               <a:t>Edit Master text styles</a:t>
             </a:r>
           </a:p>
           <a:p>
             <a:pPr lvl="1"/>
             <a:r>
-              <a:rPr lang="en-US" smtClean="0"/>
+              <a:rPr lang="en-US"/>
               <a:t>Second level</a:t>
             </a:r>
           </a:p>
           <a:p>
             <a:pPr lvl="2"/>
             <a:r>
-              <a:rPr lang="en-US" smtClean="0"/>
+              <a:rPr lang="en-US"/>
               <a:t>Third level</a:t>
             </a:r>
           </a:p>
           <a:p>
             <a:pPr lvl="3"/>
             <a:r>
-              <a:rPr lang="en-US" smtClean="0"/>
+              <a:rPr lang="en-US"/>
               <a:t>Fourth level</a:t>
             </a:r>
           </a:p>
           <a:p>
             <a:pPr lvl="4"/>
             <a:r>
-              <a:rPr lang="en-US" smtClean="0"/>
+              <a:rPr lang="en-US"/>
               <a:t>Fifth level</a:t>
             </a:r>
-            <a:endParaRPr lang="en-US"/>
           </a:p>
         </p:txBody>
       </p:sp>
@@ -1420,11 +1415,11 @@
           <a:lstStyle/>
           <a:p>
             <a:r>
-              <a:rPr lang="en-US" dirty="0" smtClean="0"/>
+              <a:rPr lang="en-US" dirty="0"/>
               <a:t>Build…easy.</a:t>
             </a:r>
             <a:r>
-              <a:rPr lang="en-US" baseline="0" dirty="0" smtClean="0"/>
+              <a:rPr lang="en-US" baseline="0" dirty="0"/>
               <a:t>  Deploy…easy.  Unit tests? A month and a couple thousand lines of code later I gave that up</a:t>
             </a:r>
             <a:endParaRPr lang="en-US" dirty="0"/>
@@ -1448,7 +1443,7 @@
           <a:p>
             <a:fld id="{72EB332F-D54A-4050-A012-A33A569E7EAC}" type="slidenum">
               <a:rPr lang="en-US" smtClean="0"/>
-              <a:t>15</a:t>
+              <a:t>16</a:t>
             </a:fld>
             <a:endParaRPr lang="en-US"/>
           </a:p>
@@ -1512,23 +1507,23 @@
           <a:lstStyle/>
           <a:p>
             <a:r>
-              <a:rPr lang="en-US" dirty="0" smtClean="0"/>
+              <a:rPr lang="en-US" dirty="0"/>
               <a:t>Deploy</a:t>
             </a:r>
             <a:r>
-              <a:rPr lang="en-US" baseline="0" dirty="0" smtClean="0"/>
+              <a:rPr lang="en-US" baseline="0" dirty="0"/>
               <a:t> a virtual appliance in the cloud.  Two things needed:</a:t>
             </a:r>
           </a:p>
           <a:p>
             <a:r>
-              <a:rPr lang="en-US" baseline="0" dirty="0" smtClean="0"/>
+              <a:rPr lang="en-US" baseline="0" dirty="0"/>
               <a:t>ARM Template</a:t>
             </a:r>
           </a:p>
           <a:p>
             <a:r>
-              <a:rPr lang="en-US" baseline="0" dirty="0" smtClean="0"/>
+              <a:rPr lang="en-US" baseline="0" dirty="0"/>
               <a:t>Authentication info</a:t>
             </a:r>
             <a:endParaRPr lang="en-US" dirty="0"/>
@@ -1552,7 +1547,7 @@
           <a:p>
             <a:fld id="{72EB332F-D54A-4050-A012-A33A569E7EAC}" type="slidenum">
               <a:rPr lang="en-US" smtClean="0"/>
-              <a:t>16</a:t>
+              <a:t>17</a:t>
             </a:fld>
             <a:endParaRPr lang="en-US"/>
           </a:p>
@@ -1616,25 +1611,25 @@
           <a:lstStyle/>
           <a:p>
             <a:r>
-              <a:rPr lang="en-US" dirty="0" smtClean="0"/>
+              <a:rPr lang="en-US" dirty="0"/>
               <a:t>Here’s the problem.  When</a:t>
             </a:r>
             <a:r>
-              <a:rPr lang="en-US" baseline="0" dirty="0" smtClean="0"/>
+              <a:rPr lang="en-US" baseline="0" dirty="0"/>
               <a:t> you mock invoke-</a:t>
             </a:r>
             <a:r>
-              <a:rPr lang="en-US" baseline="0" dirty="0" err="1" smtClean="0"/>
+              <a:rPr lang="en-US" baseline="0" dirty="0" err="1"/>
               <a:t>restmethod</a:t>
             </a:r>
             <a:r>
-              <a:rPr lang="en-US" baseline="0" dirty="0" smtClean="0"/>
+              <a:rPr lang="en-US" baseline="0" dirty="0"/>
               <a:t> you basically have to reverse engineer your API.</a:t>
             </a:r>
           </a:p>
           <a:p>
             <a:r>
-              <a:rPr lang="en-US" baseline="0" dirty="0" smtClean="0"/>
+              <a:rPr lang="en-US" baseline="0" dirty="0"/>
               <a:t>Or write a specific mock for every test</a:t>
             </a:r>
             <a:endParaRPr lang="en-US" dirty="0"/>
@@ -1658,7 +1653,7 @@
           <a:p>
             <a:fld id="{72EB332F-D54A-4050-A012-A33A569E7EAC}" type="slidenum">
               <a:rPr lang="en-US" smtClean="0"/>
-              <a:t>17</a:t>
+              <a:t>18</a:t>
             </a:fld>
             <a:endParaRPr lang="en-US"/>
           </a:p>
@@ -1892,7 +1887,7 @@
             <a:fld id="{B61BEF0D-F0BB-DE4B-95CE-6DB70DBA9567}" type="datetimeFigureOut">
               <a:rPr lang="en-US" smtClean="0"/>
               <a:pPr/>
-              <a:t>2/22/2018</a:t>
+              <a:t>2/28/2018</a:t>
             </a:fld>
             <a:endParaRPr lang="en-US" dirty="0"/>
           </a:p>
@@ -2472,7 +2467,7 @@
             <a:fld id="{B61BEF0D-F0BB-DE4B-95CE-6DB70DBA9567}" type="datetimeFigureOut">
               <a:rPr lang="en-US" smtClean="0"/>
               <a:pPr/>
-              <a:t>2/22/2018</a:t>
+              <a:t>2/28/2018</a:t>
             </a:fld>
             <a:endParaRPr lang="en-US" dirty="0"/>
           </a:p>
@@ -2714,7 +2709,7 @@
             <a:fld id="{B61BEF0D-F0BB-DE4B-95CE-6DB70DBA9567}" type="datetimeFigureOut">
               <a:rPr lang="en-US" smtClean="0"/>
               <a:pPr/>
-              <a:t>2/22/2018</a:t>
+              <a:t>2/28/2018</a:t>
             </a:fld>
             <a:endParaRPr lang="en-US" dirty="0"/>
           </a:p>
@@ -2970,7 +2965,7 @@
             <a:fld id="{B61BEF0D-F0BB-DE4B-95CE-6DB70DBA9567}" type="datetimeFigureOut">
               <a:rPr lang="en-US" smtClean="0"/>
               <a:pPr/>
-              <a:t>2/22/2018</a:t>
+              <a:t>2/28/2018</a:t>
             </a:fld>
             <a:endParaRPr lang="en-US" dirty="0"/>
           </a:p>
@@ -3331,7 +3326,7 @@
             <a:fld id="{B61BEF0D-F0BB-DE4B-95CE-6DB70DBA9567}" type="datetimeFigureOut">
               <a:rPr lang="en-US" smtClean="0"/>
               <a:pPr/>
-              <a:t>2/22/2018</a:t>
+              <a:t>2/28/2018</a:t>
             </a:fld>
             <a:endParaRPr lang="en-US" dirty="0"/>
           </a:p>
@@ -3445,7 +3440,7 @@
             <a:fld id="{B61BEF0D-F0BB-DE4B-95CE-6DB70DBA9567}" type="datetimeFigureOut">
               <a:rPr lang="en-US" smtClean="0"/>
               <a:pPr/>
-              <a:t>2/22/2018</a:t>
+              <a:t>2/28/2018</a:t>
             </a:fld>
             <a:endParaRPr lang="en-US" dirty="0"/>
           </a:p>
@@ -3537,7 +3532,7 @@
             <a:fld id="{B61BEF0D-F0BB-DE4B-95CE-6DB70DBA9567}" type="datetimeFigureOut">
               <a:rPr lang="en-US" smtClean="0"/>
               <a:pPr/>
-              <a:t>2/22/2018</a:t>
+              <a:t>2/28/2018</a:t>
             </a:fld>
             <a:endParaRPr lang="en-US" dirty="0"/>
           </a:p>
@@ -3809,7 +3804,7 @@
             <a:fld id="{B61BEF0D-F0BB-DE4B-95CE-6DB70DBA9567}" type="datetimeFigureOut">
               <a:rPr lang="en-US" smtClean="0"/>
               <a:pPr/>
-              <a:t>2/22/2018</a:t>
+              <a:t>2/28/2018</a:t>
             </a:fld>
             <a:endParaRPr lang="en-US" dirty="0"/>
           </a:p>
@@ -4058,7 +4053,7 @@
             <a:fld id="{B61BEF0D-F0BB-DE4B-95CE-6DB70DBA9567}" type="datetimeFigureOut">
               <a:rPr lang="en-US" smtClean="0"/>
               <a:pPr/>
-              <a:t>2/22/2018</a:t>
+              <a:t>2/28/2018</a:t>
             </a:fld>
             <a:endParaRPr lang="en-US" dirty="0"/>
           </a:p>
@@ -4269,7 +4264,7 @@
             <a:fld id="{B61BEF0D-F0BB-DE4B-95CE-6DB70DBA9567}" type="datetimeFigureOut">
               <a:rPr lang="en-US" smtClean="0"/>
               <a:pPr/>
-              <a:t>2/22/2018</a:t>
+              <a:t>2/28/2018</a:t>
             </a:fld>
             <a:endParaRPr lang="en-US" dirty="0"/>
           </a:p>
@@ -4770,21 +4765,6 @@
   <p:clrMapOvr>
     <a:masterClrMapping/>
   </p:clrMapOvr>
-  <mc:AlternateContent xmlns:mc="http://schemas.openxmlformats.org/markup-compatibility/2006" xmlns:p14="http://schemas.microsoft.com/office/powerpoint/2010/main">
-    <mc:Choice Requires="p14">
-      <p:transition spd="slow" p14:dur="2000"/>
-    </mc:Choice>
-    <mc:Fallback xmlns="">
-      <p:transition spd="slow"/>
-    </mc:Fallback>
-  </mc:AlternateContent>
-  <p:timing>
-    <p:tnLst>
-      <p:par>
-        <p:cTn id="1" dur="indefinite" restart="never" nodeType="tmRoot"/>
-      </p:par>
-    </p:tnLst>
-  </p:timing>
 </p:sld>
 </file>
 
@@ -4821,71 +4801,57 @@
           <a:lstStyle/>
           <a:p>
             <a:r>
-              <a:rPr lang="en-US" dirty="0" smtClean="0"/>
+              <a:rPr lang="en-US" dirty="0"/>
               <a:t>But Why?</a:t>
             </a:r>
+          </a:p>
+        </p:txBody>
+      </p:sp>
+      <p:sp>
+        <p:nvSpPr>
+          <p:cNvPr id="5" name="Content Placeholder 4"/>
+          <p:cNvSpPr>
+            <a:spLocks noGrp="1"/>
+          </p:cNvSpPr>
+          <p:nvPr>
+            <p:ph idx="1"/>
+          </p:nvPr>
+        </p:nvSpPr>
+        <p:spPr/>
+        <p:txBody>
+          <a:bodyPr/>
+          <a:lstStyle/>
+          <a:p>
+            <a:r>
+              <a:rPr lang="en-US" dirty="0"/>
+              <a:t>More Code Separation</a:t>
+            </a:r>
+          </a:p>
+          <a:p>
+            <a:pPr lvl="1"/>
+            <a:r>
+              <a:rPr lang="en-US" dirty="0"/>
+              <a:t>Class definitions interface between REST API and </a:t>
+            </a:r>
+            <a:r>
+              <a:rPr lang="en-US" dirty="0" err="1"/>
+              <a:t>powershell</a:t>
+            </a:r>
             <a:endParaRPr lang="en-US" dirty="0"/>
           </a:p>
-        </p:txBody>
-      </p:sp>
-      <p:sp>
-        <p:nvSpPr>
-          <p:cNvPr id="5" name="Content Placeholder 4"/>
-          <p:cNvSpPr>
-            <a:spLocks noGrp="1"/>
-          </p:cNvSpPr>
-          <p:nvPr>
-            <p:ph idx="1"/>
-          </p:nvPr>
-        </p:nvSpPr>
-        <p:spPr/>
-        <p:txBody>
-          <a:bodyPr/>
-          <a:lstStyle/>
-          <a:p>
-            <a:r>
-              <a:rPr lang="en-US" dirty="0" smtClean="0"/>
-              <a:t>More Code Separation</a:t>
-            </a:r>
-          </a:p>
           <a:p>
             <a:pPr lvl="1"/>
             <a:r>
-              <a:rPr lang="en-US" dirty="0" smtClean="0"/>
-              <a:t>Class definitions interface between REST API and </a:t>
-            </a:r>
-            <a:r>
-              <a:rPr lang="en-US" dirty="0" err="1" smtClean="0"/>
+              <a:rPr lang="en-US" dirty="0"/>
+              <a:t>Cmdlets interface between </a:t>
+            </a:r>
+            <a:r>
+              <a:rPr lang="en-US" dirty="0" err="1"/>
               <a:t>powershell</a:t>
             </a:r>
-            <a:endParaRPr lang="en-US" dirty="0" smtClean="0"/>
-          </a:p>
-          <a:p>
-            <a:pPr lvl="1"/>
-            <a:r>
-              <a:rPr lang="en-US" dirty="0" smtClean="0"/>
-              <a:t>Cmdlets interface between </a:t>
-            </a:r>
-            <a:r>
-              <a:rPr lang="en-US" dirty="0" err="1" smtClean="0"/>
-              <a:t>powershell</a:t>
-            </a:r>
-            <a:r>
-              <a:rPr lang="en-US" dirty="0" smtClean="0"/>
+            <a:r>
+              <a:rPr lang="en-US" dirty="0"/>
               <a:t> and the user</a:t>
-            </a:r>
-          </a:p>
-          <a:p>
-            <a:r>
-              <a:rPr lang="en-US" dirty="0" smtClean="0"/>
-              <a:t>Cleaner Parameter validation</a:t>
-            </a:r>
-            <a:endParaRPr lang="en-US" dirty="0"/>
-          </a:p>
-          <a:p>
-            <a:r>
-              <a:rPr lang="en-US" dirty="0" smtClean="0"/>
-              <a:t>Why not?</a:t>
             </a:r>
           </a:p>
         </p:txBody>
@@ -4900,13 +4866,6 @@
   <p:clrMapOvr>
     <a:masterClrMapping/>
   </p:clrMapOvr>
-  <p:timing>
-    <p:tnLst>
-      <p:par>
-        <p:cTn id="1" dur="indefinite" restart="never" nodeType="tmRoot"/>
-      </p:par>
-    </p:tnLst>
-  </p:timing>
 </p:sld>
 </file>
 
@@ -4943,18 +4902,9 @@
           <a:lstStyle/>
           <a:p>
             <a:r>
-              <a:rPr lang="en-US" dirty="0" smtClean="0"/>
-              <a:t>But </a:t>
-            </a:r>
-            <a:r>
-              <a:rPr lang="en-US" dirty="0" smtClean="0"/>
-              <a:t>Why</a:t>
-            </a:r>
-            <a:r>
-              <a:rPr lang="en-US" dirty="0" smtClean="0"/>
-              <a:t>?</a:t>
-            </a:r>
-            <a:endParaRPr lang="en-US" dirty="0"/>
+              <a:rPr lang="en-US" dirty="0"/>
+              <a:t>But Why?</a:t>
+            </a:r>
           </a:p>
         </p:txBody>
       </p:sp>
@@ -5158,7 +5108,7 @@
               <a:buNone/>
             </a:pPr>
             <a:r>
-              <a:rPr lang="en-US" sz="1400" dirty="0" err="1" smtClean="0">
+              <a:rPr lang="en-US" sz="1400" dirty="0" err="1">
                 <a:solidFill>
                   <a:srgbClr val="00008B"/>
                 </a:solidFill>
@@ -5167,7 +5117,7 @@
               <a:t>Param</a:t>
             </a:r>
             <a:r>
-              <a:rPr lang="en-US" sz="1400" dirty="0" smtClean="0">
+              <a:rPr lang="en-US" sz="1400" dirty="0">
                 <a:solidFill>
                   <a:srgbClr val="333333"/>
                 </a:solidFill>
@@ -5234,19 +5184,10 @@
                 </a:solidFill>
                 <a:latin typeface="Consolas" panose="020B0609020204030204" pitchFamily="49" charset="0"/>
               </a:rPr>
-              <a:t>[</a:t>
-            </a:r>
-            <a:r>
-              <a:rPr lang="en-US" sz="1400" dirty="0" smtClean="0">
-                <a:solidFill>
-                  <a:srgbClr val="333333"/>
-                </a:solidFill>
-                <a:latin typeface="Consolas" panose="020B0609020204030204" pitchFamily="49" charset="0"/>
-              </a:rPr>
-              <a:t>Parameter(</a:t>
-            </a:r>
-            <a:r>
-              <a:rPr lang="en-US" sz="1400" dirty="0" smtClean="0">
+              <a:t>[Parameter(</a:t>
+            </a:r>
+            <a:r>
+              <a:rPr lang="en-US" sz="1400" dirty="0">
                 <a:solidFill>
                   <a:srgbClr val="008080"/>
                 </a:solidFill>
@@ -5333,15 +5274,6 @@
             <a:pPr marL="457200" lvl="1" indent="0">
               <a:buNone/>
             </a:pPr>
-            <a:r>
-              <a:rPr lang="en-US" sz="1400" dirty="0">
-                <a:solidFill>
-                  <a:srgbClr val="333333"/>
-                </a:solidFill>
-                <a:latin typeface="Consolas" panose="020B0609020204030204" pitchFamily="49" charset="0"/>
-              </a:rPr>
-              <a:t/>
-            </a:r>
             <a:br>
               <a:rPr lang="en-US" sz="1400" dirty="0">
                 <a:solidFill>
@@ -5389,19 +5321,10 @@
                 </a:solidFill>
                 <a:latin typeface="Consolas" panose="020B0609020204030204" pitchFamily="49" charset="0"/>
               </a:rPr>
-              <a:t>[</a:t>
-            </a:r>
-            <a:r>
-              <a:rPr lang="en-US" sz="1400" dirty="0" smtClean="0">
-                <a:solidFill>
-                  <a:srgbClr val="333333"/>
-                </a:solidFill>
-                <a:latin typeface="Consolas" panose="020B0609020204030204" pitchFamily="49" charset="0"/>
-              </a:rPr>
-              <a:t>Parameter(</a:t>
-            </a:r>
-            <a:r>
-              <a:rPr lang="en-US" sz="1400" dirty="0" smtClean="0">
+              <a:t>[Parameter(</a:t>
+            </a:r>
+            <a:r>
+              <a:rPr lang="en-US" sz="1400" dirty="0">
                 <a:solidFill>
                   <a:srgbClr val="008080"/>
                 </a:solidFill>
@@ -5487,7 +5410,7 @@
               <a:t>numericalvalue</a:t>
             </a:r>
             <a:r>
-              <a:rPr lang="en-US" sz="1400" dirty="0" smtClean="0">
+              <a:rPr lang="en-US" sz="1400" dirty="0">
                 <a:solidFill>
                   <a:srgbClr val="A9A9A9"/>
                 </a:solidFill>
@@ -5550,19 +5473,10 @@
                 </a:solidFill>
                 <a:latin typeface="Consolas" panose="020B0609020204030204" pitchFamily="49" charset="0"/>
               </a:rPr>
-              <a:t>[</a:t>
-            </a:r>
-            <a:r>
-              <a:rPr lang="en-US" sz="1400" dirty="0" smtClean="0">
-                <a:solidFill>
-                  <a:srgbClr val="333333"/>
-                </a:solidFill>
-                <a:latin typeface="Consolas" panose="020B0609020204030204" pitchFamily="49" charset="0"/>
-              </a:rPr>
-              <a:t>Parameter(</a:t>
-            </a:r>
-            <a:r>
-              <a:rPr lang="en-US" sz="1400" dirty="0" smtClean="0">
+              <a:t>[Parameter(</a:t>
+            </a:r>
+            <a:r>
+              <a:rPr lang="en-US" sz="1400" dirty="0">
                 <a:solidFill>
                   <a:srgbClr val="008080"/>
                 </a:solidFill>
@@ -5609,19 +5523,10 @@
                 </a:solidFill>
                 <a:latin typeface="Consolas" panose="020B0609020204030204" pitchFamily="49" charset="0"/>
               </a:rPr>
-              <a:t>[</a:t>
-            </a:r>
-            <a:r>
-              <a:rPr lang="en-US" sz="1400" dirty="0" smtClean="0">
-                <a:solidFill>
-                  <a:srgbClr val="333333"/>
-                </a:solidFill>
-                <a:latin typeface="Consolas" panose="020B0609020204030204" pitchFamily="49" charset="0"/>
-              </a:rPr>
-              <a:t>Parameter(</a:t>
-            </a:r>
-            <a:r>
-              <a:rPr lang="en-US" sz="1400" dirty="0" err="1" smtClean="0">
+              <a:t>[Parameter(</a:t>
+            </a:r>
+            <a:r>
+              <a:rPr lang="en-US" sz="1400" dirty="0" err="1">
                 <a:solidFill>
                   <a:srgbClr val="008080"/>
                 </a:solidFill>
@@ -5682,7 +5587,7 @@
               <a:buNone/>
             </a:pPr>
             <a:r>
-              <a:rPr lang="en-US" sz="1400" dirty="0" smtClean="0">
+              <a:rPr lang="en-US" sz="1400" dirty="0">
                 <a:solidFill>
                   <a:srgbClr val="00008B"/>
                 </a:solidFill>
@@ -5709,17 +5614,90 @@
   <p:clrMapOvr>
     <a:masterClrMapping/>
   </p:clrMapOvr>
-  <p:timing>
-    <p:tnLst>
-      <p:par>
-        <p:cTn id="1" dur="indefinite" restart="never" nodeType="tmRoot"/>
-      </p:par>
-    </p:tnLst>
-  </p:timing>
 </p:sld>
 </file>
 
 <file path=ppt/slides/slide12.xml><?xml version="1.0" encoding="utf-8"?>
+<p:sld xmlns:a="http://schemas.openxmlformats.org/drawingml/2006/main" xmlns:r="http://schemas.openxmlformats.org/officeDocument/2006/relationships" xmlns:p="http://schemas.openxmlformats.org/presentationml/2006/main">
+  <p:cSld>
+    <p:spTree>
+      <p:nvGrpSpPr>
+        <p:cNvPr id="1" name=""/>
+        <p:cNvGrpSpPr/>
+        <p:nvPr/>
+      </p:nvGrpSpPr>
+      <p:grpSpPr>
+        <a:xfrm>
+          <a:off x="0" y="0"/>
+          <a:ext cx="0" cy="0"/>
+          <a:chOff x="0" y="0"/>
+          <a:chExt cx="0" cy="0"/>
+        </a:xfrm>
+      </p:grpSpPr>
+      <p:sp>
+        <p:nvSpPr>
+          <p:cNvPr id="2" name="Title 1"/>
+          <p:cNvSpPr>
+            <a:spLocks noGrp="1"/>
+          </p:cNvSpPr>
+          <p:nvPr>
+            <p:ph type="title"/>
+          </p:nvPr>
+        </p:nvSpPr>
+        <p:spPr/>
+        <p:txBody>
+          <a:bodyPr/>
+          <a:lstStyle/>
+          <a:p>
+            <a:r>
+              <a:rPr lang="en-US" dirty="0"/>
+              <a:t>But Why?</a:t>
+            </a:r>
+          </a:p>
+        </p:txBody>
+      </p:sp>
+      <p:sp>
+        <p:nvSpPr>
+          <p:cNvPr id="5" name="Content Placeholder 4"/>
+          <p:cNvSpPr>
+            <a:spLocks noGrp="1"/>
+          </p:cNvSpPr>
+          <p:nvPr>
+            <p:ph idx="1"/>
+          </p:nvPr>
+        </p:nvSpPr>
+        <p:spPr/>
+        <p:txBody>
+          <a:bodyPr/>
+          <a:lstStyle/>
+          <a:p>
+            <a:r>
+              <a:rPr lang="en-US" dirty="0"/>
+              <a:t>Why not?</a:t>
+            </a:r>
+          </a:p>
+          <a:p>
+            <a:pPr marL="0" indent="0">
+              <a:buNone/>
+            </a:pPr>
+            <a:endParaRPr lang="en-US" dirty="0"/>
+          </a:p>
+        </p:txBody>
+      </p:sp>
+    </p:spTree>
+    <p:extLst>
+      <p:ext uri="{BB962C8B-B14F-4D97-AF65-F5344CB8AC3E}">
+        <p14:creationId xmlns:p14="http://schemas.microsoft.com/office/powerpoint/2010/main" val="914536776"/>
+      </p:ext>
+    </p:extLst>
+  </p:cSld>
+  <p:clrMapOvr>
+    <a:masterClrMapping/>
+  </p:clrMapOvr>
+</p:sld>
+</file>
+
+<file path=ppt/slides/slide13.xml><?xml version="1.0" encoding="utf-8"?>
 <p:sld xmlns:a="http://schemas.openxmlformats.org/drawingml/2006/main" xmlns:r="http://schemas.openxmlformats.org/officeDocument/2006/relationships" xmlns:p="http://schemas.openxmlformats.org/presentationml/2006/main" show="0">
   <p:cSld>
     <p:spTree>
@@ -5934,26 +5912,17 @@
           </a:p>
           <a:p>
             <a:r>
-              <a:rPr lang="en-US" dirty="0" smtClean="0"/>
+              <a:rPr lang="en-US" dirty="0"/>
               <a:t>Extensible attributes, or “</a:t>
             </a:r>
             <a:r>
-              <a:rPr lang="en-US" dirty="0" err="1" smtClean="0"/>
+              <a:rPr lang="en-US" dirty="0" err="1"/>
               <a:t>extattr</a:t>
             </a:r>
             <a:r>
-              <a:rPr lang="en-US" dirty="0" smtClean="0"/>
-              <a:t>” </a:t>
-            </a:r>
-            <a:r>
-              <a:rPr lang="en-US" dirty="0"/>
-              <a:t>is like object tagging</a:t>
-            </a:r>
-            <a:r>
-              <a:rPr lang="en-US" dirty="0" smtClean="0"/>
-              <a:t>.</a:t>
-            </a:r>
-            <a:endParaRPr lang="en-US" dirty="0"/>
+              <a:rPr lang="en-US" dirty="0"/>
+              <a:t>” is like object tagging.</a:t>
+            </a:r>
           </a:p>
           <a:p>
             <a:r>
@@ -6030,86 +5999,6 @@
   <p:clrMapOvr>
     <a:masterClrMapping/>
   </p:clrMapOvr>
-  <mc:AlternateContent xmlns:mc="http://schemas.openxmlformats.org/markup-compatibility/2006" xmlns:p14="http://schemas.microsoft.com/office/powerpoint/2010/main">
-    <mc:Choice Requires="p14">
-      <p:transition spd="slow" p14:dur="2000"/>
-    </mc:Choice>
-    <mc:Fallback xmlns="">
-      <p:transition spd="slow"/>
-    </mc:Fallback>
-  </mc:AlternateContent>
-  <p:timing>
-    <p:tnLst>
-      <p:par>
-        <p:cTn id="1" dur="indefinite" restart="never" nodeType="tmRoot"/>
-      </p:par>
-    </p:tnLst>
-  </p:timing>
-</p:sld>
-</file>
-
-<file path=ppt/slides/slide13.xml><?xml version="1.0" encoding="utf-8"?>
-<p:sld xmlns:a="http://schemas.openxmlformats.org/drawingml/2006/main" xmlns:r="http://schemas.openxmlformats.org/officeDocument/2006/relationships" xmlns:p="http://schemas.openxmlformats.org/presentationml/2006/main">
-  <p:cSld>
-    <p:spTree>
-      <p:nvGrpSpPr>
-        <p:cNvPr id="1" name=""/>
-        <p:cNvGrpSpPr/>
-        <p:nvPr/>
-      </p:nvGrpSpPr>
-      <p:grpSpPr>
-        <a:xfrm>
-          <a:off x="0" y="0"/>
-          <a:ext cx="0" cy="0"/>
-          <a:chOff x="0" y="0"/>
-          <a:chExt cx="0" cy="0"/>
-        </a:xfrm>
-      </p:grpSpPr>
-      <p:sp>
-        <p:nvSpPr>
-          <p:cNvPr id="2" name="Content Placeholder 1">
-            <a:extLst>
-              <a:ext uri="{FF2B5EF4-FFF2-40B4-BE49-F238E27FC236}">
-                <a16:creationId xmlns:a16="http://schemas.microsoft.com/office/drawing/2014/main" id="{16F50367-CCF8-43B5-9C4E-F40739DC5231}"/>
-              </a:ext>
-            </a:extLst>
-          </p:cNvPr>
-          <p:cNvSpPr>
-            <a:spLocks noGrp="1"/>
-          </p:cNvSpPr>
-          <p:nvPr>
-            <p:ph sz="quarter" idx="13"/>
-          </p:nvPr>
-        </p:nvSpPr>
-        <p:spPr/>
-        <p:txBody>
-          <a:bodyPr/>
-          <a:lstStyle/>
-          <a:p>
-            <a:pPr marL="0" indent="0">
-              <a:buNone/>
-            </a:pPr>
-            <a:endParaRPr lang="en-US" dirty="0"/>
-          </a:p>
-        </p:txBody>
-      </p:sp>
-    </p:spTree>
-    <p:extLst>
-      <p:ext uri="{BB962C8B-B14F-4D97-AF65-F5344CB8AC3E}">
-        <p14:creationId xmlns:p14="http://schemas.microsoft.com/office/powerpoint/2010/main" val="3973683924"/>
-      </p:ext>
-    </p:extLst>
-  </p:cSld>
-  <p:clrMapOvr>
-    <a:masterClrMapping/>
-  </p:clrMapOvr>
-  <p:timing>
-    <p:tnLst>
-      <p:par>
-        <p:cTn id="1" dur="indefinite" restart="never" nodeType="tmRoot"/>
-      </p:par>
-    </p:tnLst>
-  </p:timing>
 </p:sld>
 </file>
 
@@ -6132,12 +6021,18 @@
       </p:grpSpPr>
       <p:sp>
         <p:nvSpPr>
-          <p:cNvPr id="5" name="Title 4"/>
-          <p:cNvSpPr>
-            <a:spLocks noGrp="1"/>
-          </p:cNvSpPr>
-          <p:nvPr>
-            <p:ph type="title"/>
+          <p:cNvPr id="2" name="Content Placeholder 1">
+            <a:extLst>
+              <a:ext uri="{FF2B5EF4-FFF2-40B4-BE49-F238E27FC236}">
+                <a16:creationId xmlns:a16="http://schemas.microsoft.com/office/drawing/2014/main" id="{16F50367-CCF8-43B5-9C4E-F40739DC5231}"/>
+              </a:ext>
+            </a:extLst>
+          </p:cNvPr>
+          <p:cNvSpPr>
+            <a:spLocks noGrp="1"/>
+          </p:cNvSpPr>
+          <p:nvPr>
+            <p:ph sz="quarter" idx="13"/>
           </p:nvPr>
         </p:nvSpPr>
         <p:spPr/>
@@ -6145,33 +6040,9 @@
           <a:bodyPr/>
           <a:lstStyle/>
           <a:p>
-            <a:r>
-              <a:rPr lang="en-US" dirty="0" smtClean="0"/>
-              <a:t>Release Pipeline</a:t>
-            </a:r>
-            <a:endParaRPr lang="en-US" dirty="0"/>
-          </a:p>
-        </p:txBody>
-      </p:sp>
-      <p:sp>
-        <p:nvSpPr>
-          <p:cNvPr id="6" name="Text Placeholder 5"/>
-          <p:cNvSpPr>
-            <a:spLocks noGrp="1"/>
-          </p:cNvSpPr>
-          <p:nvPr>
-            <p:ph type="body" idx="1"/>
-          </p:nvPr>
-        </p:nvSpPr>
-        <p:spPr/>
-        <p:txBody>
-          <a:bodyPr/>
-          <a:lstStyle/>
-          <a:p>
-            <a:r>
-              <a:rPr lang="en-US" dirty="0" smtClean="0"/>
-              <a:t>Build…Test…Deploy</a:t>
-            </a:r>
+            <a:pPr marL="0" indent="0">
+              <a:buNone/>
+            </a:pPr>
             <a:endParaRPr lang="en-US" dirty="0"/>
           </a:p>
         </p:txBody>
@@ -6179,20 +6050,13 @@
     </p:spTree>
     <p:extLst>
       <p:ext uri="{BB962C8B-B14F-4D97-AF65-F5344CB8AC3E}">
-        <p14:creationId xmlns:p14="http://schemas.microsoft.com/office/powerpoint/2010/main" val="793227249"/>
+        <p14:creationId xmlns:p14="http://schemas.microsoft.com/office/powerpoint/2010/main" val="3973683924"/>
       </p:ext>
     </p:extLst>
   </p:cSld>
   <p:clrMapOvr>
     <a:masterClrMapping/>
   </p:clrMapOvr>
-  <p:timing>
-    <p:tnLst>
-      <p:par>
-        <p:cTn id="1" dur="indefinite" restart="never" nodeType="tmRoot"/>
-      </p:par>
-    </p:tnLst>
-  </p:timing>
 </p:sld>
 </file>
 
@@ -6215,6 +6079,80 @@
       </p:grpSpPr>
       <p:sp>
         <p:nvSpPr>
+          <p:cNvPr id="5" name="Title 4"/>
+          <p:cNvSpPr>
+            <a:spLocks noGrp="1"/>
+          </p:cNvSpPr>
+          <p:nvPr>
+            <p:ph type="title"/>
+          </p:nvPr>
+        </p:nvSpPr>
+        <p:spPr/>
+        <p:txBody>
+          <a:bodyPr/>
+          <a:lstStyle/>
+          <a:p>
+            <a:r>
+              <a:rPr lang="en-US" dirty="0"/>
+              <a:t>Release Pipeline</a:t>
+            </a:r>
+          </a:p>
+        </p:txBody>
+      </p:sp>
+      <p:sp>
+        <p:nvSpPr>
+          <p:cNvPr id="6" name="Text Placeholder 5"/>
+          <p:cNvSpPr>
+            <a:spLocks noGrp="1"/>
+          </p:cNvSpPr>
+          <p:nvPr>
+            <p:ph type="body" idx="1"/>
+          </p:nvPr>
+        </p:nvSpPr>
+        <p:spPr/>
+        <p:txBody>
+          <a:bodyPr/>
+          <a:lstStyle/>
+          <a:p>
+            <a:r>
+              <a:rPr lang="en-US" dirty="0"/>
+              <a:t>Build…Test…Deploy</a:t>
+            </a:r>
+          </a:p>
+        </p:txBody>
+      </p:sp>
+    </p:spTree>
+    <p:extLst>
+      <p:ext uri="{BB962C8B-B14F-4D97-AF65-F5344CB8AC3E}">
+        <p14:creationId xmlns:p14="http://schemas.microsoft.com/office/powerpoint/2010/main" val="793227249"/>
+      </p:ext>
+    </p:extLst>
+  </p:cSld>
+  <p:clrMapOvr>
+    <a:masterClrMapping/>
+  </p:clrMapOvr>
+</p:sld>
+</file>
+
+<file path=ppt/slides/slide16.xml><?xml version="1.0" encoding="utf-8"?>
+<p:sld xmlns:a="http://schemas.openxmlformats.org/drawingml/2006/main" xmlns:r="http://schemas.openxmlformats.org/officeDocument/2006/relationships" xmlns:p="http://schemas.openxmlformats.org/presentationml/2006/main">
+  <p:cSld>
+    <p:spTree>
+      <p:nvGrpSpPr>
+        <p:cNvPr id="1" name=""/>
+        <p:cNvGrpSpPr/>
+        <p:nvPr/>
+      </p:nvGrpSpPr>
+      <p:grpSpPr>
+        <a:xfrm>
+          <a:off x="0" y="0"/>
+          <a:ext cx="0" cy="0"/>
+          <a:chOff x="0" y="0"/>
+          <a:chExt cx="0" cy="0"/>
+        </a:xfrm>
+      </p:grpSpPr>
+      <p:sp>
+        <p:nvSpPr>
           <p:cNvPr id="2" name="Title 1"/>
           <p:cNvSpPr>
             <a:spLocks noGrp="1"/>
@@ -6229,10 +6167,9 @@
           <a:lstStyle/>
           <a:p>
             <a:r>
-              <a:rPr lang="en-US" dirty="0" smtClean="0"/>
+              <a:rPr lang="en-US" dirty="0"/>
               <a:t>Release Pipeline	</a:t>
             </a:r>
-            <a:endParaRPr lang="en-US" dirty="0"/>
           </a:p>
         </p:txBody>
       </p:sp>
@@ -6259,7 +6196,7 @@
               </a:lnSpc>
             </a:pPr>
             <a:r>
-              <a:rPr lang="en-US" dirty="0" smtClean="0"/>
+              <a:rPr lang="en-US" dirty="0"/>
               <a:t>Build</a:t>
             </a:r>
           </a:p>
@@ -6281,7 +6218,7 @@
               </a:lnSpc>
             </a:pPr>
             <a:r>
-              <a:rPr lang="en-US" dirty="0" smtClean="0"/>
+              <a:rPr lang="en-US" dirty="0"/>
               <a:t>combine script files into psm1</a:t>
             </a:r>
           </a:p>
@@ -6292,7 +6229,7 @@
               </a:lnSpc>
             </a:pPr>
             <a:r>
-              <a:rPr lang="en-US" dirty="0" smtClean="0"/>
+              <a:rPr lang="en-US" dirty="0"/>
               <a:t>set module manifest</a:t>
             </a:r>
           </a:p>
@@ -6303,14 +6240,14 @@
               </a:lnSpc>
             </a:pPr>
             <a:r>
-              <a:rPr lang="en-US" dirty="0" smtClean="0"/>
+              <a:rPr lang="en-US" dirty="0"/>
               <a:t>compile help files with </a:t>
             </a:r>
             <a:r>
-              <a:rPr lang="en-US" dirty="0" err="1" smtClean="0"/>
+              <a:rPr lang="en-US" dirty="0" err="1"/>
               <a:t>platyPS</a:t>
             </a:r>
-            <a:endParaRPr lang="en-US" dirty="0" smtClean="0"/>
+            <a:endParaRPr lang="en-US" dirty="0"/>
           </a:p>
           <a:p>
             <a:pPr>
@@ -6319,14 +6256,14 @@
               </a:lnSpc>
             </a:pPr>
             <a:r>
-              <a:rPr lang="en-US" dirty="0" smtClean="0"/>
+              <a:rPr lang="en-US" dirty="0"/>
               <a:t>Test – unit test by mocking Invoke-</a:t>
             </a:r>
             <a:r>
-              <a:rPr lang="en-US" dirty="0" err="1" smtClean="0"/>
+              <a:rPr lang="en-US" dirty="0" err="1"/>
               <a:t>RestMethod</a:t>
             </a:r>
-            <a:endParaRPr lang="en-US" dirty="0" smtClean="0"/>
+            <a:endParaRPr lang="en-US" dirty="0"/>
           </a:p>
           <a:p>
             <a:pPr>
@@ -6335,18 +6272,17 @@
               </a:lnSpc>
             </a:pPr>
             <a:r>
-              <a:rPr lang="en-US" dirty="0" smtClean="0"/>
+              <a:rPr lang="en-US" dirty="0"/>
               <a:t>Deploy – publish module to the </a:t>
             </a:r>
             <a:r>
-              <a:rPr lang="en-US" dirty="0" err="1" smtClean="0"/>
+              <a:rPr lang="en-US" dirty="0" err="1"/>
               <a:t>Powershell</a:t>
             </a:r>
             <a:r>
-              <a:rPr lang="en-US" dirty="0" smtClean="0"/>
+              <a:rPr lang="en-US" dirty="0"/>
               <a:t> Gallery</a:t>
             </a:r>
-            <a:endParaRPr lang="en-US" dirty="0"/>
           </a:p>
         </p:txBody>
       </p:sp>
@@ -6667,7 +6603,7 @@
 </p:sld>
 </file>
 
-<file path=ppt/slides/slide16.xml><?xml version="1.0" encoding="utf-8"?>
+<file path=ppt/slides/slide17.xml><?xml version="1.0" encoding="utf-8"?>
 <p:sld xmlns:a="http://schemas.openxmlformats.org/drawingml/2006/main" xmlns:r="http://schemas.openxmlformats.org/officeDocument/2006/relationships" xmlns:p="http://schemas.openxmlformats.org/presentationml/2006/main">
   <p:cSld>
     <p:spTree>
@@ -6700,10 +6636,9 @@
           <a:lstStyle/>
           <a:p>
             <a:r>
-              <a:rPr lang="en-US" dirty="0" smtClean="0"/>
+              <a:rPr lang="en-US" dirty="0"/>
               <a:t>To The Cloud!</a:t>
             </a:r>
-            <a:endParaRPr lang="en-US" dirty="0"/>
           </a:p>
         </p:txBody>
       </p:sp>
@@ -6746,17 +6681,10 @@
   <p:clrMapOvr>
     <a:masterClrMapping/>
   </p:clrMapOvr>
-  <p:timing>
-    <p:tnLst>
-      <p:par>
-        <p:cTn id="1" dur="indefinite" restart="never" nodeType="tmRoot"/>
-      </p:par>
-    </p:tnLst>
-  </p:timing>
 </p:sld>
 </file>
 
-<file path=ppt/slides/slide17.xml><?xml version="1.0" encoding="utf-8"?>
+<file path=ppt/slides/slide18.xml><?xml version="1.0" encoding="utf-8"?>
 <p:sld xmlns:a="http://schemas.openxmlformats.org/drawingml/2006/main" xmlns:r="http://schemas.openxmlformats.org/officeDocument/2006/relationships" xmlns:p="http://schemas.openxmlformats.org/presentationml/2006/main" show="0">
   <p:cSld>
     <p:spTree>
@@ -6790,10 +6718,9 @@
           <a:p>
             <a:pPr algn="r"/>
             <a:r>
-              <a:rPr lang="en-US" dirty="0" smtClean="0"/>
+              <a:rPr lang="en-US" dirty="0"/>
               <a:t>Always test your code!.....</a:t>
             </a:r>
-            <a:endParaRPr lang="en-US" dirty="0"/>
           </a:p>
         </p:txBody>
       </p:sp>
@@ -6832,25 +6759,10 @@
   <p:clrMapOvr>
     <a:masterClrMapping/>
   </p:clrMapOvr>
-  <mc:AlternateContent xmlns:mc="http://schemas.openxmlformats.org/markup-compatibility/2006">
-    <mc:Choice xmlns:p14="http://schemas.microsoft.com/office/powerpoint/2010/main" Requires="p14">
-      <p:transition spd="slow" p14:dur="2000"/>
-    </mc:Choice>
-    <mc:Fallback>
-      <p:transition spd="slow"/>
-    </mc:Fallback>
-  </mc:AlternateContent>
-  <p:timing>
-    <p:tnLst>
-      <p:par>
-        <p:cTn id="1" dur="indefinite" restart="never" nodeType="tmRoot"/>
-      </p:par>
-    </p:tnLst>
-  </p:timing>
 </p:sld>
 </file>
 
-<file path=ppt/slides/slide18.xml><?xml version="1.0" encoding="utf-8"?>
+<file path=ppt/slides/slide19.xml><?xml version="1.0" encoding="utf-8"?>
 <p:sld xmlns:a="http://schemas.openxmlformats.org/drawingml/2006/main" xmlns:r="http://schemas.openxmlformats.org/officeDocument/2006/relationships" xmlns:p="http://schemas.openxmlformats.org/presentationml/2006/main">
   <p:cSld>
     <p:spTree>
@@ -7004,10 +6916,9 @@
           <a:p>
             <a:pPr algn="ctr"/>
             <a:r>
-              <a:rPr lang="en-US" dirty="0" smtClean="0"/>
+              <a:rPr lang="en-US" dirty="0"/>
               <a:t>Psake.ps1</a:t>
             </a:r>
-            <a:endParaRPr lang="en-US" dirty="0"/>
           </a:p>
         </p:txBody>
       </p:sp>
@@ -7035,10 +6946,9 @@
           <a:p>
             <a:pPr algn="ctr"/>
             <a:r>
-              <a:rPr lang="en-US" dirty="0" smtClean="0"/>
+              <a:rPr lang="en-US" dirty="0"/>
               <a:t>Release Pipeline</a:t>
             </a:r>
-            <a:endParaRPr lang="en-US" dirty="0"/>
           </a:p>
         </p:txBody>
       </p:sp>
@@ -7079,10 +6989,9 @@
           <a:p>
             <a:pPr algn="ctr"/>
             <a:r>
-              <a:rPr lang="en-US" dirty="0" smtClean="0"/>
+              <a:rPr lang="en-US" dirty="0"/>
               <a:t>clean</a:t>
             </a:r>
-            <a:endParaRPr lang="en-US" dirty="0"/>
           </a:p>
         </p:txBody>
       </p:sp>
@@ -7123,10 +7032,9 @@
           <a:p>
             <a:pPr algn="ctr"/>
             <a:r>
-              <a:rPr lang="en-US" dirty="0" smtClean="0"/>
+              <a:rPr lang="en-US" dirty="0"/>
               <a:t>build</a:t>
             </a:r>
-            <a:endParaRPr lang="en-US" dirty="0"/>
           </a:p>
         </p:txBody>
       </p:sp>
@@ -7167,10 +7075,9 @@
           <a:p>
             <a:pPr algn="ctr"/>
             <a:r>
-              <a:rPr lang="en-US" dirty="0" smtClean="0"/>
+              <a:rPr lang="en-US" dirty="0"/>
               <a:t>test</a:t>
             </a:r>
-            <a:endParaRPr lang="en-US" dirty="0"/>
           </a:p>
         </p:txBody>
       </p:sp>
@@ -7212,11 +7119,7 @@
             <a:pPr algn="ctr"/>
             <a:r>
               <a:rPr lang="en-US" dirty="0" err="1"/>
-              <a:t>i</a:t>
-            </a:r>
-            <a:r>
-              <a:rPr lang="en-US" dirty="0" err="1" smtClean="0"/>
-              <a:t>nit</a:t>
+              <a:t>init</a:t>
             </a:r>
             <a:endParaRPr lang="en-US" dirty="0"/>
           </a:p>
@@ -7260,14 +7163,10 @@
             <a:pPr algn="ctr"/>
             <a:r>
               <a:rPr lang="en-US" dirty="0"/>
-              <a:t>b</a:t>
-            </a:r>
-            <a:r>
-              <a:rPr lang="en-US" dirty="0" smtClean="0"/>
-              <a:t>uild test </a:t>
-            </a:r>
-            <a:r>
-              <a:rPr lang="en-US" dirty="0" err="1" smtClean="0"/>
+              <a:t>build test </a:t>
+            </a:r>
+            <a:r>
+              <a:rPr lang="en-US" dirty="0" err="1"/>
               <a:t>env</a:t>
             </a:r>
             <a:endParaRPr lang="en-US" dirty="0"/>
@@ -7311,10 +7210,9 @@
           <a:p>
             <a:pPr algn="ctr"/>
             <a:r>
-              <a:rPr lang="en-US" dirty="0" smtClean="0"/>
+              <a:rPr lang="en-US" dirty="0"/>
               <a:t>deploy</a:t>
             </a:r>
-            <a:endParaRPr lang="en-US" dirty="0"/>
           </a:p>
         </p:txBody>
       </p:sp>
@@ -7355,10 +7253,9 @@
           <a:p>
             <a:pPr algn="ctr"/>
             <a:r>
-              <a:rPr lang="en-US" dirty="0" smtClean="0"/>
+              <a:rPr lang="en-US" dirty="0"/>
               <a:t>Build.ps1</a:t>
             </a:r>
-            <a:endParaRPr lang="en-US" dirty="0"/>
           </a:p>
         </p:txBody>
       </p:sp>
@@ -7399,11 +7296,11 @@
           <a:p>
             <a:pPr algn="ctr"/>
             <a:r>
-              <a:rPr lang="en-US" dirty="0" smtClean="0"/>
+              <a:rPr lang="en-US" dirty="0"/>
               <a:t>Appveyor. </a:t>
             </a:r>
             <a:r>
-              <a:rPr lang="en-US" dirty="0" err="1" smtClean="0"/>
+              <a:rPr lang="en-US" dirty="0" err="1"/>
               <a:t>yml</a:t>
             </a:r>
             <a:endParaRPr lang="en-US" dirty="0"/>
@@ -7447,10 +7344,9 @@
           <a:p>
             <a:pPr algn="ctr"/>
             <a:r>
-              <a:rPr lang="en-US" dirty="0" smtClean="0"/>
+              <a:rPr lang="en-US" dirty="0"/>
               <a:t>Appveyor. ps1</a:t>
             </a:r>
-            <a:endParaRPr lang="en-US" dirty="0"/>
           </a:p>
         </p:txBody>
       </p:sp>
@@ -8079,138 +7975,6 @@
 </p:sld>
 </file>
 
-<file path=ppt/slides/slide19.xml><?xml version="1.0" encoding="utf-8"?>
-<p:sld xmlns:a="http://schemas.openxmlformats.org/drawingml/2006/main" xmlns:r="http://schemas.openxmlformats.org/officeDocument/2006/relationships" xmlns:p="http://schemas.openxmlformats.org/presentationml/2006/main">
-  <p:cSld>
-    <p:spTree>
-      <p:nvGrpSpPr>
-        <p:cNvPr id="1" name=""/>
-        <p:cNvGrpSpPr/>
-        <p:nvPr/>
-      </p:nvGrpSpPr>
-      <p:grpSpPr>
-        <a:xfrm>
-          <a:off x="0" y="0"/>
-          <a:ext cx="0" cy="0"/>
-          <a:chOff x="0" y="0"/>
-          <a:chExt cx="0" cy="0"/>
-        </a:xfrm>
-      </p:grpSpPr>
-      <p:sp>
-        <p:nvSpPr>
-          <p:cNvPr id="2" name="Title 1"/>
-          <p:cNvSpPr>
-            <a:spLocks noGrp="1"/>
-          </p:cNvSpPr>
-          <p:nvPr>
-            <p:ph type="title"/>
-          </p:nvPr>
-        </p:nvSpPr>
-        <p:spPr/>
-        <p:txBody>
-          <a:bodyPr/>
-          <a:lstStyle/>
-          <a:p>
-            <a:pPr algn="r"/>
-            <a:r>
-              <a:rPr lang="en-US" dirty="0" smtClean="0"/>
-              <a:t>Reference links</a:t>
-            </a:r>
-            <a:endParaRPr lang="en-US" dirty="0"/>
-          </a:p>
-        </p:txBody>
-      </p:sp>
-      <p:sp>
-        <p:nvSpPr>
-          <p:cNvPr id="3" name="Content Placeholder 2"/>
-          <p:cNvSpPr>
-            <a:spLocks noGrp="1"/>
-          </p:cNvSpPr>
-          <p:nvPr>
-            <p:ph idx="1"/>
-          </p:nvPr>
-        </p:nvSpPr>
-        <p:spPr>
-          <a:xfrm>
-            <a:off x="3953164" y="1825625"/>
-            <a:ext cx="7400636" cy="4351338"/>
-          </a:xfrm>
-        </p:spPr>
-        <p:txBody>
-          <a:bodyPr>
-            <a:normAutofit/>
-          </a:bodyPr>
-          <a:lstStyle/>
-          <a:p>
-            <a:r>
-              <a:rPr lang="en-US" sz="2000" dirty="0">
-                <a:hlinkClick r:id="rId2"/>
-              </a:rPr>
-              <a:t>https://</a:t>
-            </a:r>
-            <a:r>
-              <a:rPr lang="en-US" sz="2000" dirty="0" smtClean="0">
-                <a:hlinkClick r:id="rId2"/>
-              </a:rPr>
-              <a:t>github.com/murrahjm/Infoblox-Classy</a:t>
-            </a:r>
-            <a:endParaRPr lang="en-US" sz="2000" dirty="0" smtClean="0"/>
-          </a:p>
-          <a:p>
-            <a:r>
-              <a:rPr lang="en-US" sz="2000" dirty="0">
-                <a:hlinkClick r:id="rId3"/>
-              </a:rPr>
-              <a:t>http://ramblingcookiemonster.github.io/PSDeploy-Inception</a:t>
-            </a:r>
-            <a:r>
-              <a:rPr lang="en-US" sz="2000" dirty="0" smtClean="0">
-                <a:hlinkClick r:id="rId3"/>
-              </a:rPr>
-              <a:t>/</a:t>
-            </a:r>
-            <a:endParaRPr lang="en-US" sz="2000" dirty="0" smtClean="0"/>
-          </a:p>
-          <a:p>
-            <a:r>
-              <a:rPr lang="en-US" sz="1800" dirty="0">
-                <a:hlinkClick r:id="rId4"/>
-              </a:rPr>
-              <a:t>https://</a:t>
-            </a:r>
-            <a:r>
-              <a:rPr lang="en-US" sz="1800" dirty="0" smtClean="0">
-                <a:hlinkClick r:id="rId4"/>
-              </a:rPr>
-              <a:t>docs.microsoft.com/en-us/powershell/wmf/5.0/class_newtype</a:t>
-            </a:r>
-            <a:endParaRPr lang="en-US" sz="1800" dirty="0" smtClean="0"/>
-          </a:p>
-          <a:p>
-            <a:endParaRPr lang="en-US" sz="2000" dirty="0"/>
-          </a:p>
-        </p:txBody>
-      </p:sp>
-    </p:spTree>
-    <p:extLst>
-      <p:ext uri="{BB962C8B-B14F-4D97-AF65-F5344CB8AC3E}">
-        <p14:creationId xmlns:p14="http://schemas.microsoft.com/office/powerpoint/2010/main" val="276757675"/>
-      </p:ext>
-    </p:extLst>
-  </p:cSld>
-  <p:clrMapOvr>
-    <a:masterClrMapping/>
-  </p:clrMapOvr>
-  <p:timing>
-    <p:tnLst>
-      <p:par>
-        <p:cTn id="1" dur="indefinite" restart="never" nodeType="tmRoot"/>
-      </p:par>
-    </p:tnLst>
-  </p:timing>
-</p:sld>
-</file>
-
 <file path=ppt/slides/slide2.xml><?xml version="1.0" encoding="utf-8"?>
 <p:sld xmlns:a="http://schemas.openxmlformats.org/drawingml/2006/main" xmlns:r="http://schemas.openxmlformats.org/officeDocument/2006/relationships" xmlns:p="http://schemas.openxmlformats.org/presentationml/2006/main" show="0">
   <p:cSld>
@@ -8302,25 +8066,116 @@
   <p:clrMapOvr>
     <a:masterClrMapping/>
   </p:clrMapOvr>
-  <mc:AlternateContent xmlns:mc="http://schemas.openxmlformats.org/markup-compatibility/2006" xmlns:p14="http://schemas.microsoft.com/office/powerpoint/2010/main">
-    <mc:Choice Requires="p14">
-      <p:transition spd="slow" p14:dur="2000"/>
-    </mc:Choice>
-    <mc:Fallback xmlns="">
-      <p:transition spd="slow"/>
-    </mc:Fallback>
-  </mc:AlternateContent>
-  <p:timing>
-    <p:tnLst>
-      <p:par>
-        <p:cTn id="1" dur="indefinite" restart="never" nodeType="tmRoot"/>
-      </p:par>
-    </p:tnLst>
-  </p:timing>
 </p:sld>
 </file>
 
 <file path=ppt/slides/slide20.xml><?xml version="1.0" encoding="utf-8"?>
+<p:sld xmlns:a="http://schemas.openxmlformats.org/drawingml/2006/main" xmlns:r="http://schemas.openxmlformats.org/officeDocument/2006/relationships" xmlns:p="http://schemas.openxmlformats.org/presentationml/2006/main">
+  <p:cSld>
+    <p:spTree>
+      <p:nvGrpSpPr>
+        <p:cNvPr id="1" name=""/>
+        <p:cNvGrpSpPr/>
+        <p:nvPr/>
+      </p:nvGrpSpPr>
+      <p:grpSpPr>
+        <a:xfrm>
+          <a:off x="0" y="0"/>
+          <a:ext cx="0" cy="0"/>
+          <a:chOff x="0" y="0"/>
+          <a:chExt cx="0" cy="0"/>
+        </a:xfrm>
+      </p:grpSpPr>
+      <p:sp>
+        <p:nvSpPr>
+          <p:cNvPr id="2" name="Title 1"/>
+          <p:cNvSpPr>
+            <a:spLocks noGrp="1"/>
+          </p:cNvSpPr>
+          <p:nvPr>
+            <p:ph type="title"/>
+          </p:nvPr>
+        </p:nvSpPr>
+        <p:spPr/>
+        <p:txBody>
+          <a:bodyPr/>
+          <a:lstStyle/>
+          <a:p>
+            <a:pPr algn="r"/>
+            <a:r>
+              <a:rPr lang="en-US" dirty="0"/>
+              <a:t>Reference links</a:t>
+            </a:r>
+          </a:p>
+        </p:txBody>
+      </p:sp>
+      <p:sp>
+        <p:nvSpPr>
+          <p:cNvPr id="3" name="Content Placeholder 2"/>
+          <p:cNvSpPr>
+            <a:spLocks noGrp="1"/>
+          </p:cNvSpPr>
+          <p:nvPr>
+            <p:ph idx="1"/>
+          </p:nvPr>
+        </p:nvSpPr>
+        <p:spPr>
+          <a:xfrm>
+            <a:off x="3953164" y="1825625"/>
+            <a:ext cx="7400636" cy="4351338"/>
+          </a:xfrm>
+        </p:spPr>
+        <p:txBody>
+          <a:bodyPr>
+            <a:normAutofit/>
+          </a:bodyPr>
+          <a:lstStyle/>
+          <a:p>
+            <a:r>
+              <a:rPr lang="en-US" sz="2000" dirty="0">
+                <a:hlinkClick r:id="rId2"/>
+              </a:rPr>
+              <a:t>https://github.com/murrahjm/Infoblox-Classy</a:t>
+            </a:r>
+            <a:endParaRPr lang="en-US" sz="2000" dirty="0"/>
+          </a:p>
+          <a:p>
+            <a:r>
+              <a:rPr lang="en-US" sz="2000" dirty="0">
+                <a:hlinkClick r:id="rId3"/>
+              </a:rPr>
+              <a:t>http://ramblingcookiemonster.github.io/PSDeploy-Inception/</a:t>
+            </a:r>
+            <a:endParaRPr lang="en-US" sz="2000" dirty="0"/>
+          </a:p>
+          <a:p>
+            <a:r>
+              <a:rPr lang="en-US" sz="1800" dirty="0">
+                <a:hlinkClick r:id="rId4"/>
+              </a:rPr>
+              <a:t>https://docs.microsoft.com/en-us/powershell/wmf/5.0/class_newtype</a:t>
+            </a:r>
+            <a:endParaRPr lang="en-US" sz="1800" dirty="0"/>
+          </a:p>
+          <a:p>
+            <a:endParaRPr lang="en-US" sz="2000" dirty="0"/>
+          </a:p>
+        </p:txBody>
+      </p:sp>
+    </p:spTree>
+    <p:extLst>
+      <p:ext uri="{BB962C8B-B14F-4D97-AF65-F5344CB8AC3E}">
+        <p14:creationId xmlns:p14="http://schemas.microsoft.com/office/powerpoint/2010/main" val="276757675"/>
+      </p:ext>
+    </p:extLst>
+  </p:cSld>
+  <p:clrMapOvr>
+    <a:masterClrMapping/>
+  </p:clrMapOvr>
+</p:sld>
+</file>
+
+<file path=ppt/slides/slide21.xml><?xml version="1.0" encoding="utf-8"?>
 <p:sld xmlns:a="http://schemas.openxmlformats.org/drawingml/2006/main" xmlns:r="http://schemas.openxmlformats.org/officeDocument/2006/relationships" xmlns:p="http://schemas.openxmlformats.org/presentationml/2006/main">
   <p:cSld>
     <p:spTree>
@@ -8347,13 +8202,6 @@
   <p:clrMapOvr>
     <a:masterClrMapping/>
   </p:clrMapOvr>
-  <p:timing>
-    <p:tnLst>
-      <p:par>
-        <p:cTn id="1" dur="indefinite" restart="never" nodeType="tmRoot"/>
-      </p:par>
-    </p:tnLst>
-  </p:timing>
 </p:sld>
 </file>
 
@@ -8440,21 +8288,6 @@
   <p:clrMapOvr>
     <a:masterClrMapping/>
   </p:clrMapOvr>
-  <mc:AlternateContent xmlns:mc="http://schemas.openxmlformats.org/markup-compatibility/2006" xmlns:p14="http://schemas.microsoft.com/office/powerpoint/2010/main">
-    <mc:Choice Requires="p14">
-      <p:transition spd="slow" p14:dur="2000"/>
-    </mc:Choice>
-    <mc:Fallback xmlns="">
-      <p:transition spd="slow"/>
-    </mc:Fallback>
-  </mc:AlternateContent>
-  <p:timing>
-    <p:tnLst>
-      <p:par>
-        <p:cTn id="1" dur="indefinite" restart="never" nodeType="tmRoot"/>
-      </p:par>
-    </p:tnLst>
-  </p:timing>
 </p:sld>
 </file>
 
@@ -8549,21 +8382,6 @@
   <p:clrMapOvr>
     <a:masterClrMapping/>
   </p:clrMapOvr>
-  <mc:AlternateContent xmlns:mc="http://schemas.openxmlformats.org/markup-compatibility/2006" xmlns:p14="http://schemas.microsoft.com/office/powerpoint/2010/main">
-    <mc:Choice Requires="p14">
-      <p:transition spd="slow" p14:dur="2000"/>
-    </mc:Choice>
-    <mc:Fallback xmlns="">
-      <p:transition spd="slow"/>
-    </mc:Fallback>
-  </mc:AlternateContent>
-  <p:timing>
-    <p:tnLst>
-      <p:par>
-        <p:cTn id="1" dur="indefinite" restart="never" nodeType="tmRoot"/>
-      </p:par>
-    </p:tnLst>
-  </p:timing>
 </p:sld>
 </file>
 
@@ -8658,21 +8476,6 @@
   <p:clrMapOvr>
     <a:masterClrMapping/>
   </p:clrMapOvr>
-  <mc:AlternateContent xmlns:mc="http://schemas.openxmlformats.org/markup-compatibility/2006" xmlns:p14="http://schemas.microsoft.com/office/powerpoint/2010/main">
-    <mc:Choice Requires="p14">
-      <p:transition spd="slow" p14:dur="2000"/>
-    </mc:Choice>
-    <mc:Fallback xmlns="">
-      <p:transition spd="slow"/>
-    </mc:Fallback>
-  </mc:AlternateContent>
-  <p:timing>
-    <p:tnLst>
-      <p:par>
-        <p:cTn id="1" dur="indefinite" restart="never" nodeType="tmRoot"/>
-      </p:par>
-    </p:tnLst>
-  </p:timing>
 </p:sld>
 </file>
 
@@ -8765,21 +8568,6 @@
   <p:clrMapOvr>
     <a:masterClrMapping/>
   </p:clrMapOvr>
-  <mc:AlternateContent xmlns:mc="http://schemas.openxmlformats.org/markup-compatibility/2006" xmlns:p14="http://schemas.microsoft.com/office/powerpoint/2010/main">
-    <mc:Choice Requires="p14">
-      <p:transition spd="slow" p14:dur="2000"/>
-    </mc:Choice>
-    <mc:Fallback xmlns="">
-      <p:transition spd="slow"/>
-    </mc:Fallback>
-  </mc:AlternateContent>
-  <p:timing>
-    <p:tnLst>
-      <p:par>
-        <p:cTn id="1" dur="indefinite" restart="never" nodeType="tmRoot"/>
-      </p:par>
-    </p:tnLst>
-  </p:timing>
 </p:sld>
 </file>
 
@@ -8860,21 +8648,6 @@
   <p:clrMapOvr>
     <a:masterClrMapping/>
   </p:clrMapOvr>
-  <mc:AlternateContent xmlns:mc="http://schemas.openxmlformats.org/markup-compatibility/2006" xmlns:p14="http://schemas.microsoft.com/office/powerpoint/2010/main">
-    <mc:Choice Requires="p14">
-      <p:transition spd="slow" p14:dur="2000"/>
-    </mc:Choice>
-    <mc:Fallback xmlns="">
-      <p:transition spd="slow"/>
-    </mc:Fallback>
-  </mc:AlternateContent>
-  <p:timing>
-    <p:tnLst>
-      <p:par>
-        <p:cTn id="1" dur="indefinite" restart="never" nodeType="tmRoot"/>
-      </p:par>
-    </p:tnLst>
-  </p:timing>
 </p:sld>
 </file>
 
@@ -8961,13 +8734,6 @@
   <p:clrMapOvr>
     <a:masterClrMapping/>
   </p:clrMapOvr>
-  <p:timing>
-    <p:tnLst>
-      <p:par>
-        <p:cTn id="1" dur="indefinite" restart="never" nodeType="tmRoot"/>
-      </p:par>
-    </p:tnLst>
-  </p:timing>
 </p:sld>
 </file>
 
@@ -9004,10 +8770,9 @@
           <a:lstStyle/>
           <a:p>
             <a:r>
-              <a:rPr lang="en-US" dirty="0" smtClean="0"/>
+              <a:rPr lang="en-US" dirty="0"/>
               <a:t>REST API                           CLASSES</a:t>
             </a:r>
-            <a:endParaRPr lang="en-US" dirty="0"/>
           </a:p>
         </p:txBody>
       </p:sp>
@@ -9027,38 +8792,37 @@
           <a:lstStyle/>
           <a:p>
             <a:r>
-              <a:rPr lang="en-US" dirty="0" smtClean="0"/>
+              <a:rPr lang="en-US" dirty="0"/>
               <a:t>https://website/api/objecttype</a:t>
             </a:r>
           </a:p>
           <a:p>
             <a:pPr lvl="1"/>
             <a:r>
-              <a:rPr lang="en-US" dirty="0" smtClean="0"/>
+              <a:rPr lang="en-US" dirty="0"/>
               <a:t>PUT	update</a:t>
             </a:r>
           </a:p>
           <a:p>
             <a:pPr lvl="1"/>
             <a:r>
-              <a:rPr lang="en-US" dirty="0" smtClean="0"/>
+              <a:rPr lang="en-US" dirty="0"/>
               <a:t>GET	read</a:t>
             </a:r>
           </a:p>
           <a:p>
             <a:pPr lvl="1"/>
             <a:r>
-              <a:rPr lang="en-US" dirty="0" smtClean="0"/>
+              <a:rPr lang="en-US" dirty="0"/>
               <a:t>POST	create</a:t>
             </a:r>
           </a:p>
           <a:p>
             <a:pPr lvl="1"/>
             <a:r>
-              <a:rPr lang="en-US" dirty="0" smtClean="0"/>
+              <a:rPr lang="en-US" dirty="0"/>
               <a:t>DELETE	delete</a:t>
             </a:r>
-            <a:endParaRPr lang="en-US" dirty="0"/>
           </a:p>
         </p:txBody>
       </p:sp>
@@ -9078,30 +8842,30 @@
           <a:lstStyle/>
           <a:p>
             <a:r>
-              <a:rPr lang="en-US" dirty="0" smtClean="0"/>
+              <a:rPr lang="en-US" dirty="0"/>
               <a:t>Class </a:t>
             </a:r>
             <a:r>
-              <a:rPr lang="en-US" dirty="0" err="1" smtClean="0"/>
+              <a:rPr lang="en-US" dirty="0" err="1"/>
               <a:t>objecttype</a:t>
             </a:r>
             <a:r>
-              <a:rPr lang="en-US" dirty="0" smtClean="0"/>
+              <a:rPr lang="en-US" dirty="0"/>
               <a:t>{</a:t>
             </a:r>
           </a:p>
           <a:p>
             <a:pPr lvl="1"/>
             <a:r>
-              <a:rPr lang="en-US" dirty="0" smtClean="0"/>
+              <a:rPr lang="en-US" dirty="0"/>
               <a:t>Static </a:t>
             </a:r>
             <a:r>
-              <a:rPr lang="en-US" dirty="0" err="1" smtClean="0"/>
+              <a:rPr lang="en-US" dirty="0" err="1"/>
               <a:t>objecttype</a:t>
             </a:r>
             <a:r>
-              <a:rPr lang="en-US" dirty="0" smtClean="0"/>
+              <a:rPr lang="en-US" dirty="0"/>
               <a:t> create {}</a:t>
             </a:r>
           </a:p>
@@ -9109,51 +8873,46 @@
             <a:pPr lvl="1"/>
             <a:r>
               <a:rPr lang="en-US" dirty="0"/>
-              <a:t> </a:t>
-            </a:r>
-            <a:r>
-              <a:rPr lang="en-US" dirty="0" smtClean="0"/>
-              <a:t>          </a:t>
-            </a:r>
-            <a:r>
-              <a:rPr lang="en-US" dirty="0" err="1" smtClean="0"/>
+              <a:t>           </a:t>
+            </a:r>
+            <a:r>
+              <a:rPr lang="en-US" dirty="0" err="1"/>
               <a:t>objecttype</a:t>
             </a:r>
             <a:r>
-              <a:rPr lang="en-US" dirty="0" smtClean="0"/>
+              <a:rPr lang="en-US" dirty="0"/>
               <a:t> update {}</a:t>
             </a:r>
           </a:p>
           <a:p>
             <a:pPr lvl="1"/>
             <a:r>
-              <a:rPr lang="en-US" dirty="0" smtClean="0"/>
+              <a:rPr lang="en-US" dirty="0"/>
               <a:t>Static </a:t>
             </a:r>
             <a:r>
-              <a:rPr lang="en-US" dirty="0" err="1" smtClean="0"/>
+              <a:rPr lang="en-US" dirty="0" err="1"/>
               <a:t>objecttype</a:t>
             </a:r>
             <a:r>
-              <a:rPr lang="en-US" dirty="0" smtClean="0"/>
+              <a:rPr lang="en-US" dirty="0"/>
               <a:t> get {}</a:t>
             </a:r>
           </a:p>
           <a:p>
             <a:pPr lvl="1"/>
             <a:r>
-              <a:rPr lang="en-US" dirty="0" smtClean="0"/>
+              <a:rPr lang="en-US" dirty="0"/>
               <a:t>           </a:t>
             </a:r>
             <a:r>
-              <a:rPr lang="en-US" dirty="0" err="1" smtClean="0"/>
+              <a:rPr lang="en-US" dirty="0" err="1"/>
               <a:t>objecttype</a:t>
             </a:r>
             <a:r>
-              <a:rPr lang="en-US" dirty="0" smtClean="0"/>
+              <a:rPr lang="en-US" dirty="0"/>
               <a:t> delete {}</a:t>
             </a:r>
-            <a:endParaRPr lang="en-US" dirty="0"/>
           </a:p>
         </p:txBody>
       </p:sp>
@@ -9167,13 +8926,6 @@
   <p:clrMapOvr>
     <a:masterClrMapping/>
   </p:clrMapOvr>
-  <p:timing>
-    <p:tnLst>
-      <p:par>
-        <p:cTn id="1" dur="indefinite" restart="never" nodeType="tmRoot"/>
-      </p:par>
-    </p:tnLst>
-  </p:timing>
 </p:sld>
 </file>
 

--- a/Presentation.pptx
+++ b/Presentation.pptx
@@ -5,30 +5,21 @@
     <p:sldMasterId id="2147483668" r:id="rId1"/>
   </p:sldMasterIdLst>
   <p:notesMasterIdLst>
-    <p:notesMasterId r:id="rId23"/>
+    <p:notesMasterId r:id="rId14"/>
   </p:notesMasterIdLst>
   <p:sldIdLst>
-    <p:sldId id="256" r:id="rId2"/>
-    <p:sldId id="258" r:id="rId3"/>
-    <p:sldId id="259" r:id="rId4"/>
-    <p:sldId id="260" r:id="rId5"/>
-    <p:sldId id="261" r:id="rId6"/>
-    <p:sldId id="263" r:id="rId7"/>
-    <p:sldId id="262" r:id="rId8"/>
-    <p:sldId id="257" r:id="rId9"/>
-    <p:sldId id="269" r:id="rId10"/>
-    <p:sldId id="271" r:id="rId11"/>
-    <p:sldId id="270" r:id="rId12"/>
-    <p:sldId id="276" r:id="rId13"/>
-    <p:sldId id="266" r:id="rId14"/>
-    <p:sldId id="265" r:id="rId15"/>
-    <p:sldId id="273" r:id="rId16"/>
-    <p:sldId id="274" r:id="rId17"/>
-    <p:sldId id="275" r:id="rId18"/>
-    <p:sldId id="268" r:id="rId19"/>
-    <p:sldId id="267" r:id="rId20"/>
-    <p:sldId id="272" r:id="rId21"/>
-    <p:sldId id="264" r:id="rId22"/>
+    <p:sldId id="257" r:id="rId2"/>
+    <p:sldId id="269" r:id="rId3"/>
+    <p:sldId id="271" r:id="rId4"/>
+    <p:sldId id="270" r:id="rId5"/>
+    <p:sldId id="276" r:id="rId6"/>
+    <p:sldId id="265" r:id="rId7"/>
+    <p:sldId id="273" r:id="rId8"/>
+    <p:sldId id="274" r:id="rId9"/>
+    <p:sldId id="275" r:id="rId10"/>
+    <p:sldId id="267" r:id="rId11"/>
+    <p:sldId id="272" r:id="rId12"/>
+    <p:sldId id="264" r:id="rId13"/>
   </p:sldIdLst>
   <p:sldSz cx="12192000" cy="6858000"/>
   <p:notesSz cx="6858000" cy="9144000"/>
@@ -131,15 +122,7 @@
     <p:ext uri="{521415D9-36F7-43E2-AB2F-B90AF26B5E84}">
       <p14:sectionLst xmlns:p14="http://schemas.microsoft.com/office/powerpoint/2010/main">
         <p14:section name="Design Notes" id="{8B995469-BB0B-2D41-B3AD-40FEA49126C5}">
-          <p14:sldIdLst>
-            <p14:sldId id="256"/>
-            <p14:sldId id="258"/>
-            <p14:sldId id="259"/>
-            <p14:sldId id="260"/>
-            <p14:sldId id="261"/>
-            <p14:sldId id="263"/>
-            <p14:sldId id="262"/>
-          </p14:sldIdLst>
+          <p14:sldIdLst/>
         </p14:section>
         <p14:section name="Your Presentation" id="{A8D7B0BD-02B5-F641-8106-1F81A10ED379}">
           <p14:sldIdLst>
@@ -148,12 +131,10 @@
             <p14:sldId id="271"/>
             <p14:sldId id="270"/>
             <p14:sldId id="276"/>
-            <p14:sldId id="266"/>
             <p14:sldId id="265"/>
             <p14:sldId id="273"/>
             <p14:sldId id="274"/>
             <p14:sldId id="275"/>
-            <p14:sldId id="268"/>
             <p14:sldId id="267"/>
             <p14:sldId id="272"/>
             <p14:sldId id="264"/>
@@ -166,859 +147,6 @@
     </p:ext>
   </p:extLst>
 </p:presentation>
-</file>
-
-<file path=ppt/charts/chart1.xml><?xml version="1.0" encoding="utf-8"?>
-<c:chartSpace xmlns:c="http://schemas.openxmlformats.org/drawingml/2006/chart" xmlns:a="http://schemas.openxmlformats.org/drawingml/2006/main" xmlns:r="http://schemas.openxmlformats.org/officeDocument/2006/relationships" xmlns:c16r2="http://schemas.microsoft.com/office/drawing/2015/06/chart">
-  <c:date1904 val="0"/>
-  <c:lang val="en-US"/>
-  <c:roundedCorners val="0"/>
-  <mc:AlternateContent xmlns:mc="http://schemas.openxmlformats.org/markup-compatibility/2006">
-    <mc:Choice xmlns:c14="http://schemas.microsoft.com/office/drawing/2007/8/2/chart" Requires="c14">
-      <c14:style val="102"/>
-    </mc:Choice>
-    <mc:Fallback>
-      <c:style val="2"/>
-    </mc:Fallback>
-  </mc:AlternateContent>
-  <c:chart>
-    <c:autoTitleDeleted val="1"/>
-    <c:plotArea>
-      <c:layout/>
-      <c:pieChart>
-        <c:varyColors val="1"/>
-        <c:ser>
-          <c:idx val="0"/>
-          <c:order val="0"/>
-          <c:dPt>
-            <c:idx val="0"/>
-            <c:bubble3D val="0"/>
-            <c:spPr>
-              <a:solidFill>
-                <a:schemeClr val="accent1"/>
-              </a:solidFill>
-              <a:ln w="19050">
-                <a:solidFill>
-                  <a:schemeClr val="lt1"/>
-                </a:solidFill>
-              </a:ln>
-              <a:effectLst/>
-            </c:spPr>
-            <c:extLst>
-              <c:ext xmlns:c16="http://schemas.microsoft.com/office/drawing/2014/chart" uri="{C3380CC4-5D6E-409C-BE32-E72D297353CC}">
-                <c16:uniqueId val="{00000001-84CD-4B32-AC75-67A0F3EBBE3C}"/>
-              </c:ext>
-            </c:extLst>
-          </c:dPt>
-          <c:dPt>
-            <c:idx val="1"/>
-            <c:bubble3D val="0"/>
-            <c:spPr>
-              <a:solidFill>
-                <a:schemeClr val="accent2"/>
-              </a:solidFill>
-              <a:ln w="19050">
-                <a:solidFill>
-                  <a:schemeClr val="lt1"/>
-                </a:solidFill>
-              </a:ln>
-              <a:effectLst/>
-            </c:spPr>
-            <c:extLst>
-              <c:ext xmlns:c16="http://schemas.microsoft.com/office/drawing/2014/chart" uri="{C3380CC4-5D6E-409C-BE32-E72D297353CC}">
-                <c16:uniqueId val="{00000003-84CD-4B32-AC75-67A0F3EBBE3C}"/>
-              </c:ext>
-            </c:extLst>
-          </c:dPt>
-          <c:dPt>
-            <c:idx val="2"/>
-            <c:bubble3D val="0"/>
-            <c:spPr>
-              <a:solidFill>
-                <a:schemeClr val="accent3"/>
-              </a:solidFill>
-              <a:ln w="19050">
-                <a:solidFill>
-                  <a:schemeClr val="lt1"/>
-                </a:solidFill>
-              </a:ln>
-              <a:effectLst/>
-            </c:spPr>
-            <c:extLst>
-              <c:ext xmlns:c16="http://schemas.microsoft.com/office/drawing/2014/chart" uri="{C3380CC4-5D6E-409C-BE32-E72D297353CC}">
-                <c16:uniqueId val="{00000005-84CD-4B32-AC75-67A0F3EBBE3C}"/>
-              </c:ext>
-            </c:extLst>
-          </c:dPt>
-          <c:dLbls>
-            <c:dLbl>
-              <c:idx val="0"/>
-              <c:layout>
-                <c:manualLayout>
-                  <c:x val="2.52979827224241E-2"/>
-                  <c:y val="2.0819633124809132E-2"/>
-                </c:manualLayout>
-              </c:layout>
-              <c:dLblPos val="bestFit"/>
-              <c:showLegendKey val="0"/>
-              <c:showVal val="0"/>
-              <c:showCatName val="1"/>
-              <c:showSerName val="0"/>
-              <c:showPercent val="1"/>
-              <c:showBubbleSize val="0"/>
-              <c:extLst>
-                <c:ext xmlns:c15="http://schemas.microsoft.com/office/drawing/2012/chart" uri="{CE6537A1-D6FC-4f65-9D91-7224C49458BB}"/>
-                <c:ext xmlns:c16="http://schemas.microsoft.com/office/drawing/2014/chart" uri="{C3380CC4-5D6E-409C-BE32-E72D297353CC}">
-                  <c16:uniqueId val="{00000001-84CD-4B32-AC75-67A0F3EBBE3C}"/>
-                </c:ext>
-              </c:extLst>
-            </c:dLbl>
-            <c:dLbl>
-              <c:idx val="1"/>
-              <c:layout>
-                <c:manualLayout>
-                  <c:x val="2.2135734882120988E-2"/>
-                  <c:y val="4.4613499553162426E-2"/>
-                </c:manualLayout>
-              </c:layout>
-              <c:dLblPos val="bestFit"/>
-              <c:showLegendKey val="0"/>
-              <c:showVal val="0"/>
-              <c:showCatName val="1"/>
-              <c:showSerName val="0"/>
-              <c:showPercent val="1"/>
-              <c:showBubbleSize val="0"/>
-              <c:extLst>
-                <c:ext xmlns:c15="http://schemas.microsoft.com/office/drawing/2012/chart" uri="{CE6537A1-D6FC-4f65-9D91-7224C49458BB}"/>
-                <c:ext xmlns:c16="http://schemas.microsoft.com/office/drawing/2014/chart" uri="{C3380CC4-5D6E-409C-BE32-E72D297353CC}">
-                  <c16:uniqueId val="{00000003-84CD-4B32-AC75-67A0F3EBBE3C}"/>
-                </c:ext>
-              </c:extLst>
-            </c:dLbl>
-            <c:dLbl>
-              <c:idx val="2"/>
-              <c:layout>
-                <c:manualLayout>
-                  <c:x val="-3.9528098003787489E-2"/>
-                  <c:y val="-7.7330065892148317E-2"/>
-                </c:manualLayout>
-              </c:layout>
-              <c:dLblPos val="bestFit"/>
-              <c:showLegendKey val="0"/>
-              <c:showVal val="0"/>
-              <c:showCatName val="1"/>
-              <c:showSerName val="0"/>
-              <c:showPercent val="1"/>
-              <c:showBubbleSize val="0"/>
-              <c:extLst>
-                <c:ext xmlns:c15="http://schemas.microsoft.com/office/drawing/2012/chart" uri="{CE6537A1-D6FC-4f65-9D91-7224C49458BB}"/>
-                <c:ext xmlns:c16="http://schemas.microsoft.com/office/drawing/2014/chart" uri="{C3380CC4-5D6E-409C-BE32-E72D297353CC}">
-                  <c16:uniqueId val="{00000005-84CD-4B32-AC75-67A0F3EBBE3C}"/>
-                </c:ext>
-              </c:extLst>
-            </c:dLbl>
-            <c:spPr>
-              <a:solidFill>
-                <a:sysClr val="window" lastClr="FFFFFF"/>
-              </a:solidFill>
-              <a:ln>
-                <a:solidFill>
-                  <a:sysClr val="windowText" lastClr="000000">
-                    <a:lumMod val="25000"/>
-                    <a:lumOff val="75000"/>
-                  </a:sysClr>
-                </a:solidFill>
-              </a:ln>
-              <a:effectLst/>
-            </c:spPr>
-            <c:txPr>
-              <a:bodyPr rot="0" spcFirstLastPara="1" vertOverflow="clip" horzOverflow="clip" vert="horz" wrap="square" lIns="38100" tIns="19050" rIns="38100" bIns="19050" anchor="ctr" anchorCtr="1">
-                <a:spAutoFit/>
-              </a:bodyPr>
-              <a:lstStyle/>
-              <a:p>
-                <a:pPr>
-                  <a:defRPr sz="1600" b="0" i="0" u="none" strike="noStrike" kern="1200" baseline="0">
-                    <a:solidFill>
-                      <a:schemeClr val="dk1">
-                        <a:lumMod val="65000"/>
-                        <a:lumOff val="35000"/>
-                      </a:schemeClr>
-                    </a:solidFill>
-                    <a:latin typeface="+mn-lt"/>
-                    <a:ea typeface="+mn-ea"/>
-                    <a:cs typeface="+mn-cs"/>
-                  </a:defRPr>
-                </a:pPr>
-                <a:endParaRPr lang="en-US"/>
-              </a:p>
-            </c:txPr>
-            <c:dLblPos val="outEnd"/>
-            <c:showLegendKey val="0"/>
-            <c:showVal val="0"/>
-            <c:showCatName val="1"/>
-            <c:showSerName val="0"/>
-            <c:showPercent val="1"/>
-            <c:showBubbleSize val="0"/>
-            <c:showLeaderLines val="0"/>
-            <c:extLst>
-              <c:ext xmlns:c15="http://schemas.microsoft.com/office/drawing/2012/chart" uri="{CE6537A1-D6FC-4f65-9D91-7224C49458BB}">
-                <c15:spPr xmlns:c15="http://schemas.microsoft.com/office/drawing/2012/chart">
-                  <a:prstGeom prst="wedgeRectCallout">
-                    <a:avLst/>
-                  </a:prstGeom>
-                  <a:noFill/>
-                  <a:ln>
-                    <a:noFill/>
-                  </a:ln>
-                </c15:spPr>
-              </c:ext>
-            </c:extLst>
-          </c:dLbls>
-          <c:cat>
-            <c:strRef>
-              <c:f>Sheet1!$A$1:$A$3</c:f>
-              <c:strCache>
-                <c:ptCount val="3"/>
-                <c:pt idx="0">
-                  <c:v>Time spent writing code</c:v>
-                </c:pt>
-                <c:pt idx="1">
-                  <c:v>Time spent writing tests</c:v>
-                </c:pt>
-                <c:pt idx="2">
-                  <c:v>time spent trying to mock a rest api for unit tests</c:v>
-                </c:pt>
-              </c:strCache>
-            </c:strRef>
-          </c:cat>
-          <c:val>
-            <c:numRef>
-              <c:f>Sheet1!$B$1:$B$3</c:f>
-              <c:numCache>
-                <c:formatCode>0%</c:formatCode>
-                <c:ptCount val="3"/>
-                <c:pt idx="0">
-                  <c:v>0.1</c:v>
-                </c:pt>
-                <c:pt idx="1">
-                  <c:v>0.15</c:v>
-                </c:pt>
-                <c:pt idx="2">
-                  <c:v>0.75</c:v>
-                </c:pt>
-              </c:numCache>
-            </c:numRef>
-          </c:val>
-          <c:extLst>
-            <c:ext xmlns:c16="http://schemas.microsoft.com/office/drawing/2014/chart" uri="{C3380CC4-5D6E-409C-BE32-E72D297353CC}">
-              <c16:uniqueId val="{00000006-84CD-4B32-AC75-67A0F3EBBE3C}"/>
-            </c:ext>
-          </c:extLst>
-        </c:ser>
-        <c:dLbls>
-          <c:showLegendKey val="0"/>
-          <c:showVal val="0"/>
-          <c:showCatName val="0"/>
-          <c:showSerName val="0"/>
-          <c:showPercent val="0"/>
-          <c:showBubbleSize val="0"/>
-          <c:showLeaderLines val="0"/>
-        </c:dLbls>
-        <c:firstSliceAng val="0"/>
-      </c:pieChart>
-      <c:spPr>
-        <a:noFill/>
-        <a:ln>
-          <a:noFill/>
-        </a:ln>
-        <a:effectLst/>
-      </c:spPr>
-    </c:plotArea>
-    <c:plotVisOnly val="1"/>
-    <c:dispBlanksAs val="gap"/>
-    <c:showDLblsOverMax val="0"/>
-  </c:chart>
-  <c:spPr>
-    <a:noFill/>
-    <a:ln>
-      <a:noFill/>
-    </a:ln>
-    <a:effectLst/>
-  </c:spPr>
-  <c:txPr>
-    <a:bodyPr/>
-    <a:lstStyle/>
-    <a:p>
-      <a:pPr>
-        <a:defRPr/>
-      </a:pPr>
-      <a:endParaRPr lang="en-US"/>
-    </a:p>
-  </c:txPr>
-  <c:externalData r:id="rId3">
-    <c:autoUpdate val="0"/>
-  </c:externalData>
-</c:chartSpace>
-</file>
-
-<file path=ppt/charts/colors1.xml><?xml version="1.0" encoding="utf-8"?>
-<cs:colorStyle xmlns:cs="http://schemas.microsoft.com/office/drawing/2012/chartStyle" xmlns:a="http://schemas.openxmlformats.org/drawingml/2006/main" meth="cycle" id="10">
-  <a:schemeClr val="accent1"/>
-  <a:schemeClr val="accent2"/>
-  <a:schemeClr val="accent3"/>
-  <a:schemeClr val="accent4"/>
-  <a:schemeClr val="accent5"/>
-  <a:schemeClr val="accent6"/>
-  <cs:variation/>
-  <cs:variation>
-    <a:lumMod val="60000"/>
-  </cs:variation>
-  <cs:variation>
-    <a:lumMod val="80000"/>
-    <a:lumOff val="20000"/>
-  </cs:variation>
-  <cs:variation>
-    <a:lumMod val="80000"/>
-  </cs:variation>
-  <cs:variation>
-    <a:lumMod val="60000"/>
-    <a:lumOff val="40000"/>
-  </cs:variation>
-  <cs:variation>
-    <a:lumMod val="50000"/>
-  </cs:variation>
-  <cs:variation>
-    <a:lumMod val="70000"/>
-    <a:lumOff val="30000"/>
-  </cs:variation>
-  <cs:variation>
-    <a:lumMod val="70000"/>
-  </cs:variation>
-  <cs:variation>
-    <a:lumMod val="50000"/>
-    <a:lumOff val="50000"/>
-  </cs:variation>
-</cs:colorStyle>
-</file>
-
-<file path=ppt/charts/style1.xml><?xml version="1.0" encoding="utf-8"?>
-<cs:chartStyle xmlns:cs="http://schemas.microsoft.com/office/drawing/2012/chartStyle" xmlns:a="http://schemas.openxmlformats.org/drawingml/2006/main" id="251">
-  <cs:axisTitle>
-    <cs:lnRef idx="0"/>
-    <cs:fillRef idx="0"/>
-    <cs:effectRef idx="0"/>
-    <cs:fontRef idx="minor">
-      <a:schemeClr val="tx1">
-        <a:lumMod val="65000"/>
-        <a:lumOff val="35000"/>
-      </a:schemeClr>
-    </cs:fontRef>
-    <cs:defRPr sz="1000" kern="1200"/>
-  </cs:axisTitle>
-  <cs:categoryAxis>
-    <cs:lnRef idx="0"/>
-    <cs:fillRef idx="0"/>
-    <cs:effectRef idx="0"/>
-    <cs:fontRef idx="minor">
-      <a:schemeClr val="tx1">
-        <a:lumMod val="65000"/>
-        <a:lumOff val="35000"/>
-      </a:schemeClr>
-    </cs:fontRef>
-    <cs:spPr>
-      <a:ln w="9525" cap="flat" cmpd="sng" algn="ctr">
-        <a:solidFill>
-          <a:schemeClr val="tx1">
-            <a:lumMod val="15000"/>
-            <a:lumOff val="85000"/>
-          </a:schemeClr>
-        </a:solidFill>
-        <a:round/>
-      </a:ln>
-    </cs:spPr>
-    <cs:defRPr sz="900" kern="1200"/>
-  </cs:categoryAxis>
-  <cs:chartArea mods="allowNoFillOverride allowNoLineOverride">
-    <cs:lnRef idx="0"/>
-    <cs:fillRef idx="0"/>
-    <cs:effectRef idx="0"/>
-    <cs:fontRef idx="minor">
-      <a:schemeClr val="tx1"/>
-    </cs:fontRef>
-    <cs:spPr>
-      <a:solidFill>
-        <a:schemeClr val="bg1"/>
-      </a:solidFill>
-      <a:ln w="9525" cap="flat" cmpd="sng" algn="ctr">
-        <a:solidFill>
-          <a:schemeClr val="tx1">
-            <a:lumMod val="15000"/>
-            <a:lumOff val="85000"/>
-          </a:schemeClr>
-        </a:solidFill>
-        <a:round/>
-      </a:ln>
-    </cs:spPr>
-    <cs:defRPr sz="900" kern="1200"/>
-  </cs:chartArea>
-  <cs:dataLabel>
-    <cs:lnRef idx="0"/>
-    <cs:fillRef idx="0"/>
-    <cs:effectRef idx="0"/>
-    <cs:fontRef idx="minor">
-      <a:schemeClr val="tx1">
-        <a:lumMod val="75000"/>
-        <a:lumOff val="25000"/>
-      </a:schemeClr>
-    </cs:fontRef>
-    <cs:defRPr sz="900" kern="1200"/>
-  </cs:dataLabel>
-  <cs:dataLabelCallout>
-    <cs:lnRef idx="0"/>
-    <cs:fillRef idx="0"/>
-    <cs:effectRef idx="0"/>
-    <cs:fontRef idx="minor">
-      <a:schemeClr val="dk1">
-        <a:lumMod val="65000"/>
-        <a:lumOff val="35000"/>
-      </a:schemeClr>
-    </cs:fontRef>
-    <cs:spPr>
-      <a:solidFill>
-        <a:schemeClr val="lt1"/>
-      </a:solidFill>
-      <a:ln>
-        <a:solidFill>
-          <a:schemeClr val="dk1">
-            <a:lumMod val="25000"/>
-            <a:lumOff val="75000"/>
-          </a:schemeClr>
-        </a:solidFill>
-      </a:ln>
-    </cs:spPr>
-    <cs:defRPr sz="900" kern="1200"/>
-    <cs:bodyPr rot="0" spcFirstLastPara="1" vertOverflow="clip" horzOverflow="clip" vert="horz" wrap="square" lIns="36576" tIns="18288" rIns="36576" bIns="18288" anchor="ctr" anchorCtr="1">
-      <a:spAutoFit/>
-    </cs:bodyPr>
-  </cs:dataLabelCallout>
-  <cs:dataPoint>
-    <cs:lnRef idx="0"/>
-    <cs:fillRef idx="1">
-      <cs:styleClr val="auto"/>
-    </cs:fillRef>
-    <cs:effectRef idx="0"/>
-    <cs:fontRef idx="minor">
-      <a:schemeClr val="tx1"/>
-    </cs:fontRef>
-    <cs:spPr>
-      <a:ln w="19050">
-        <a:solidFill>
-          <a:schemeClr val="lt1"/>
-        </a:solidFill>
-      </a:ln>
-    </cs:spPr>
-  </cs:dataPoint>
-  <cs:dataPoint3D>
-    <cs:lnRef idx="0"/>
-    <cs:fillRef idx="1">
-      <cs:styleClr val="auto"/>
-    </cs:fillRef>
-    <cs:effectRef idx="0"/>
-    <cs:fontRef idx="minor">
-      <a:schemeClr val="tx1"/>
-    </cs:fontRef>
-    <cs:spPr>
-      <a:ln w="25400">
-        <a:solidFill>
-          <a:schemeClr val="lt1"/>
-        </a:solidFill>
-      </a:ln>
-    </cs:spPr>
-  </cs:dataPoint3D>
-  <cs:dataPointLine>
-    <cs:lnRef idx="0">
-      <cs:styleClr val="auto"/>
-    </cs:lnRef>
-    <cs:fillRef idx="0"/>
-    <cs:effectRef idx="0"/>
-    <cs:fontRef idx="minor">
-      <a:schemeClr val="tx1"/>
-    </cs:fontRef>
-    <cs:spPr>
-      <a:ln w="28575" cap="rnd">
-        <a:solidFill>
-          <a:schemeClr val="phClr"/>
-        </a:solidFill>
-        <a:round/>
-      </a:ln>
-    </cs:spPr>
-  </cs:dataPointLine>
-  <cs:dataPointMarker>
-    <cs:lnRef idx="0">
-      <cs:styleClr val="auto"/>
-    </cs:lnRef>
-    <cs:fillRef idx="1">
-      <cs:styleClr val="auto"/>
-    </cs:fillRef>
-    <cs:effectRef idx="0"/>
-    <cs:fontRef idx="minor">
-      <a:schemeClr val="tx1"/>
-    </cs:fontRef>
-    <cs:spPr>
-      <a:ln w="9525">
-        <a:solidFill>
-          <a:schemeClr val="phClr"/>
-        </a:solidFill>
-      </a:ln>
-    </cs:spPr>
-  </cs:dataPointMarker>
-  <cs:dataPointMarkerLayout symbol="circle" size="5"/>
-  <cs:dataPointWireframe>
-    <cs:lnRef idx="0">
-      <cs:styleClr val="auto"/>
-    </cs:lnRef>
-    <cs:fillRef idx="0"/>
-    <cs:effectRef idx="0"/>
-    <cs:fontRef idx="minor">
-      <a:schemeClr val="tx1"/>
-    </cs:fontRef>
-    <cs:spPr>
-      <a:ln w="9525" cap="rnd">
-        <a:solidFill>
-          <a:schemeClr val="phClr"/>
-        </a:solidFill>
-        <a:round/>
-      </a:ln>
-    </cs:spPr>
-  </cs:dataPointWireframe>
-  <cs:dataTable>
-    <cs:lnRef idx="0"/>
-    <cs:fillRef idx="0"/>
-    <cs:effectRef idx="0"/>
-    <cs:fontRef idx="minor">
-      <a:schemeClr val="tx1">
-        <a:lumMod val="65000"/>
-        <a:lumOff val="35000"/>
-      </a:schemeClr>
-    </cs:fontRef>
-    <cs:spPr>
-      <a:noFill/>
-      <a:ln w="9525" cap="flat" cmpd="sng" algn="ctr">
-        <a:solidFill>
-          <a:schemeClr val="tx1">
-            <a:lumMod val="15000"/>
-            <a:lumOff val="85000"/>
-          </a:schemeClr>
-        </a:solidFill>
-        <a:round/>
-      </a:ln>
-    </cs:spPr>
-    <cs:defRPr sz="900" kern="1200"/>
-  </cs:dataTable>
-  <cs:downBar>
-    <cs:lnRef idx="0"/>
-    <cs:fillRef idx="0"/>
-    <cs:effectRef idx="0"/>
-    <cs:fontRef idx="minor">
-      <a:schemeClr val="tx1"/>
-    </cs:fontRef>
-    <cs:spPr>
-      <a:solidFill>
-        <a:schemeClr val="dk1">
-          <a:lumMod val="75000"/>
-          <a:lumOff val="25000"/>
-        </a:schemeClr>
-      </a:solidFill>
-      <a:ln w="9525" cap="flat" cmpd="sng" algn="ctr">
-        <a:solidFill>
-          <a:schemeClr val="tx1">
-            <a:lumMod val="65000"/>
-            <a:lumOff val="35000"/>
-          </a:schemeClr>
-        </a:solidFill>
-        <a:round/>
-      </a:ln>
-    </cs:spPr>
-  </cs:downBar>
-  <cs:dropLine>
-    <cs:lnRef idx="0"/>
-    <cs:fillRef idx="0"/>
-    <cs:effectRef idx="0"/>
-    <cs:fontRef idx="minor">
-      <a:schemeClr val="tx1"/>
-    </cs:fontRef>
-    <cs:spPr>
-      <a:ln w="9525" cap="flat" cmpd="sng" algn="ctr">
-        <a:solidFill>
-          <a:schemeClr val="tx1">
-            <a:lumMod val="35000"/>
-            <a:lumOff val="65000"/>
-          </a:schemeClr>
-        </a:solidFill>
-        <a:round/>
-      </a:ln>
-    </cs:spPr>
-  </cs:dropLine>
-  <cs:errorBar>
-    <cs:lnRef idx="0"/>
-    <cs:fillRef idx="0"/>
-    <cs:effectRef idx="0"/>
-    <cs:fontRef idx="minor">
-      <a:schemeClr val="tx1"/>
-    </cs:fontRef>
-    <cs:spPr>
-      <a:ln w="9525" cap="flat" cmpd="sng" algn="ctr">
-        <a:solidFill>
-          <a:schemeClr val="tx1">
-            <a:lumMod val="65000"/>
-            <a:lumOff val="35000"/>
-          </a:schemeClr>
-        </a:solidFill>
-        <a:round/>
-      </a:ln>
-    </cs:spPr>
-  </cs:errorBar>
-  <cs:floor>
-    <cs:lnRef idx="0"/>
-    <cs:fillRef idx="0"/>
-    <cs:effectRef idx="0"/>
-    <cs:fontRef idx="minor">
-      <a:schemeClr val="tx1"/>
-    </cs:fontRef>
-    <cs:spPr>
-      <a:noFill/>
-      <a:ln>
-        <a:noFill/>
-      </a:ln>
-    </cs:spPr>
-  </cs:floor>
-  <cs:gridlineMajor>
-    <cs:lnRef idx="0"/>
-    <cs:fillRef idx="0"/>
-    <cs:effectRef idx="0"/>
-    <cs:fontRef idx="minor">
-      <a:schemeClr val="tx1"/>
-    </cs:fontRef>
-    <cs:spPr>
-      <a:ln w="9525" cap="flat" cmpd="sng" algn="ctr">
-        <a:solidFill>
-          <a:schemeClr val="tx1">
-            <a:lumMod val="15000"/>
-            <a:lumOff val="85000"/>
-          </a:schemeClr>
-        </a:solidFill>
-        <a:round/>
-      </a:ln>
-    </cs:spPr>
-  </cs:gridlineMajor>
-  <cs:gridlineMinor>
-    <cs:lnRef idx="0"/>
-    <cs:fillRef idx="0"/>
-    <cs:effectRef idx="0"/>
-    <cs:fontRef idx="minor">
-      <a:schemeClr val="tx1"/>
-    </cs:fontRef>
-    <cs:spPr>
-      <a:ln w="9525" cap="flat" cmpd="sng" algn="ctr">
-        <a:solidFill>
-          <a:schemeClr val="tx1">
-            <a:lumMod val="5000"/>
-            <a:lumOff val="95000"/>
-          </a:schemeClr>
-        </a:solidFill>
-        <a:round/>
-      </a:ln>
-    </cs:spPr>
-  </cs:gridlineMinor>
-  <cs:hiLoLine>
-    <cs:lnRef idx="0"/>
-    <cs:fillRef idx="0"/>
-    <cs:effectRef idx="0"/>
-    <cs:fontRef idx="minor">
-      <a:schemeClr val="tx1"/>
-    </cs:fontRef>
-    <cs:spPr>
-      <a:ln w="9525" cap="flat" cmpd="sng" algn="ctr">
-        <a:solidFill>
-          <a:schemeClr val="tx1">
-            <a:lumMod val="50000"/>
-            <a:lumOff val="50000"/>
-          </a:schemeClr>
-        </a:solidFill>
-        <a:round/>
-      </a:ln>
-    </cs:spPr>
-  </cs:hiLoLine>
-  <cs:leaderLine>
-    <cs:lnRef idx="0"/>
-    <cs:fillRef idx="0"/>
-    <cs:effectRef idx="0"/>
-    <cs:fontRef idx="minor">
-      <a:schemeClr val="tx1"/>
-    </cs:fontRef>
-    <cs:spPr>
-      <a:ln w="9525" cap="flat" cmpd="sng" algn="ctr">
-        <a:solidFill>
-          <a:schemeClr val="tx1">
-            <a:lumMod val="35000"/>
-            <a:lumOff val="65000"/>
-          </a:schemeClr>
-        </a:solidFill>
-        <a:round/>
-      </a:ln>
-    </cs:spPr>
-  </cs:leaderLine>
-  <cs:legend>
-    <cs:lnRef idx="0"/>
-    <cs:fillRef idx="0"/>
-    <cs:effectRef idx="0"/>
-    <cs:fontRef idx="minor">
-      <a:schemeClr val="tx1">
-        <a:lumMod val="65000"/>
-        <a:lumOff val="35000"/>
-      </a:schemeClr>
-    </cs:fontRef>
-    <cs:defRPr sz="900" kern="1200"/>
-  </cs:legend>
-  <cs:plotArea mods="allowNoFillOverride allowNoLineOverride">
-    <cs:lnRef idx="0"/>
-    <cs:fillRef idx="0"/>
-    <cs:effectRef idx="0"/>
-    <cs:fontRef idx="minor">
-      <a:schemeClr val="tx1"/>
-    </cs:fontRef>
-  </cs:plotArea>
-  <cs:plotArea3D mods="allowNoFillOverride allowNoLineOverride">
-    <cs:lnRef idx="0"/>
-    <cs:fillRef idx="0"/>
-    <cs:effectRef idx="0"/>
-    <cs:fontRef idx="minor">
-      <a:schemeClr val="tx1"/>
-    </cs:fontRef>
-  </cs:plotArea3D>
-  <cs:seriesAxis>
-    <cs:lnRef idx="0"/>
-    <cs:fillRef idx="0"/>
-    <cs:effectRef idx="0"/>
-    <cs:fontRef idx="minor">
-      <a:schemeClr val="tx1">
-        <a:lumMod val="65000"/>
-        <a:lumOff val="35000"/>
-      </a:schemeClr>
-    </cs:fontRef>
-    <cs:defRPr sz="900" kern="1200"/>
-  </cs:seriesAxis>
-  <cs:seriesLine>
-    <cs:lnRef idx="0"/>
-    <cs:fillRef idx="0"/>
-    <cs:effectRef idx="0"/>
-    <cs:fontRef idx="minor">
-      <a:schemeClr val="tx1"/>
-    </cs:fontRef>
-    <cs:spPr>
-      <a:ln w="9525" cap="flat" cmpd="sng" algn="ctr">
-        <a:solidFill>
-          <a:schemeClr val="tx1">
-            <a:lumMod val="35000"/>
-            <a:lumOff val="65000"/>
-          </a:schemeClr>
-        </a:solidFill>
-        <a:round/>
-      </a:ln>
-    </cs:spPr>
-  </cs:seriesLine>
-  <cs:title>
-    <cs:lnRef idx="0"/>
-    <cs:fillRef idx="0"/>
-    <cs:effectRef idx="0"/>
-    <cs:fontRef idx="minor">
-      <a:schemeClr val="tx1">
-        <a:lumMod val="65000"/>
-        <a:lumOff val="35000"/>
-      </a:schemeClr>
-    </cs:fontRef>
-    <cs:defRPr sz="1400" b="0" kern="1200" spc="0" baseline="0"/>
-  </cs:title>
-  <cs:trendline>
-    <cs:lnRef idx="0">
-      <cs:styleClr val="auto"/>
-    </cs:lnRef>
-    <cs:fillRef idx="0"/>
-    <cs:effectRef idx="0"/>
-    <cs:fontRef idx="minor">
-      <a:schemeClr val="tx1"/>
-    </cs:fontRef>
-    <cs:spPr>
-      <a:ln w="19050" cap="rnd">
-        <a:solidFill>
-          <a:schemeClr val="phClr"/>
-        </a:solidFill>
-        <a:prstDash val="sysDot"/>
-      </a:ln>
-    </cs:spPr>
-  </cs:trendline>
-  <cs:trendlineLabel>
-    <cs:lnRef idx="0"/>
-    <cs:fillRef idx="0"/>
-    <cs:effectRef idx="0"/>
-    <cs:fontRef idx="minor">
-      <a:schemeClr val="tx1">
-        <a:lumMod val="65000"/>
-        <a:lumOff val="35000"/>
-      </a:schemeClr>
-    </cs:fontRef>
-    <cs:defRPr sz="900" kern="1200"/>
-  </cs:trendlineLabel>
-  <cs:upBar>
-    <cs:lnRef idx="0"/>
-    <cs:fillRef idx="0"/>
-    <cs:effectRef idx="0"/>
-    <cs:fontRef idx="minor">
-      <a:schemeClr val="tx1"/>
-    </cs:fontRef>
-    <cs:spPr>
-      <a:solidFill>
-        <a:schemeClr val="lt1"/>
-      </a:solidFill>
-      <a:ln w="9525" cap="flat" cmpd="sng" algn="ctr">
-        <a:solidFill>
-          <a:schemeClr val="tx1">
-            <a:lumMod val="65000"/>
-            <a:lumOff val="35000"/>
-          </a:schemeClr>
-        </a:solidFill>
-        <a:round/>
-      </a:ln>
-    </cs:spPr>
-  </cs:upBar>
-  <cs:valueAxis>
-    <cs:lnRef idx="0"/>
-    <cs:fillRef idx="0"/>
-    <cs:effectRef idx="0"/>
-    <cs:fontRef idx="minor">
-      <a:schemeClr val="tx1">
-        <a:lumMod val="65000"/>
-        <a:lumOff val="35000"/>
-      </a:schemeClr>
-    </cs:fontRef>
-    <cs:defRPr sz="900" kern="1200"/>
-  </cs:valueAxis>
-  <cs:wall>
-    <cs:lnRef idx="0"/>
-    <cs:fillRef idx="0"/>
-    <cs:effectRef idx="0"/>
-    <cs:fontRef idx="minor">
-      <a:schemeClr val="tx1"/>
-    </cs:fontRef>
-    <cs:spPr>
-      <a:noFill/>
-      <a:ln>
-        <a:noFill/>
-      </a:ln>
-    </cs:spPr>
-  </cs:wall>
-</cs:chartStyle>
 </file>
 
 <file path=ppt/notesMasters/notesMaster1.xml><?xml version="1.0" encoding="utf-8"?>
@@ -1103,7 +231,7 @@
           <a:p>
             <a:fld id="{D98B8BF6-A8F6-45E4-934F-66193C77F253}" type="datetimeFigureOut">
               <a:rPr lang="en-US" smtClean="0"/>
-              <a:t>2/28/2018</a:t>
+              <a:t>3/11/2018</a:t>
             </a:fld>
             <a:endParaRPr lang="en-US"/>
           </a:p>
@@ -1443,7 +571,7 @@
           <a:p>
             <a:fld id="{72EB332F-D54A-4050-A012-A33A569E7EAC}" type="slidenum">
               <a:rPr lang="en-US" smtClean="0"/>
-              <a:t>16</a:t>
+              <a:t>8</a:t>
             </a:fld>
             <a:endParaRPr lang="en-US"/>
           </a:p>
@@ -1547,7 +675,7 @@
           <a:p>
             <a:fld id="{72EB332F-D54A-4050-A012-A33A569E7EAC}" type="slidenum">
               <a:rPr lang="en-US" smtClean="0"/>
-              <a:t>17</a:t>
+              <a:t>9</a:t>
             </a:fld>
             <a:endParaRPr lang="en-US"/>
           </a:p>
@@ -1557,112 +685,6 @@
     <p:extLst>
       <p:ext uri="{BB962C8B-B14F-4D97-AF65-F5344CB8AC3E}">
         <p14:creationId xmlns:p14="http://schemas.microsoft.com/office/powerpoint/2010/main" val="3522744353"/>
-      </p:ext>
-    </p:extLst>
-  </p:cSld>
-  <p:clrMapOvr>
-    <a:masterClrMapping/>
-  </p:clrMapOvr>
-</p:notes>
-</file>
-
-<file path=ppt/notesSlides/notesSlide3.xml><?xml version="1.0" encoding="utf-8"?>
-<p:notes xmlns:a="http://schemas.openxmlformats.org/drawingml/2006/main" xmlns:r="http://schemas.openxmlformats.org/officeDocument/2006/relationships" xmlns:p="http://schemas.openxmlformats.org/presentationml/2006/main">
-  <p:cSld>
-    <p:spTree>
-      <p:nvGrpSpPr>
-        <p:cNvPr id="1" name=""/>
-        <p:cNvGrpSpPr/>
-        <p:nvPr/>
-      </p:nvGrpSpPr>
-      <p:grpSpPr>
-        <a:xfrm>
-          <a:off x="0" y="0"/>
-          <a:ext cx="0" cy="0"/>
-          <a:chOff x="0" y="0"/>
-          <a:chExt cx="0" cy="0"/>
-        </a:xfrm>
-      </p:grpSpPr>
-      <p:sp>
-        <p:nvSpPr>
-          <p:cNvPr id="2" name="Slide Image Placeholder 1"/>
-          <p:cNvSpPr>
-            <a:spLocks noGrp="1" noRot="1" noChangeAspect="1"/>
-          </p:cNvSpPr>
-          <p:nvPr>
-            <p:ph type="sldImg"/>
-          </p:nvPr>
-        </p:nvSpPr>
-        <p:spPr/>
-      </p:sp>
-      <p:sp>
-        <p:nvSpPr>
-          <p:cNvPr id="3" name="Notes Placeholder 2"/>
-          <p:cNvSpPr>
-            <a:spLocks noGrp="1"/>
-          </p:cNvSpPr>
-          <p:nvPr>
-            <p:ph type="body" idx="1"/>
-          </p:nvPr>
-        </p:nvSpPr>
-        <p:spPr/>
-        <p:txBody>
-          <a:bodyPr/>
-          <a:lstStyle/>
-          <a:p>
-            <a:r>
-              <a:rPr lang="en-US" dirty="0"/>
-              <a:t>Here’s the problem.  When</a:t>
-            </a:r>
-            <a:r>
-              <a:rPr lang="en-US" baseline="0" dirty="0"/>
-              <a:t> you mock invoke-</a:t>
-            </a:r>
-            <a:r>
-              <a:rPr lang="en-US" baseline="0" dirty="0" err="1"/>
-              <a:t>restmethod</a:t>
-            </a:r>
-            <a:r>
-              <a:rPr lang="en-US" baseline="0" dirty="0"/>
-              <a:t> you basically have to reverse engineer your API.</a:t>
-            </a:r>
-          </a:p>
-          <a:p>
-            <a:r>
-              <a:rPr lang="en-US" baseline="0" dirty="0"/>
-              <a:t>Or write a specific mock for every test</a:t>
-            </a:r>
-            <a:endParaRPr lang="en-US" dirty="0"/>
-          </a:p>
-        </p:txBody>
-      </p:sp>
-      <p:sp>
-        <p:nvSpPr>
-          <p:cNvPr id="4" name="Slide Number Placeholder 3"/>
-          <p:cNvSpPr>
-            <a:spLocks noGrp="1"/>
-          </p:cNvSpPr>
-          <p:nvPr>
-            <p:ph type="sldNum" sz="quarter" idx="10"/>
-          </p:nvPr>
-        </p:nvSpPr>
-        <p:spPr/>
-        <p:txBody>
-          <a:bodyPr/>
-          <a:lstStyle/>
-          <a:p>
-            <a:fld id="{72EB332F-D54A-4050-A012-A33A569E7EAC}" type="slidenum">
-              <a:rPr lang="en-US" smtClean="0"/>
-              <a:t>18</a:t>
-            </a:fld>
-            <a:endParaRPr lang="en-US"/>
-          </a:p>
-        </p:txBody>
-      </p:sp>
-    </p:spTree>
-    <p:extLst>
-      <p:ext uri="{BB962C8B-B14F-4D97-AF65-F5344CB8AC3E}">
-        <p14:creationId xmlns:p14="http://schemas.microsoft.com/office/powerpoint/2010/main" val="1979760998"/>
       </p:ext>
     </p:extLst>
   </p:cSld>
@@ -1887,7 +909,7 @@
             <a:fld id="{B61BEF0D-F0BB-DE4B-95CE-6DB70DBA9567}" type="datetimeFigureOut">
               <a:rPr lang="en-US" smtClean="0"/>
               <a:pPr/>
-              <a:t>2/28/2018</a:t>
+              <a:t>3/11/2018</a:t>
             </a:fld>
             <a:endParaRPr lang="en-US" dirty="0"/>
           </a:p>
@@ -2467,7 +1489,7 @@
             <a:fld id="{B61BEF0D-F0BB-DE4B-95CE-6DB70DBA9567}" type="datetimeFigureOut">
               <a:rPr lang="en-US" smtClean="0"/>
               <a:pPr/>
-              <a:t>2/28/2018</a:t>
+              <a:t>3/11/2018</a:t>
             </a:fld>
             <a:endParaRPr lang="en-US" dirty="0"/>
           </a:p>
@@ -2709,7 +1731,7 @@
             <a:fld id="{B61BEF0D-F0BB-DE4B-95CE-6DB70DBA9567}" type="datetimeFigureOut">
               <a:rPr lang="en-US" smtClean="0"/>
               <a:pPr/>
-              <a:t>2/28/2018</a:t>
+              <a:t>3/11/2018</a:t>
             </a:fld>
             <a:endParaRPr lang="en-US" dirty="0"/>
           </a:p>
@@ -2965,7 +1987,7 @@
             <a:fld id="{B61BEF0D-F0BB-DE4B-95CE-6DB70DBA9567}" type="datetimeFigureOut">
               <a:rPr lang="en-US" smtClean="0"/>
               <a:pPr/>
-              <a:t>2/28/2018</a:t>
+              <a:t>3/11/2018</a:t>
             </a:fld>
             <a:endParaRPr lang="en-US" dirty="0"/>
           </a:p>
@@ -3326,7 +2348,7 @@
             <a:fld id="{B61BEF0D-F0BB-DE4B-95CE-6DB70DBA9567}" type="datetimeFigureOut">
               <a:rPr lang="en-US" smtClean="0"/>
               <a:pPr/>
-              <a:t>2/28/2018</a:t>
+              <a:t>3/11/2018</a:t>
             </a:fld>
             <a:endParaRPr lang="en-US" dirty="0"/>
           </a:p>
@@ -3440,7 +2462,7 @@
             <a:fld id="{B61BEF0D-F0BB-DE4B-95CE-6DB70DBA9567}" type="datetimeFigureOut">
               <a:rPr lang="en-US" smtClean="0"/>
               <a:pPr/>
-              <a:t>2/28/2018</a:t>
+              <a:t>3/11/2018</a:t>
             </a:fld>
             <a:endParaRPr lang="en-US" dirty="0"/>
           </a:p>
@@ -3532,7 +2554,7 @@
             <a:fld id="{B61BEF0D-F0BB-DE4B-95CE-6DB70DBA9567}" type="datetimeFigureOut">
               <a:rPr lang="en-US" smtClean="0"/>
               <a:pPr/>
-              <a:t>2/28/2018</a:t>
+              <a:t>3/11/2018</a:t>
             </a:fld>
             <a:endParaRPr lang="en-US" dirty="0"/>
           </a:p>
@@ -3804,7 +2826,7 @@
             <a:fld id="{B61BEF0D-F0BB-DE4B-95CE-6DB70DBA9567}" type="datetimeFigureOut">
               <a:rPr lang="en-US" smtClean="0"/>
               <a:pPr/>
-              <a:t>2/28/2018</a:t>
+              <a:t>3/11/2018</a:t>
             </a:fld>
             <a:endParaRPr lang="en-US" dirty="0"/>
           </a:p>
@@ -4053,7 +3075,7 @@
             <a:fld id="{B61BEF0D-F0BB-DE4B-95CE-6DB70DBA9567}" type="datetimeFigureOut">
               <a:rPr lang="en-US" smtClean="0"/>
               <a:pPr/>
-              <a:t>2/28/2018</a:t>
+              <a:t>3/11/2018</a:t>
             </a:fld>
             <a:endParaRPr lang="en-US" dirty="0"/>
           </a:p>
@@ -4264,7 +3286,7 @@
             <a:fld id="{B61BEF0D-F0BB-DE4B-95CE-6DB70DBA9567}" type="datetimeFigureOut">
               <a:rPr lang="en-US" smtClean="0"/>
               <a:pPr/>
-              <a:t>2/28/2018</a:t>
+              <a:t>3/11/2018</a:t>
             </a:fld>
             <a:endParaRPr lang="en-US" dirty="0"/>
           </a:p>
@@ -4686,89 +3708,6 @@
 </file>
 
 <file path=ppt/slides/slide1.xml><?xml version="1.0" encoding="utf-8"?>
-<p:sld xmlns:a="http://schemas.openxmlformats.org/drawingml/2006/main" xmlns:r="http://schemas.openxmlformats.org/officeDocument/2006/relationships" xmlns:p="http://schemas.openxmlformats.org/presentationml/2006/main" show="0">
-  <p:cSld>
-    <p:spTree>
-      <p:nvGrpSpPr>
-        <p:cNvPr id="1" name=""/>
-        <p:cNvGrpSpPr/>
-        <p:nvPr/>
-      </p:nvGrpSpPr>
-      <p:grpSpPr>
-        <a:xfrm>
-          <a:off x="0" y="0"/>
-          <a:ext cx="0" cy="0"/>
-          <a:chOff x="0" y="0"/>
-          <a:chExt cx="0" cy="0"/>
-        </a:xfrm>
-      </p:grpSpPr>
-      <p:sp>
-        <p:nvSpPr>
-          <p:cNvPr id="4" name="Title 3"/>
-          <p:cNvSpPr>
-            <a:spLocks noGrp="1"/>
-          </p:cNvSpPr>
-          <p:nvPr>
-            <p:ph type="title"/>
-          </p:nvPr>
-        </p:nvSpPr>
-        <p:spPr/>
-        <p:txBody>
-          <a:bodyPr/>
-          <a:lstStyle/>
-          <a:p>
-            <a:r>
-              <a:rPr lang="en-US" dirty="0"/>
-              <a:t>Design Notes</a:t>
-            </a:r>
-          </a:p>
-        </p:txBody>
-      </p:sp>
-      <p:sp>
-        <p:nvSpPr>
-          <p:cNvPr id="5" name="Content Placeholder 4"/>
-          <p:cNvSpPr>
-            <a:spLocks noGrp="1"/>
-          </p:cNvSpPr>
-          <p:nvPr>
-            <p:ph sz="quarter" idx="13"/>
-          </p:nvPr>
-        </p:nvSpPr>
-        <p:spPr/>
-        <p:txBody>
-          <a:bodyPr/>
-          <a:lstStyle/>
-          <a:p>
-            <a:r>
-              <a:rPr lang="en-US" dirty="0"/>
-              <a:t>These slides are hidden, and will not display when presenting.</a:t>
-            </a:r>
-          </a:p>
-          <a:p>
-            <a:r>
-              <a:rPr lang="en-US" dirty="0"/>
-              <a:t>You’re welcome to delete these slides if you plan to share your deck.</a:t>
-            </a:r>
-          </a:p>
-          <a:p>
-            <a:endParaRPr lang="en-US" dirty="0"/>
-          </a:p>
-        </p:txBody>
-      </p:sp>
-    </p:spTree>
-    <p:extLst>
-      <p:ext uri="{BB962C8B-B14F-4D97-AF65-F5344CB8AC3E}">
-        <p14:creationId xmlns:p14="http://schemas.microsoft.com/office/powerpoint/2010/main" val="919943956"/>
-      </p:ext>
-    </p:extLst>
-  </p:cSld>
-  <p:clrMapOvr>
-    <a:masterClrMapping/>
-  </p:clrMapOvr>
-</p:sld>
-</file>
-
-<file path=ppt/slides/slide10.xml><?xml version="1.0" encoding="utf-8"?>
 <p:sld xmlns:a="http://schemas.openxmlformats.org/drawingml/2006/main" xmlns:r="http://schemas.openxmlformats.org/officeDocument/2006/relationships" xmlns:p="http://schemas.openxmlformats.org/presentationml/2006/main">
   <p:cSld>
     <p:spTree>
@@ -4787,71 +3726,56 @@
       </p:grpSpPr>
       <p:sp>
         <p:nvSpPr>
-          <p:cNvPr id="2" name="Title 1"/>
-          <p:cNvSpPr>
-            <a:spLocks noGrp="1"/>
-          </p:cNvSpPr>
-          <p:nvPr>
-            <p:ph type="title"/>
-          </p:nvPr>
-        </p:nvSpPr>
-        <p:spPr/>
+          <p:cNvPr id="4" name="Title 3"/>
+          <p:cNvSpPr>
+            <a:spLocks noGrp="1"/>
+          </p:cNvSpPr>
+          <p:nvPr>
+            <p:ph type="ctrTitle"/>
+          </p:nvPr>
+        </p:nvSpPr>
+        <p:spPr>
+          <a:xfrm>
+            <a:off x="1524000" y="2140226"/>
+            <a:ext cx="9144000" cy="2387600"/>
+          </a:xfrm>
+        </p:spPr>
+        <p:txBody>
+          <a:bodyPr>
+            <a:normAutofit fontScale="90000"/>
+          </a:bodyPr>
+          <a:lstStyle/>
+          <a:p>
+            <a:r>
+              <a:rPr lang="en-US" dirty="0"/>
+              <a:t>Building cmdlets for REST API with PowerShell classes, Azure-based integration tests and continuous deployment</a:t>
+            </a:r>
+          </a:p>
+        </p:txBody>
+      </p:sp>
+      <p:sp>
+        <p:nvSpPr>
+          <p:cNvPr id="5" name="Subtitle 4"/>
+          <p:cNvSpPr>
+            <a:spLocks noGrp="1"/>
+          </p:cNvSpPr>
+          <p:nvPr>
+            <p:ph type="subTitle" idx="1"/>
+          </p:nvPr>
+        </p:nvSpPr>
+        <p:spPr>
+          <a:xfrm>
+            <a:off x="1524000" y="4717774"/>
+            <a:ext cx="9144000" cy="1655762"/>
+          </a:xfrm>
+        </p:spPr>
         <p:txBody>
           <a:bodyPr/>
           <a:lstStyle/>
           <a:p>
             <a:r>
               <a:rPr lang="en-US" dirty="0"/>
-              <a:t>But Why?</a:t>
-            </a:r>
-          </a:p>
-        </p:txBody>
-      </p:sp>
-      <p:sp>
-        <p:nvSpPr>
-          <p:cNvPr id="5" name="Content Placeholder 4"/>
-          <p:cNvSpPr>
-            <a:spLocks noGrp="1"/>
-          </p:cNvSpPr>
-          <p:nvPr>
-            <p:ph idx="1"/>
-          </p:nvPr>
-        </p:nvSpPr>
-        <p:spPr/>
-        <p:txBody>
-          <a:bodyPr/>
-          <a:lstStyle/>
-          <a:p>
-            <a:r>
-              <a:rPr lang="en-US" dirty="0"/>
-              <a:t>More Code Separation</a:t>
-            </a:r>
-          </a:p>
-          <a:p>
-            <a:pPr lvl="1"/>
-            <a:r>
-              <a:rPr lang="en-US" dirty="0"/>
-              <a:t>Class definitions interface between REST API and </a:t>
-            </a:r>
-            <a:r>
-              <a:rPr lang="en-US" dirty="0" err="1"/>
-              <a:t>powershell</a:t>
-            </a:r>
-            <a:endParaRPr lang="en-US" dirty="0"/>
-          </a:p>
-          <a:p>
-            <a:pPr lvl="1"/>
-            <a:r>
-              <a:rPr lang="en-US" dirty="0"/>
-              <a:t>Cmdlets interface between </a:t>
-            </a:r>
-            <a:r>
-              <a:rPr lang="en-US" dirty="0" err="1"/>
-              <a:t>powershell</a:t>
-            </a:r>
-            <a:r>
-              <a:rPr lang="en-US" dirty="0"/>
-              <a:t> and the user</a:t>
+              <a:t>Jeremy Murrah</a:t>
             </a:r>
           </a:p>
         </p:txBody>
@@ -4859,7 +3783,7 @@
     </p:spTree>
     <p:extLst>
       <p:ext uri="{BB962C8B-B14F-4D97-AF65-F5344CB8AC3E}">
-        <p14:creationId xmlns:p14="http://schemas.microsoft.com/office/powerpoint/2010/main" val="677094992"/>
+        <p14:creationId xmlns:p14="http://schemas.microsoft.com/office/powerpoint/2010/main" val="595910384"/>
       </p:ext>
     </p:extLst>
   </p:cSld>
@@ -4869,1900 +3793,7 @@
 </p:sld>
 </file>
 
-<file path=ppt/slides/slide11.xml><?xml version="1.0" encoding="utf-8"?>
-<p:sld xmlns:a="http://schemas.openxmlformats.org/drawingml/2006/main" xmlns:r="http://schemas.openxmlformats.org/officeDocument/2006/relationships" xmlns:p="http://schemas.openxmlformats.org/presentationml/2006/main">
-  <p:cSld>
-    <p:spTree>
-      <p:nvGrpSpPr>
-        <p:cNvPr id="1" name=""/>
-        <p:cNvGrpSpPr/>
-        <p:nvPr/>
-      </p:nvGrpSpPr>
-      <p:grpSpPr>
-        <a:xfrm>
-          <a:off x="0" y="0"/>
-          <a:ext cx="0" cy="0"/>
-          <a:chOff x="0" y="0"/>
-          <a:chExt cx="0" cy="0"/>
-        </a:xfrm>
-      </p:grpSpPr>
-      <p:sp>
-        <p:nvSpPr>
-          <p:cNvPr id="2" name="Title 1"/>
-          <p:cNvSpPr>
-            <a:spLocks noGrp="1"/>
-          </p:cNvSpPr>
-          <p:nvPr>
-            <p:ph type="title"/>
-          </p:nvPr>
-        </p:nvSpPr>
-        <p:spPr/>
-        <p:txBody>
-          <a:bodyPr/>
-          <a:lstStyle/>
-          <a:p>
-            <a:r>
-              <a:rPr lang="en-US" dirty="0"/>
-              <a:t>But Why?</a:t>
-            </a:r>
-          </a:p>
-        </p:txBody>
-      </p:sp>
-      <p:sp>
-        <p:nvSpPr>
-          <p:cNvPr id="7" name="Content Placeholder 6"/>
-          <p:cNvSpPr>
-            <a:spLocks noGrp="1"/>
-          </p:cNvSpPr>
-          <p:nvPr>
-            <p:ph sz="half" idx="2"/>
-          </p:nvPr>
-        </p:nvSpPr>
-        <p:spPr/>
-        <p:txBody>
-          <a:bodyPr>
-            <a:normAutofit/>
-          </a:bodyPr>
-          <a:lstStyle/>
-          <a:p>
-            <a:pPr marL="0" indent="0">
-              <a:buNone/>
-            </a:pPr>
-            <a:r>
-              <a:rPr lang="en-US" sz="1400" dirty="0" err="1">
-                <a:solidFill>
-                  <a:srgbClr val="00008B"/>
-                </a:solidFill>
-                <a:latin typeface="Consolas" panose="020B0609020204030204" pitchFamily="49" charset="0"/>
-              </a:rPr>
-              <a:t>Param</a:t>
-            </a:r>
-            <a:r>
-              <a:rPr lang="en-US" sz="1400" dirty="0">
-                <a:solidFill>
-                  <a:srgbClr val="00008B"/>
-                </a:solidFill>
-                <a:latin typeface="Consolas" panose="020B0609020204030204" pitchFamily="49" charset="0"/>
-              </a:rPr>
-              <a:t>(</a:t>
-            </a:r>
-            <a:endParaRPr lang="en-US" sz="1400" dirty="0">
-              <a:solidFill>
-                <a:srgbClr val="333333"/>
-              </a:solidFill>
-              <a:latin typeface="Consolas" panose="020B0609020204030204" pitchFamily="49" charset="0"/>
-            </a:endParaRPr>
-          </a:p>
-          <a:p>
-            <a:pPr marL="457200" lvl="1" indent="0">
-              <a:buNone/>
-            </a:pPr>
-            <a:r>
-              <a:rPr lang="en-US" sz="1400" dirty="0">
-                <a:solidFill>
-                  <a:srgbClr val="333333"/>
-                </a:solidFill>
-                <a:latin typeface="Consolas" panose="020B0609020204030204" pitchFamily="49" charset="0"/>
-              </a:rPr>
-              <a:t>[Parameter(</a:t>
-            </a:r>
-            <a:r>
-              <a:rPr lang="en-US" sz="1400" dirty="0">
-                <a:solidFill>
-                  <a:srgbClr val="008080"/>
-                </a:solidFill>
-                <a:latin typeface="Consolas" panose="020B0609020204030204" pitchFamily="49" charset="0"/>
-              </a:rPr>
-              <a:t>Mandatory</a:t>
-            </a:r>
-            <a:r>
-              <a:rPr lang="en-US" sz="1400" dirty="0">
-                <a:solidFill>
-                  <a:srgbClr val="333333"/>
-                </a:solidFill>
-                <a:latin typeface="Consolas" panose="020B0609020204030204" pitchFamily="49" charset="0"/>
-              </a:rPr>
-              <a:t>=</a:t>
-            </a:r>
-            <a:r>
-              <a:rPr lang="en-US" sz="1400" dirty="0">
-                <a:solidFill>
-                  <a:srgbClr val="FF4500"/>
-                </a:solidFill>
-                <a:latin typeface="Consolas" panose="020B0609020204030204" pitchFamily="49" charset="0"/>
-              </a:rPr>
-              <a:t>$True</a:t>
-            </a:r>
-            <a:r>
-              <a:rPr lang="en-US" sz="1400" dirty="0">
-                <a:solidFill>
-                  <a:srgbClr val="333333"/>
-                </a:solidFill>
-                <a:latin typeface="Consolas" panose="020B0609020204030204" pitchFamily="49" charset="0"/>
-              </a:rPr>
-              <a:t>)]</a:t>
-            </a:r>
-          </a:p>
-          <a:p>
-            <a:pPr marL="457200" lvl="1" indent="0">
-              <a:buNone/>
-            </a:pPr>
-            <a:r>
-              <a:rPr lang="en-US" sz="1400" dirty="0">
-                <a:solidFill>
-                  <a:srgbClr val="333333"/>
-                </a:solidFill>
-                <a:latin typeface="Consolas" panose="020B0609020204030204" pitchFamily="49" charset="0"/>
-              </a:rPr>
-              <a:t>[</a:t>
-            </a:r>
-            <a:r>
-              <a:rPr lang="en-US" sz="1400" dirty="0" err="1">
-                <a:solidFill>
-                  <a:srgbClr val="333333"/>
-                </a:solidFill>
-                <a:latin typeface="Consolas" panose="020B0609020204030204" pitchFamily="49" charset="0"/>
-              </a:rPr>
-              <a:t>ObjectType</a:t>
-            </a:r>
-            <a:r>
-              <a:rPr lang="en-US" sz="1400" dirty="0">
-                <a:solidFill>
-                  <a:srgbClr val="333333"/>
-                </a:solidFill>
-                <a:latin typeface="Consolas" panose="020B0609020204030204" pitchFamily="49" charset="0"/>
-              </a:rPr>
-              <a:t>]</a:t>
-            </a:r>
-            <a:r>
-              <a:rPr lang="en-US" sz="1400" dirty="0">
-                <a:solidFill>
-                  <a:srgbClr val="00008B"/>
-                </a:solidFill>
-                <a:latin typeface="Consolas" panose="020B0609020204030204" pitchFamily="49" charset="0"/>
-              </a:rPr>
-              <a:t>$</a:t>
-            </a:r>
-            <a:r>
-              <a:rPr lang="en-US" sz="1400" dirty="0" err="1">
-                <a:solidFill>
-                  <a:srgbClr val="FF4500"/>
-                </a:solidFill>
-                <a:latin typeface="Consolas" panose="020B0609020204030204" pitchFamily="49" charset="0"/>
-              </a:rPr>
-              <a:t>InputObject</a:t>
-            </a:r>
-            <a:endParaRPr lang="en-US" sz="1400" dirty="0">
-              <a:solidFill>
-                <a:srgbClr val="333333"/>
-              </a:solidFill>
-              <a:latin typeface="Consolas" panose="020B0609020204030204" pitchFamily="49" charset="0"/>
-            </a:endParaRPr>
-          </a:p>
-          <a:p>
-            <a:pPr marL="0" indent="0">
-              <a:buNone/>
-            </a:pPr>
-            <a:r>
-              <a:rPr lang="en-US" sz="1400" dirty="0">
-                <a:solidFill>
-                  <a:srgbClr val="00008B"/>
-                </a:solidFill>
-                <a:latin typeface="Consolas" panose="020B0609020204030204" pitchFamily="49" charset="0"/>
-              </a:rPr>
-              <a:t>)</a:t>
-            </a:r>
-            <a:endParaRPr lang="en-US" sz="1400" dirty="0">
-              <a:solidFill>
-                <a:srgbClr val="333333"/>
-              </a:solidFill>
-              <a:latin typeface="Consolas" panose="020B0609020204030204" pitchFamily="49" charset="0"/>
-            </a:endParaRPr>
-          </a:p>
-          <a:p>
-            <a:pPr marL="0" indent="0">
-              <a:buNone/>
-            </a:pPr>
-            <a:endParaRPr lang="en-US" sz="1400" dirty="0"/>
-          </a:p>
-        </p:txBody>
-      </p:sp>
-      <p:sp>
-        <p:nvSpPr>
-          <p:cNvPr id="8" name="Content Placeholder 7"/>
-          <p:cNvSpPr>
-            <a:spLocks noGrp="1"/>
-          </p:cNvSpPr>
-          <p:nvPr>
-            <p:ph sz="half" idx="1"/>
-          </p:nvPr>
-        </p:nvSpPr>
-        <p:spPr/>
-        <p:txBody>
-          <a:bodyPr>
-            <a:normAutofit/>
-          </a:bodyPr>
-          <a:lstStyle/>
-          <a:p>
-            <a:pPr marL="0" indent="0">
-              <a:buNone/>
-            </a:pPr>
-            <a:r>
-              <a:rPr lang="en-US" sz="1400" dirty="0" err="1">
-                <a:solidFill>
-                  <a:srgbClr val="00008B"/>
-                </a:solidFill>
-                <a:latin typeface="Consolas" panose="020B0609020204030204" pitchFamily="49" charset="0"/>
-              </a:rPr>
-              <a:t>Param</a:t>
-            </a:r>
-            <a:r>
-              <a:rPr lang="en-US" sz="1400" dirty="0">
-                <a:solidFill>
-                  <a:srgbClr val="333333"/>
-                </a:solidFill>
-                <a:latin typeface="Consolas" panose="020B0609020204030204" pitchFamily="49" charset="0"/>
-              </a:rPr>
-              <a:t> </a:t>
-            </a:r>
-            <a:r>
-              <a:rPr lang="en-US" sz="1400" dirty="0">
-                <a:solidFill>
-                  <a:srgbClr val="00008B"/>
-                </a:solidFill>
-                <a:latin typeface="Consolas" panose="020B0609020204030204" pitchFamily="49" charset="0"/>
-              </a:rPr>
-              <a:t>(</a:t>
-            </a:r>
-            <a:endParaRPr lang="en-US" sz="1400" dirty="0">
-              <a:solidFill>
-                <a:srgbClr val="333333"/>
-              </a:solidFill>
-              <a:latin typeface="Consolas" panose="020B0609020204030204" pitchFamily="49" charset="0"/>
-            </a:endParaRPr>
-          </a:p>
-          <a:p>
-            <a:pPr marL="457200" lvl="1" indent="0">
-              <a:buNone/>
-            </a:pPr>
-            <a:r>
-              <a:rPr lang="en-US" sz="1400" dirty="0">
-                <a:solidFill>
-                  <a:srgbClr val="333333"/>
-                </a:solidFill>
-                <a:latin typeface="Consolas" panose="020B0609020204030204" pitchFamily="49" charset="0"/>
-              </a:rPr>
-              <a:t>[Parameter(</a:t>
-            </a:r>
-            <a:r>
-              <a:rPr lang="en-US" sz="1400" dirty="0" err="1">
-                <a:solidFill>
-                  <a:srgbClr val="008080"/>
-                </a:solidFill>
-                <a:latin typeface="Consolas" panose="020B0609020204030204" pitchFamily="49" charset="0"/>
-              </a:rPr>
-              <a:t>ValueFromPipelineByPropertyName</a:t>
-            </a:r>
-            <a:r>
-              <a:rPr lang="en-US" sz="1400" dirty="0">
-                <a:solidFill>
-                  <a:srgbClr val="333333"/>
-                </a:solidFill>
-                <a:latin typeface="Consolas" panose="020B0609020204030204" pitchFamily="49" charset="0"/>
-              </a:rPr>
-              <a:t>)]</a:t>
-            </a:r>
-          </a:p>
-          <a:p>
-            <a:pPr marL="457200" lvl="1" indent="0">
-              <a:buNone/>
-            </a:pPr>
-            <a:r>
-              <a:rPr lang="en-US" sz="1400" dirty="0">
-                <a:solidFill>
-                  <a:srgbClr val="333333"/>
-                </a:solidFill>
-                <a:latin typeface="Consolas" panose="020B0609020204030204" pitchFamily="49" charset="0"/>
-              </a:rPr>
-              <a:t>[Parameter(</a:t>
-            </a:r>
-            <a:r>
-              <a:rPr lang="en-US" sz="1400" dirty="0">
-                <a:solidFill>
-                  <a:srgbClr val="008080"/>
-                </a:solidFill>
-                <a:latin typeface="Consolas" panose="020B0609020204030204" pitchFamily="49" charset="0"/>
-              </a:rPr>
-              <a:t>Mandatory</a:t>
-            </a:r>
-            <a:r>
-              <a:rPr lang="en-US" sz="1400" dirty="0">
-                <a:solidFill>
-                  <a:srgbClr val="333333"/>
-                </a:solidFill>
-                <a:latin typeface="Consolas" panose="020B0609020204030204" pitchFamily="49" charset="0"/>
-              </a:rPr>
-              <a:t>=</a:t>
-            </a:r>
-            <a:r>
-              <a:rPr lang="en-US" sz="1400" dirty="0">
-                <a:solidFill>
-                  <a:srgbClr val="FF4500"/>
-                </a:solidFill>
-                <a:latin typeface="Consolas" panose="020B0609020204030204" pitchFamily="49" charset="0"/>
-              </a:rPr>
-              <a:t>$True</a:t>
-            </a:r>
-            <a:r>
-              <a:rPr lang="en-US" sz="1400" dirty="0">
-                <a:solidFill>
-                  <a:srgbClr val="333333"/>
-                </a:solidFill>
-                <a:latin typeface="Consolas" panose="020B0609020204030204" pitchFamily="49" charset="0"/>
-              </a:rPr>
-              <a:t>)]</a:t>
-            </a:r>
-          </a:p>
-          <a:p>
-            <a:pPr marL="457200" lvl="1" indent="0">
-              <a:buNone/>
-            </a:pPr>
-            <a:r>
-              <a:rPr lang="en-US" sz="1400" dirty="0">
-                <a:solidFill>
-                  <a:srgbClr val="333333"/>
-                </a:solidFill>
-                <a:latin typeface="Consolas" panose="020B0609020204030204" pitchFamily="49" charset="0"/>
-              </a:rPr>
-              <a:t>[String]</a:t>
-            </a:r>
-            <a:r>
-              <a:rPr lang="en-US" sz="1400" dirty="0">
-                <a:solidFill>
-                  <a:srgbClr val="00008B"/>
-                </a:solidFill>
-                <a:latin typeface="Consolas" panose="020B0609020204030204" pitchFamily="49" charset="0"/>
-              </a:rPr>
-              <a:t>$</a:t>
-            </a:r>
-            <a:r>
-              <a:rPr lang="en-US" sz="1400" dirty="0">
-                <a:solidFill>
-                  <a:srgbClr val="FF4500"/>
-                </a:solidFill>
-                <a:latin typeface="Consolas" panose="020B0609020204030204" pitchFamily="49" charset="0"/>
-              </a:rPr>
-              <a:t>Name</a:t>
-            </a:r>
-            <a:r>
-              <a:rPr lang="en-US" sz="1400" dirty="0">
-                <a:solidFill>
-                  <a:srgbClr val="A9A9A9"/>
-                </a:solidFill>
-                <a:latin typeface="Consolas" panose="020B0609020204030204" pitchFamily="49" charset="0"/>
-              </a:rPr>
-              <a:t>,</a:t>
-            </a:r>
-            <a:endParaRPr lang="en-US" sz="1400" dirty="0">
-              <a:solidFill>
-                <a:srgbClr val="333333"/>
-              </a:solidFill>
-              <a:latin typeface="Consolas" panose="020B0609020204030204" pitchFamily="49" charset="0"/>
-            </a:endParaRPr>
-          </a:p>
-          <a:p>
-            <a:pPr marL="457200" lvl="1" indent="0">
-              <a:buNone/>
-            </a:pPr>
-            <a:br>
-              <a:rPr lang="en-US" sz="1400" dirty="0">
-                <a:solidFill>
-                  <a:srgbClr val="333333"/>
-                </a:solidFill>
-                <a:latin typeface="Consolas" panose="020B0609020204030204" pitchFamily="49" charset="0"/>
-              </a:rPr>
-            </a:br>
-            <a:r>
-              <a:rPr lang="en-US" sz="1400" dirty="0">
-                <a:solidFill>
-                  <a:srgbClr val="333333"/>
-                </a:solidFill>
-                <a:latin typeface="Consolas" panose="020B0609020204030204" pitchFamily="49" charset="0"/>
-              </a:rPr>
-              <a:t>[Parameter(</a:t>
-            </a:r>
-            <a:r>
-              <a:rPr lang="en-US" sz="1400" dirty="0" err="1">
-                <a:solidFill>
-                  <a:srgbClr val="008080"/>
-                </a:solidFill>
-                <a:latin typeface="Consolas" panose="020B0609020204030204" pitchFamily="49" charset="0"/>
-              </a:rPr>
-              <a:t>ValueFromPipelineByPropertyName</a:t>
-            </a:r>
-            <a:r>
-              <a:rPr lang="en-US" sz="1400" dirty="0">
-                <a:solidFill>
-                  <a:srgbClr val="333333"/>
-                </a:solidFill>
-                <a:latin typeface="Consolas" panose="020B0609020204030204" pitchFamily="49" charset="0"/>
-              </a:rPr>
-              <a:t>)]</a:t>
-            </a:r>
-          </a:p>
-          <a:p>
-            <a:pPr marL="457200" lvl="1" indent="0">
-              <a:buNone/>
-            </a:pPr>
-            <a:r>
-              <a:rPr lang="en-US" sz="1400" dirty="0">
-                <a:solidFill>
-                  <a:srgbClr val="333333"/>
-                </a:solidFill>
-                <a:latin typeface="Consolas" panose="020B0609020204030204" pitchFamily="49" charset="0"/>
-              </a:rPr>
-              <a:t>[Parameter(</a:t>
-            </a:r>
-            <a:r>
-              <a:rPr lang="en-US" sz="1400" dirty="0">
-                <a:solidFill>
-                  <a:srgbClr val="008080"/>
-                </a:solidFill>
-                <a:latin typeface="Consolas" panose="020B0609020204030204" pitchFamily="49" charset="0"/>
-              </a:rPr>
-              <a:t>Mandatory</a:t>
-            </a:r>
-            <a:r>
-              <a:rPr lang="en-US" sz="1400" dirty="0">
-                <a:solidFill>
-                  <a:srgbClr val="333333"/>
-                </a:solidFill>
-                <a:latin typeface="Consolas" panose="020B0609020204030204" pitchFamily="49" charset="0"/>
-              </a:rPr>
-              <a:t>=</a:t>
-            </a:r>
-            <a:r>
-              <a:rPr lang="en-US" sz="1400" dirty="0">
-                <a:solidFill>
-                  <a:srgbClr val="FF4500"/>
-                </a:solidFill>
-                <a:latin typeface="Consolas" panose="020B0609020204030204" pitchFamily="49" charset="0"/>
-              </a:rPr>
-              <a:t>$True</a:t>
-            </a:r>
-            <a:r>
-              <a:rPr lang="en-US" sz="1400" dirty="0">
-                <a:solidFill>
-                  <a:srgbClr val="333333"/>
-                </a:solidFill>
-                <a:latin typeface="Consolas" panose="020B0609020204030204" pitchFamily="49" charset="0"/>
-              </a:rPr>
-              <a:t>)]</a:t>
-            </a:r>
-          </a:p>
-          <a:p>
-            <a:pPr marL="457200" lvl="1" indent="0">
-              <a:buNone/>
-            </a:pPr>
-            <a:r>
-              <a:rPr lang="en-US" sz="1400" dirty="0">
-                <a:solidFill>
-                  <a:srgbClr val="333333"/>
-                </a:solidFill>
-                <a:latin typeface="Consolas" panose="020B0609020204030204" pitchFamily="49" charset="0"/>
-              </a:rPr>
-              <a:t>[</a:t>
-            </a:r>
-            <a:r>
-              <a:rPr lang="en-US" sz="1400" dirty="0" err="1">
-                <a:solidFill>
-                  <a:srgbClr val="333333"/>
-                </a:solidFill>
-                <a:latin typeface="Consolas" panose="020B0609020204030204" pitchFamily="49" charset="0"/>
-              </a:rPr>
-              <a:t>int</a:t>
-            </a:r>
-            <a:r>
-              <a:rPr lang="en-US" sz="1400" dirty="0">
-                <a:solidFill>
-                  <a:srgbClr val="333333"/>
-                </a:solidFill>
-                <a:latin typeface="Consolas" panose="020B0609020204030204" pitchFamily="49" charset="0"/>
-              </a:rPr>
-              <a:t>]</a:t>
-            </a:r>
-            <a:r>
-              <a:rPr lang="en-US" sz="1400" dirty="0">
-                <a:solidFill>
-                  <a:srgbClr val="00008B"/>
-                </a:solidFill>
-                <a:latin typeface="Consolas" panose="020B0609020204030204" pitchFamily="49" charset="0"/>
-              </a:rPr>
-              <a:t>$</a:t>
-            </a:r>
-            <a:r>
-              <a:rPr lang="en-US" sz="1400" dirty="0" err="1">
-                <a:solidFill>
-                  <a:srgbClr val="FF4500"/>
-                </a:solidFill>
-                <a:latin typeface="Consolas" panose="020B0609020204030204" pitchFamily="49" charset="0"/>
-              </a:rPr>
-              <a:t>numericalvalue</a:t>
-            </a:r>
-            <a:r>
-              <a:rPr lang="en-US" sz="1400" dirty="0">
-                <a:solidFill>
-                  <a:srgbClr val="A9A9A9"/>
-                </a:solidFill>
-                <a:latin typeface="Consolas" panose="020B0609020204030204" pitchFamily="49" charset="0"/>
-              </a:rPr>
-              <a:t>,</a:t>
-            </a:r>
-          </a:p>
-          <a:p>
-            <a:pPr marL="457200" lvl="1" indent="0">
-              <a:buNone/>
-            </a:pPr>
-            <a:endParaRPr lang="en-US" sz="1400" dirty="0">
-              <a:solidFill>
-                <a:srgbClr val="333333"/>
-              </a:solidFill>
-              <a:latin typeface="Consolas" panose="020B0609020204030204" pitchFamily="49" charset="0"/>
-            </a:endParaRPr>
-          </a:p>
-          <a:p>
-            <a:pPr marL="457200" lvl="1" indent="0">
-              <a:buNone/>
-            </a:pPr>
-            <a:r>
-              <a:rPr lang="en-US" sz="1400" dirty="0">
-                <a:solidFill>
-                  <a:srgbClr val="333333"/>
-                </a:solidFill>
-                <a:latin typeface="Consolas" panose="020B0609020204030204" pitchFamily="49" charset="0"/>
-              </a:rPr>
-              <a:t>[Parameter(</a:t>
-            </a:r>
-            <a:r>
-              <a:rPr lang="en-US" sz="1400" dirty="0" err="1">
-                <a:solidFill>
-                  <a:srgbClr val="008080"/>
-                </a:solidFill>
-                <a:latin typeface="Consolas" panose="020B0609020204030204" pitchFamily="49" charset="0"/>
-              </a:rPr>
-              <a:t>ValueFromPipelineByPropertyName</a:t>
-            </a:r>
-            <a:r>
-              <a:rPr lang="en-US" sz="1400" dirty="0">
-                <a:solidFill>
-                  <a:srgbClr val="333333"/>
-                </a:solidFill>
-                <a:latin typeface="Consolas" panose="020B0609020204030204" pitchFamily="49" charset="0"/>
-              </a:rPr>
-              <a:t>)]</a:t>
-            </a:r>
-          </a:p>
-          <a:p>
-            <a:pPr marL="457200" lvl="1" indent="0">
-              <a:buNone/>
-            </a:pPr>
-            <a:r>
-              <a:rPr lang="en-US" sz="1400" dirty="0">
-                <a:solidFill>
-                  <a:srgbClr val="333333"/>
-                </a:solidFill>
-                <a:latin typeface="Consolas" panose="020B0609020204030204" pitchFamily="49" charset="0"/>
-              </a:rPr>
-              <a:t>[Parameter(</a:t>
-            </a:r>
-            <a:r>
-              <a:rPr lang="en-US" sz="1400" dirty="0">
-                <a:solidFill>
-                  <a:srgbClr val="008080"/>
-                </a:solidFill>
-                <a:latin typeface="Consolas" panose="020B0609020204030204" pitchFamily="49" charset="0"/>
-              </a:rPr>
-              <a:t>Mandatory</a:t>
-            </a:r>
-            <a:r>
-              <a:rPr lang="en-US" sz="1400" dirty="0">
-                <a:solidFill>
-                  <a:srgbClr val="333333"/>
-                </a:solidFill>
-                <a:latin typeface="Consolas" panose="020B0609020204030204" pitchFamily="49" charset="0"/>
-              </a:rPr>
-              <a:t>=</a:t>
-            </a:r>
-            <a:r>
-              <a:rPr lang="en-US" sz="1400" dirty="0">
-                <a:solidFill>
-                  <a:srgbClr val="FF4500"/>
-                </a:solidFill>
-                <a:latin typeface="Consolas" panose="020B0609020204030204" pitchFamily="49" charset="0"/>
-              </a:rPr>
-              <a:t>$True</a:t>
-            </a:r>
-            <a:r>
-              <a:rPr lang="en-US" sz="1400" dirty="0">
-                <a:solidFill>
-                  <a:srgbClr val="333333"/>
-                </a:solidFill>
-                <a:latin typeface="Consolas" panose="020B0609020204030204" pitchFamily="49" charset="0"/>
-              </a:rPr>
-              <a:t>)]</a:t>
-            </a:r>
-          </a:p>
-          <a:p>
-            <a:pPr marL="457200" lvl="1" indent="0">
-              <a:buNone/>
-            </a:pPr>
-            <a:r>
-              <a:rPr lang="en-US" sz="1400" dirty="0">
-                <a:solidFill>
-                  <a:srgbClr val="333333"/>
-                </a:solidFill>
-                <a:latin typeface="Consolas" panose="020B0609020204030204" pitchFamily="49" charset="0"/>
-              </a:rPr>
-              <a:t>[Parameter(</a:t>
-            </a:r>
-            <a:r>
-              <a:rPr lang="en-US" sz="1400" dirty="0" err="1">
-                <a:solidFill>
-                  <a:srgbClr val="008080"/>
-                </a:solidFill>
-                <a:latin typeface="Consolas" panose="020B0609020204030204" pitchFamily="49" charset="0"/>
-              </a:rPr>
-              <a:t>ValidateNotNullorEmpty</a:t>
-            </a:r>
-            <a:r>
-              <a:rPr lang="en-US" sz="1400" dirty="0">
-                <a:solidFill>
-                  <a:srgbClr val="333333"/>
-                </a:solidFill>
-                <a:latin typeface="Consolas" panose="020B0609020204030204" pitchFamily="49" charset="0"/>
-              </a:rPr>
-              <a:t>)]</a:t>
-            </a:r>
-          </a:p>
-          <a:p>
-            <a:pPr marL="457200" lvl="1" indent="0">
-              <a:buNone/>
-            </a:pPr>
-            <a:r>
-              <a:rPr lang="en-US" sz="1400" dirty="0">
-                <a:solidFill>
-                  <a:srgbClr val="333333"/>
-                </a:solidFill>
-                <a:latin typeface="Consolas" panose="020B0609020204030204" pitchFamily="49" charset="0"/>
-              </a:rPr>
-              <a:t>[String]</a:t>
-            </a:r>
-            <a:r>
-              <a:rPr lang="en-US" sz="1400" dirty="0">
-                <a:solidFill>
-                  <a:srgbClr val="00008B"/>
-                </a:solidFill>
-                <a:latin typeface="Consolas" panose="020B0609020204030204" pitchFamily="49" charset="0"/>
-              </a:rPr>
-              <a:t>$</a:t>
-            </a:r>
-            <a:r>
-              <a:rPr lang="en-US" sz="1400" dirty="0" err="1">
-                <a:solidFill>
-                  <a:srgbClr val="FF4500"/>
-                </a:solidFill>
-                <a:latin typeface="Consolas" panose="020B0609020204030204" pitchFamily="49" charset="0"/>
-              </a:rPr>
-              <a:t>Stringvalue</a:t>
-            </a:r>
-            <a:endParaRPr lang="en-US" sz="1400" dirty="0">
-              <a:solidFill>
-                <a:srgbClr val="333333"/>
-              </a:solidFill>
-              <a:latin typeface="Consolas" panose="020B0609020204030204" pitchFamily="49" charset="0"/>
-            </a:endParaRPr>
-          </a:p>
-          <a:p>
-            <a:pPr marL="0" indent="0">
-              <a:buNone/>
-            </a:pPr>
-            <a:r>
-              <a:rPr lang="en-US" sz="1400" dirty="0">
-                <a:solidFill>
-                  <a:srgbClr val="00008B"/>
-                </a:solidFill>
-                <a:latin typeface="Consolas" panose="020B0609020204030204" pitchFamily="49" charset="0"/>
-              </a:rPr>
-              <a:t>)</a:t>
-            </a:r>
-            <a:endParaRPr lang="en-US" sz="1400" dirty="0">
-              <a:solidFill>
-                <a:srgbClr val="333333"/>
-              </a:solidFill>
-              <a:latin typeface="Consolas" panose="020B0609020204030204" pitchFamily="49" charset="0"/>
-            </a:endParaRPr>
-          </a:p>
-        </p:txBody>
-      </p:sp>
-    </p:spTree>
-    <p:extLst>
-      <p:ext uri="{BB962C8B-B14F-4D97-AF65-F5344CB8AC3E}">
-        <p14:creationId xmlns:p14="http://schemas.microsoft.com/office/powerpoint/2010/main" val="2666579324"/>
-      </p:ext>
-    </p:extLst>
-  </p:cSld>
-  <p:clrMapOvr>
-    <a:masterClrMapping/>
-  </p:clrMapOvr>
-</p:sld>
-</file>
-
-<file path=ppt/slides/slide12.xml><?xml version="1.0" encoding="utf-8"?>
-<p:sld xmlns:a="http://schemas.openxmlformats.org/drawingml/2006/main" xmlns:r="http://schemas.openxmlformats.org/officeDocument/2006/relationships" xmlns:p="http://schemas.openxmlformats.org/presentationml/2006/main">
-  <p:cSld>
-    <p:spTree>
-      <p:nvGrpSpPr>
-        <p:cNvPr id="1" name=""/>
-        <p:cNvGrpSpPr/>
-        <p:nvPr/>
-      </p:nvGrpSpPr>
-      <p:grpSpPr>
-        <a:xfrm>
-          <a:off x="0" y="0"/>
-          <a:ext cx="0" cy="0"/>
-          <a:chOff x="0" y="0"/>
-          <a:chExt cx="0" cy="0"/>
-        </a:xfrm>
-      </p:grpSpPr>
-      <p:sp>
-        <p:nvSpPr>
-          <p:cNvPr id="2" name="Title 1"/>
-          <p:cNvSpPr>
-            <a:spLocks noGrp="1"/>
-          </p:cNvSpPr>
-          <p:nvPr>
-            <p:ph type="title"/>
-          </p:nvPr>
-        </p:nvSpPr>
-        <p:spPr/>
-        <p:txBody>
-          <a:bodyPr/>
-          <a:lstStyle/>
-          <a:p>
-            <a:r>
-              <a:rPr lang="en-US" dirty="0"/>
-              <a:t>But Why?</a:t>
-            </a:r>
-          </a:p>
-        </p:txBody>
-      </p:sp>
-      <p:sp>
-        <p:nvSpPr>
-          <p:cNvPr id="5" name="Content Placeholder 4"/>
-          <p:cNvSpPr>
-            <a:spLocks noGrp="1"/>
-          </p:cNvSpPr>
-          <p:nvPr>
-            <p:ph idx="1"/>
-          </p:nvPr>
-        </p:nvSpPr>
-        <p:spPr/>
-        <p:txBody>
-          <a:bodyPr/>
-          <a:lstStyle/>
-          <a:p>
-            <a:r>
-              <a:rPr lang="en-US" dirty="0"/>
-              <a:t>Why not?</a:t>
-            </a:r>
-          </a:p>
-          <a:p>
-            <a:pPr marL="0" indent="0">
-              <a:buNone/>
-            </a:pPr>
-            <a:endParaRPr lang="en-US" dirty="0"/>
-          </a:p>
-        </p:txBody>
-      </p:sp>
-    </p:spTree>
-    <p:extLst>
-      <p:ext uri="{BB962C8B-B14F-4D97-AF65-F5344CB8AC3E}">
-        <p14:creationId xmlns:p14="http://schemas.microsoft.com/office/powerpoint/2010/main" val="914536776"/>
-      </p:ext>
-    </p:extLst>
-  </p:cSld>
-  <p:clrMapOvr>
-    <a:masterClrMapping/>
-  </p:clrMapOvr>
-</p:sld>
-</file>
-
-<file path=ppt/slides/slide13.xml><?xml version="1.0" encoding="utf-8"?>
-<p:sld xmlns:a="http://schemas.openxmlformats.org/drawingml/2006/main" xmlns:r="http://schemas.openxmlformats.org/officeDocument/2006/relationships" xmlns:p="http://schemas.openxmlformats.org/presentationml/2006/main" show="0">
-  <p:cSld>
-    <p:spTree>
-      <p:nvGrpSpPr>
-        <p:cNvPr id="1" name=""/>
-        <p:cNvGrpSpPr/>
-        <p:nvPr/>
-      </p:nvGrpSpPr>
-      <p:grpSpPr>
-        <a:xfrm>
-          <a:off x="0" y="0"/>
-          <a:ext cx="0" cy="0"/>
-          <a:chOff x="0" y="0"/>
-          <a:chExt cx="0" cy="0"/>
-        </a:xfrm>
-      </p:grpSpPr>
-      <p:sp>
-        <p:nvSpPr>
-          <p:cNvPr id="20" name="Rectangle 11">
-            <a:extLst>
-              <a:ext uri="{FF2B5EF4-FFF2-40B4-BE49-F238E27FC236}">
-                <a16:creationId xmlns:a16="http://schemas.microsoft.com/office/drawing/2014/main" id="{F98ED85F-DCEE-4B50-802E-71A6E3E12B04}"/>
-              </a:ext>
-            </a:extLst>
-          </p:cNvPr>
-          <p:cNvSpPr>
-            <a:spLocks noGrp="1" noRot="1" noChangeAspect="1" noMove="1" noResize="1" noEditPoints="1" noAdjustHandles="1" noChangeArrowheads="1" noChangeShapeType="1" noTextEdit="1"/>
-          </p:cNvSpPr>
-          <p:nvPr>
-            <p:extLst>
-              <p:ext uri="{386F3935-93C4-4BCD-93E2-E3B085C9AB24}">
-                <p16:designElem xmlns:p16="http://schemas.microsoft.com/office/powerpoint/2015/main" val="1"/>
-              </p:ext>
-            </p:extLst>
-          </p:nvPr>
-        </p:nvSpPr>
-        <p:spPr bwMode="ltGray">
-          <a:xfrm>
-            <a:off x="321564" y="320040"/>
-            <a:ext cx="11548872" cy="6217920"/>
-          </a:xfrm>
-          <a:prstGeom prst="rect">
-            <a:avLst/>
-          </a:prstGeom>
-          <a:solidFill>
-            <a:schemeClr val="tx1">
-              <a:alpha val="10000"/>
-            </a:schemeClr>
-          </a:solidFill>
-          <a:ln w="127000" cap="sq" cmpd="thinThick">
-            <a:solidFill>
-              <a:schemeClr val="bg2"/>
-            </a:solidFill>
-          </a:ln>
-        </p:spPr>
-        <p:style>
-          <a:lnRef idx="2">
-            <a:schemeClr val="accent1">
-              <a:shade val="50000"/>
-            </a:schemeClr>
-          </a:lnRef>
-          <a:fillRef idx="1">
-            <a:schemeClr val="accent1"/>
-          </a:fillRef>
-          <a:effectRef idx="0">
-            <a:schemeClr val="accent1"/>
-          </a:effectRef>
-          <a:fontRef idx="minor">
-            <a:schemeClr val="lt1"/>
-          </a:fontRef>
-        </p:style>
-        <p:txBody>
-          <a:bodyPr rtlCol="0" anchor="ctr"/>
-          <a:lstStyle/>
-          <a:p>
-            <a:pPr algn="ctr"/>
-            <a:endParaRPr lang="en-US"/>
-          </a:p>
-        </p:txBody>
-      </p:sp>
-      <p:sp>
-        <p:nvSpPr>
-          <p:cNvPr id="6" name="Title 5">
-            <a:extLst>
-              <a:ext uri="{FF2B5EF4-FFF2-40B4-BE49-F238E27FC236}">
-                <a16:creationId xmlns:a16="http://schemas.microsoft.com/office/drawing/2014/main" id="{9270101E-70DF-493D-8544-A518EE4CD0E8}"/>
-              </a:ext>
-            </a:extLst>
-          </p:cNvPr>
-          <p:cNvSpPr>
-            <a:spLocks noGrp="1"/>
-          </p:cNvSpPr>
-          <p:nvPr>
-            <p:ph type="title"/>
-          </p:nvPr>
-        </p:nvSpPr>
-        <p:spPr>
-          <a:xfrm>
-            <a:off x="838200" y="631825"/>
-            <a:ext cx="10515600" cy="1325563"/>
-          </a:xfrm>
-        </p:spPr>
-        <p:txBody>
-          <a:bodyPr>
-            <a:normAutofit/>
-          </a:bodyPr>
-          <a:lstStyle/>
-          <a:p>
-            <a:r>
-              <a:rPr lang="en-US"/>
-              <a:t>Things to know about the Infoblox API</a:t>
-            </a:r>
-            <a:endParaRPr lang="en-US" dirty="0"/>
-          </a:p>
-        </p:txBody>
-      </p:sp>
-      <p:sp>
-        <p:nvSpPr>
-          <p:cNvPr id="21" name="Content Placeholder 6">
-            <a:extLst>
-              <a:ext uri="{FF2B5EF4-FFF2-40B4-BE49-F238E27FC236}">
-                <a16:creationId xmlns:a16="http://schemas.microsoft.com/office/drawing/2014/main" id="{6303ABF4-D3A0-4A37-A613-C3B66CC5EFC5}"/>
-              </a:ext>
-            </a:extLst>
-          </p:cNvPr>
-          <p:cNvSpPr>
-            <a:spLocks noGrp="1"/>
-          </p:cNvSpPr>
-          <p:nvPr>
-            <p:ph idx="1"/>
-          </p:nvPr>
-        </p:nvSpPr>
-        <p:spPr>
-          <a:xfrm>
-            <a:off x="838200" y="2057400"/>
-            <a:ext cx="10515600" cy="3871762"/>
-          </a:xfrm>
-        </p:spPr>
-        <p:txBody>
-          <a:bodyPr>
-            <a:normAutofit fontScale="85000" lnSpcReduction="20000"/>
-          </a:bodyPr>
-          <a:lstStyle/>
-          <a:p>
-            <a:r>
-              <a:rPr lang="en-US" dirty="0"/>
-              <a:t>_ref string is unique identifier for every object</a:t>
-            </a:r>
-          </a:p>
-          <a:p>
-            <a:r>
-              <a:rPr lang="en-US" dirty="0"/>
-              <a:t>                </a:t>
-            </a:r>
-            <a:r>
-              <a:rPr lang="en-US" dirty="0" err="1"/>
-              <a:t>objectType</a:t>
-            </a:r>
-            <a:r>
-              <a:rPr lang="en-US" dirty="0"/>
-              <a:t>/</a:t>
-            </a:r>
-            <a:r>
-              <a:rPr lang="en-US" dirty="0" err="1"/>
-              <a:t>uniqueID</a:t>
-            </a:r>
-            <a:r>
-              <a:rPr lang="en-US" dirty="0"/>
-              <a:t>/</a:t>
-            </a:r>
-            <a:r>
-              <a:rPr lang="en-US" dirty="0" err="1"/>
-              <a:t>primaryvalue</a:t>
-            </a:r>
-            <a:endParaRPr lang="en-US" dirty="0"/>
-          </a:p>
-          <a:p>
-            <a:r>
-              <a:rPr lang="en-US" dirty="0"/>
-              <a:t>                </a:t>
-            </a:r>
-            <a:r>
-              <a:rPr lang="en-US" dirty="0" err="1"/>
-              <a:t>record:a</a:t>
-            </a:r>
-            <a:r>
-              <a:rPr lang="en-US" dirty="0"/>
-              <a:t>/asdlfjfvpvioinhjknmflkffoewrfofnof/hostname.domain.com</a:t>
-            </a:r>
-          </a:p>
-          <a:p>
-            <a:r>
-              <a:rPr lang="en-US" dirty="0"/>
-              <a:t>                </a:t>
-            </a:r>
-            <a:r>
-              <a:rPr lang="en-US" dirty="0" err="1"/>
-              <a:t>record:ptr</a:t>
-            </a:r>
-            <a:r>
-              <a:rPr lang="en-US" dirty="0"/>
-              <a:t>/</a:t>
-            </a:r>
-            <a:r>
-              <a:rPr lang="en-US" dirty="0" err="1"/>
-              <a:t>wefBNJBPfdsasWTPKDasfdsfdsagFVJF</a:t>
-            </a:r>
-            <a:r>
-              <a:rPr lang="en-US" dirty="0"/>
-              <a:t>/10.1.1.2</a:t>
-            </a:r>
-          </a:p>
-          <a:p>
-            <a:r>
-              <a:rPr lang="en-US" dirty="0"/>
-              <a:t>Extensible attributes, or “</a:t>
-            </a:r>
-            <a:r>
-              <a:rPr lang="en-US" dirty="0" err="1"/>
-              <a:t>extattr</a:t>
-            </a:r>
-            <a:r>
-              <a:rPr lang="en-US" dirty="0"/>
-              <a:t>” is like object tagging.</a:t>
-            </a:r>
-          </a:p>
-          <a:p>
-            <a:r>
-              <a:rPr lang="en-US" dirty="0" err="1"/>
-              <a:t>gridmaster</a:t>
-            </a:r>
-            <a:r>
-              <a:rPr lang="en-US" dirty="0"/>
-              <a:t> is the </a:t>
-            </a:r>
-            <a:r>
-              <a:rPr lang="en-US" dirty="0" err="1"/>
-              <a:t>api</a:t>
-            </a:r>
-            <a:r>
-              <a:rPr lang="en-US" dirty="0"/>
-              <a:t> hosting appliance</a:t>
-            </a:r>
-          </a:p>
-          <a:p>
-            <a:r>
-              <a:rPr lang="en-US" dirty="0"/>
-              <a:t>to specify what fields are returned use _</a:t>
-            </a:r>
-            <a:r>
-              <a:rPr lang="en-US" dirty="0" err="1"/>
-              <a:t>return_fields</a:t>
-            </a:r>
-            <a:endParaRPr lang="en-US" dirty="0"/>
-          </a:p>
-          <a:p>
-            <a:r>
-              <a:rPr lang="en-US" dirty="0"/>
-              <a:t>REST GETs can be URI query or </a:t>
-            </a:r>
-            <a:r>
-              <a:rPr lang="en-US" dirty="0" err="1"/>
-              <a:t>json</a:t>
-            </a:r>
-            <a:r>
-              <a:rPr lang="en-US" dirty="0"/>
-              <a:t> body.  I mostly used URI query</a:t>
-            </a:r>
-          </a:p>
-          <a:p>
-            <a:pPr lvl="1"/>
-            <a:r>
-              <a:rPr lang="en-US" dirty="0"/>
-              <a:t>https://gridmaster/wapi/v1.2/record:a?name=value&amp;</a:t>
-            </a:r>
-          </a:p>
-          <a:p>
-            <a:pPr lvl="1"/>
-            <a:r>
-              <a:rPr lang="en-US" dirty="0"/>
-              <a:t>https://gridmaster/wapi/v1.2/record:a/asdfkjsdalfjdklfjdklfjasd/value.domain.com?_return_fields=name,ipaddress</a:t>
-            </a:r>
-          </a:p>
-          <a:p>
-            <a:pPr marL="0" indent="0">
-              <a:buNone/>
-            </a:pPr>
-            <a:endParaRPr lang="en-US" sz="2400" dirty="0"/>
-          </a:p>
-        </p:txBody>
-      </p:sp>
-    </p:spTree>
-    <p:extLst>
-      <p:ext uri="{BB962C8B-B14F-4D97-AF65-F5344CB8AC3E}">
-        <p14:creationId xmlns:p14="http://schemas.microsoft.com/office/powerpoint/2010/main" val="2397716494"/>
-      </p:ext>
-    </p:extLst>
-  </p:cSld>
-  <p:clrMapOvr>
-    <a:masterClrMapping/>
-  </p:clrMapOvr>
-</p:sld>
-</file>
-
-<file path=ppt/slides/slide14.xml><?xml version="1.0" encoding="utf-8"?>
-<p:sld xmlns:a="http://schemas.openxmlformats.org/drawingml/2006/main" xmlns:r="http://schemas.openxmlformats.org/officeDocument/2006/relationships" xmlns:p="http://schemas.openxmlformats.org/presentationml/2006/main">
-  <p:cSld>
-    <p:spTree>
-      <p:nvGrpSpPr>
-        <p:cNvPr id="1" name=""/>
-        <p:cNvGrpSpPr/>
-        <p:nvPr/>
-      </p:nvGrpSpPr>
-      <p:grpSpPr>
-        <a:xfrm>
-          <a:off x="0" y="0"/>
-          <a:ext cx="0" cy="0"/>
-          <a:chOff x="0" y="0"/>
-          <a:chExt cx="0" cy="0"/>
-        </a:xfrm>
-      </p:grpSpPr>
-      <p:sp>
-        <p:nvSpPr>
-          <p:cNvPr id="2" name="Content Placeholder 1">
-            <a:extLst>
-              <a:ext uri="{FF2B5EF4-FFF2-40B4-BE49-F238E27FC236}">
-                <a16:creationId xmlns:a16="http://schemas.microsoft.com/office/drawing/2014/main" id="{16F50367-CCF8-43B5-9C4E-F40739DC5231}"/>
-              </a:ext>
-            </a:extLst>
-          </p:cNvPr>
-          <p:cNvSpPr>
-            <a:spLocks noGrp="1"/>
-          </p:cNvSpPr>
-          <p:nvPr>
-            <p:ph sz="quarter" idx="13"/>
-          </p:nvPr>
-        </p:nvSpPr>
-        <p:spPr/>
-        <p:txBody>
-          <a:bodyPr/>
-          <a:lstStyle/>
-          <a:p>
-            <a:pPr marL="0" indent="0">
-              <a:buNone/>
-            </a:pPr>
-            <a:endParaRPr lang="en-US" dirty="0"/>
-          </a:p>
-        </p:txBody>
-      </p:sp>
-    </p:spTree>
-    <p:extLst>
-      <p:ext uri="{BB962C8B-B14F-4D97-AF65-F5344CB8AC3E}">
-        <p14:creationId xmlns:p14="http://schemas.microsoft.com/office/powerpoint/2010/main" val="3973683924"/>
-      </p:ext>
-    </p:extLst>
-  </p:cSld>
-  <p:clrMapOvr>
-    <a:masterClrMapping/>
-  </p:clrMapOvr>
-</p:sld>
-</file>
-
-<file path=ppt/slides/slide15.xml><?xml version="1.0" encoding="utf-8"?>
-<p:sld xmlns:a="http://schemas.openxmlformats.org/drawingml/2006/main" xmlns:r="http://schemas.openxmlformats.org/officeDocument/2006/relationships" xmlns:p="http://schemas.openxmlformats.org/presentationml/2006/main">
-  <p:cSld>
-    <p:spTree>
-      <p:nvGrpSpPr>
-        <p:cNvPr id="1" name=""/>
-        <p:cNvGrpSpPr/>
-        <p:nvPr/>
-      </p:nvGrpSpPr>
-      <p:grpSpPr>
-        <a:xfrm>
-          <a:off x="0" y="0"/>
-          <a:ext cx="0" cy="0"/>
-          <a:chOff x="0" y="0"/>
-          <a:chExt cx="0" cy="0"/>
-        </a:xfrm>
-      </p:grpSpPr>
-      <p:sp>
-        <p:nvSpPr>
-          <p:cNvPr id="5" name="Title 4"/>
-          <p:cNvSpPr>
-            <a:spLocks noGrp="1"/>
-          </p:cNvSpPr>
-          <p:nvPr>
-            <p:ph type="title"/>
-          </p:nvPr>
-        </p:nvSpPr>
-        <p:spPr/>
-        <p:txBody>
-          <a:bodyPr/>
-          <a:lstStyle/>
-          <a:p>
-            <a:r>
-              <a:rPr lang="en-US" dirty="0"/>
-              <a:t>Release Pipeline</a:t>
-            </a:r>
-          </a:p>
-        </p:txBody>
-      </p:sp>
-      <p:sp>
-        <p:nvSpPr>
-          <p:cNvPr id="6" name="Text Placeholder 5"/>
-          <p:cNvSpPr>
-            <a:spLocks noGrp="1"/>
-          </p:cNvSpPr>
-          <p:nvPr>
-            <p:ph type="body" idx="1"/>
-          </p:nvPr>
-        </p:nvSpPr>
-        <p:spPr/>
-        <p:txBody>
-          <a:bodyPr/>
-          <a:lstStyle/>
-          <a:p>
-            <a:r>
-              <a:rPr lang="en-US" dirty="0"/>
-              <a:t>Build…Test…Deploy</a:t>
-            </a:r>
-          </a:p>
-        </p:txBody>
-      </p:sp>
-    </p:spTree>
-    <p:extLst>
-      <p:ext uri="{BB962C8B-B14F-4D97-AF65-F5344CB8AC3E}">
-        <p14:creationId xmlns:p14="http://schemas.microsoft.com/office/powerpoint/2010/main" val="793227249"/>
-      </p:ext>
-    </p:extLst>
-  </p:cSld>
-  <p:clrMapOvr>
-    <a:masterClrMapping/>
-  </p:clrMapOvr>
-</p:sld>
-</file>
-
-<file path=ppt/slides/slide16.xml><?xml version="1.0" encoding="utf-8"?>
-<p:sld xmlns:a="http://schemas.openxmlformats.org/drawingml/2006/main" xmlns:r="http://schemas.openxmlformats.org/officeDocument/2006/relationships" xmlns:p="http://schemas.openxmlformats.org/presentationml/2006/main">
-  <p:cSld>
-    <p:spTree>
-      <p:nvGrpSpPr>
-        <p:cNvPr id="1" name=""/>
-        <p:cNvGrpSpPr/>
-        <p:nvPr/>
-      </p:nvGrpSpPr>
-      <p:grpSpPr>
-        <a:xfrm>
-          <a:off x="0" y="0"/>
-          <a:ext cx="0" cy="0"/>
-          <a:chOff x="0" y="0"/>
-          <a:chExt cx="0" cy="0"/>
-        </a:xfrm>
-      </p:grpSpPr>
-      <p:sp>
-        <p:nvSpPr>
-          <p:cNvPr id="2" name="Title 1"/>
-          <p:cNvSpPr>
-            <a:spLocks noGrp="1"/>
-          </p:cNvSpPr>
-          <p:nvPr>
-            <p:ph type="title"/>
-          </p:nvPr>
-        </p:nvSpPr>
-        <p:spPr/>
-        <p:txBody>
-          <a:bodyPr/>
-          <a:lstStyle/>
-          <a:p>
-            <a:r>
-              <a:rPr lang="en-US" dirty="0"/>
-              <a:t>Release Pipeline	</a:t>
-            </a:r>
-          </a:p>
-        </p:txBody>
-      </p:sp>
-      <p:sp>
-        <p:nvSpPr>
-          <p:cNvPr id="3" name="Content Placeholder 2"/>
-          <p:cNvSpPr>
-            <a:spLocks noGrp="1"/>
-          </p:cNvSpPr>
-          <p:nvPr>
-            <p:ph idx="1"/>
-          </p:nvPr>
-        </p:nvSpPr>
-        <p:spPr/>
-        <p:txBody>
-          <a:bodyPr>
-            <a:normAutofit/>
-          </a:bodyPr>
-          <a:lstStyle/>
-          <a:p>
-            <a:pPr>
-              <a:lnSpc>
-                <a:spcPct val="100000"/>
-              </a:lnSpc>
-            </a:pPr>
-            <a:r>
-              <a:rPr lang="en-US" dirty="0"/>
-              <a:t>Build</a:t>
-            </a:r>
-          </a:p>
-          <a:p>
-            <a:pPr lvl="1">
-              <a:lnSpc>
-                <a:spcPct val="100000"/>
-              </a:lnSpc>
-            </a:pPr>
-            <a:r>
-              <a:rPr lang="en-US" dirty="0"/>
-              <a:t>create directory structure</a:t>
-            </a:r>
-          </a:p>
-          <a:p>
-            <a:pPr lvl="1">
-              <a:lnSpc>
-                <a:spcPct val="100000"/>
-              </a:lnSpc>
-            </a:pPr>
-            <a:r>
-              <a:rPr lang="en-US" dirty="0"/>
-              <a:t>combine script files into psm1</a:t>
-            </a:r>
-          </a:p>
-          <a:p>
-            <a:pPr lvl="1">
-              <a:lnSpc>
-                <a:spcPct val="100000"/>
-              </a:lnSpc>
-            </a:pPr>
-            <a:r>
-              <a:rPr lang="en-US" dirty="0"/>
-              <a:t>set module manifest</a:t>
-            </a:r>
-          </a:p>
-          <a:p>
-            <a:pPr lvl="1">
-              <a:lnSpc>
-                <a:spcPct val="100000"/>
-              </a:lnSpc>
-            </a:pPr>
-            <a:r>
-              <a:rPr lang="en-US" dirty="0"/>
-              <a:t>compile help files with </a:t>
-            </a:r>
-            <a:r>
-              <a:rPr lang="en-US" dirty="0" err="1"/>
-              <a:t>platyPS</a:t>
-            </a:r>
-            <a:endParaRPr lang="en-US" dirty="0"/>
-          </a:p>
-          <a:p>
-            <a:pPr>
-              <a:lnSpc>
-                <a:spcPct val="200000"/>
-              </a:lnSpc>
-            </a:pPr>
-            <a:r>
-              <a:rPr lang="en-US" dirty="0"/>
-              <a:t>Test – unit test by mocking Invoke-</a:t>
-            </a:r>
-            <a:r>
-              <a:rPr lang="en-US" dirty="0" err="1"/>
-              <a:t>RestMethod</a:t>
-            </a:r>
-            <a:endParaRPr lang="en-US" dirty="0"/>
-          </a:p>
-          <a:p>
-            <a:pPr>
-              <a:lnSpc>
-                <a:spcPct val="200000"/>
-              </a:lnSpc>
-            </a:pPr>
-            <a:r>
-              <a:rPr lang="en-US" dirty="0"/>
-              <a:t>Deploy – publish module to the </a:t>
-            </a:r>
-            <a:r>
-              <a:rPr lang="en-US" dirty="0" err="1"/>
-              <a:t>Powershell</a:t>
-            </a:r>
-            <a:r>
-              <a:rPr lang="en-US" dirty="0"/>
-              <a:t> Gallery</a:t>
-            </a:r>
-          </a:p>
-        </p:txBody>
-      </p:sp>
-    </p:spTree>
-    <p:extLst>
-      <p:ext uri="{BB962C8B-B14F-4D97-AF65-F5344CB8AC3E}">
-        <p14:creationId xmlns:p14="http://schemas.microsoft.com/office/powerpoint/2010/main" val="704832245"/>
-      </p:ext>
-    </p:extLst>
-  </p:cSld>
-  <p:clrMapOvr>
-    <a:masterClrMapping/>
-  </p:clrMapOvr>
-  <p:timing>
-    <p:tnLst>
-      <p:par>
-        <p:cTn id="1" dur="indefinite" restart="never" nodeType="tmRoot">
-          <p:childTnLst>
-            <p:seq concurrent="1" nextAc="seek">
-              <p:cTn id="2" dur="indefinite" nodeType="mainSeq">
-                <p:childTnLst>
-                  <p:par>
-                    <p:cTn id="3" fill="hold">
-                      <p:stCondLst>
-                        <p:cond delay="indefinite"/>
-                        <p:cond evt="onBegin" delay="0">
-                          <p:tn val="2"/>
-                        </p:cond>
-                      </p:stCondLst>
-                      <p:childTnLst>
-                        <p:par>
-                          <p:cTn id="4" fill="hold">
-                            <p:stCondLst>
-                              <p:cond delay="0"/>
-                            </p:stCondLst>
-                            <p:childTnLst>
-                              <p:par>
-                                <p:cTn id="5" presetID="1" presetClass="entr" presetSubtype="0" fill="hold" nodeType="withEffect">
-                                  <p:stCondLst>
-                                    <p:cond delay="0"/>
-                                  </p:stCondLst>
-                                  <p:childTnLst>
-                                    <p:set>
-                                      <p:cBhvr>
-                                        <p:cTn id="6" dur="1" fill="hold">
-                                          <p:stCondLst>
-                                            <p:cond delay="0"/>
-                                          </p:stCondLst>
-                                        </p:cTn>
-                                        <p:tgtEl>
-                                          <p:spTgt spid="3">
-                                            <p:txEl>
-                                              <p:pRg st="0" end="0"/>
-                                            </p:txEl>
-                                          </p:spTgt>
-                                        </p:tgtEl>
-                                        <p:attrNameLst>
-                                          <p:attrName>style.visibility</p:attrName>
-                                        </p:attrNameLst>
-                                      </p:cBhvr>
-                                      <p:to>
-                                        <p:strVal val="visible"/>
-                                      </p:to>
-                                    </p:set>
-                                  </p:childTnLst>
-                                </p:cTn>
-                              </p:par>
-                              <p:par>
-                                <p:cTn id="7" presetID="1" presetClass="entr" presetSubtype="0" fill="hold" nodeType="withEffect">
-                                  <p:stCondLst>
-                                    <p:cond delay="0"/>
-                                  </p:stCondLst>
-                                  <p:childTnLst>
-                                    <p:set>
-                                      <p:cBhvr>
-                                        <p:cTn id="8" dur="1" fill="hold">
-                                          <p:stCondLst>
-                                            <p:cond delay="0"/>
-                                          </p:stCondLst>
-                                        </p:cTn>
-                                        <p:tgtEl>
-                                          <p:spTgt spid="3">
-                                            <p:txEl>
-                                              <p:pRg st="1" end="1"/>
-                                            </p:txEl>
-                                          </p:spTgt>
-                                        </p:tgtEl>
-                                        <p:attrNameLst>
-                                          <p:attrName>style.visibility</p:attrName>
-                                        </p:attrNameLst>
-                                      </p:cBhvr>
-                                      <p:to>
-                                        <p:strVal val="visible"/>
-                                      </p:to>
-                                    </p:set>
-                                  </p:childTnLst>
-                                </p:cTn>
-                              </p:par>
-                              <p:par>
-                                <p:cTn id="9" presetID="1" presetClass="entr" presetSubtype="0" fill="hold" nodeType="withEffect">
-                                  <p:stCondLst>
-                                    <p:cond delay="0"/>
-                                  </p:stCondLst>
-                                  <p:childTnLst>
-                                    <p:set>
-                                      <p:cBhvr>
-                                        <p:cTn id="10" dur="1" fill="hold">
-                                          <p:stCondLst>
-                                            <p:cond delay="0"/>
-                                          </p:stCondLst>
-                                        </p:cTn>
-                                        <p:tgtEl>
-                                          <p:spTgt spid="3">
-                                            <p:txEl>
-                                              <p:pRg st="2" end="2"/>
-                                            </p:txEl>
-                                          </p:spTgt>
-                                        </p:tgtEl>
-                                        <p:attrNameLst>
-                                          <p:attrName>style.visibility</p:attrName>
-                                        </p:attrNameLst>
-                                      </p:cBhvr>
-                                      <p:to>
-                                        <p:strVal val="visible"/>
-                                      </p:to>
-                                    </p:set>
-                                  </p:childTnLst>
-                                </p:cTn>
-                              </p:par>
-                              <p:par>
-                                <p:cTn id="11" presetID="1" presetClass="entr" presetSubtype="0" fill="hold" nodeType="withEffect">
-                                  <p:stCondLst>
-                                    <p:cond delay="0"/>
-                                  </p:stCondLst>
-                                  <p:childTnLst>
-                                    <p:set>
-                                      <p:cBhvr>
-                                        <p:cTn id="12" dur="1" fill="hold">
-                                          <p:stCondLst>
-                                            <p:cond delay="0"/>
-                                          </p:stCondLst>
-                                        </p:cTn>
-                                        <p:tgtEl>
-                                          <p:spTgt spid="3">
-                                            <p:txEl>
-                                              <p:pRg st="3" end="3"/>
-                                            </p:txEl>
-                                          </p:spTgt>
-                                        </p:tgtEl>
-                                        <p:attrNameLst>
-                                          <p:attrName>style.visibility</p:attrName>
-                                        </p:attrNameLst>
-                                      </p:cBhvr>
-                                      <p:to>
-                                        <p:strVal val="visible"/>
-                                      </p:to>
-                                    </p:set>
-                                  </p:childTnLst>
-                                </p:cTn>
-                              </p:par>
-                              <p:par>
-                                <p:cTn id="13" presetID="1" presetClass="entr" presetSubtype="0" fill="hold" nodeType="withEffect">
-                                  <p:stCondLst>
-                                    <p:cond delay="0"/>
-                                  </p:stCondLst>
-                                  <p:childTnLst>
-                                    <p:set>
-                                      <p:cBhvr>
-                                        <p:cTn id="14" dur="1" fill="hold">
-                                          <p:stCondLst>
-                                            <p:cond delay="0"/>
-                                          </p:stCondLst>
-                                        </p:cTn>
-                                        <p:tgtEl>
-                                          <p:spTgt spid="3">
-                                            <p:txEl>
-                                              <p:pRg st="4" end="4"/>
-                                            </p:txEl>
-                                          </p:spTgt>
-                                        </p:tgtEl>
-                                        <p:attrNameLst>
-                                          <p:attrName>style.visibility</p:attrName>
-                                        </p:attrNameLst>
-                                      </p:cBhvr>
-                                      <p:to>
-                                        <p:strVal val="visible"/>
-                                      </p:to>
-                                    </p:set>
-                                  </p:childTnLst>
-                                </p:cTn>
-                              </p:par>
-                            </p:childTnLst>
-                          </p:cTn>
-                        </p:par>
-                      </p:childTnLst>
-                    </p:cTn>
-                  </p:par>
-                  <p:par>
-                    <p:cTn id="15" fill="hold">
-                      <p:stCondLst>
-                        <p:cond delay="indefinite"/>
-                      </p:stCondLst>
-                      <p:childTnLst>
-                        <p:par>
-                          <p:cTn id="16" fill="hold">
-                            <p:stCondLst>
-                              <p:cond delay="0"/>
-                            </p:stCondLst>
-                            <p:childTnLst>
-                              <p:par>
-                                <p:cTn id="17" presetID="1" presetClass="entr" presetSubtype="0" fill="hold" nodeType="clickEffect">
-                                  <p:stCondLst>
-                                    <p:cond delay="0"/>
-                                  </p:stCondLst>
-                                  <p:childTnLst>
-                                    <p:set>
-                                      <p:cBhvr>
-                                        <p:cTn id="18" dur="1" fill="hold">
-                                          <p:stCondLst>
-                                            <p:cond delay="0"/>
-                                          </p:stCondLst>
-                                        </p:cTn>
-                                        <p:tgtEl>
-                                          <p:spTgt spid="3">
-                                            <p:txEl>
-                                              <p:pRg st="6" end="6"/>
-                                            </p:txEl>
-                                          </p:spTgt>
-                                        </p:tgtEl>
-                                        <p:attrNameLst>
-                                          <p:attrName>style.visibility</p:attrName>
-                                        </p:attrNameLst>
-                                      </p:cBhvr>
-                                      <p:to>
-                                        <p:strVal val="visible"/>
-                                      </p:to>
-                                    </p:set>
-                                  </p:childTnLst>
-                                </p:cTn>
-                              </p:par>
-                            </p:childTnLst>
-                          </p:cTn>
-                        </p:par>
-                      </p:childTnLst>
-                    </p:cTn>
-                  </p:par>
-                  <p:par>
-                    <p:cTn id="19" fill="hold">
-                      <p:stCondLst>
-                        <p:cond delay="indefinite"/>
-                      </p:stCondLst>
-                      <p:childTnLst>
-                        <p:par>
-                          <p:cTn id="20" fill="hold">
-                            <p:stCondLst>
-                              <p:cond delay="0"/>
-                            </p:stCondLst>
-                            <p:childTnLst>
-                              <p:par>
-                                <p:cTn id="21" presetID="1" presetClass="entr" presetSubtype="0" fill="hold" nodeType="clickEffect">
-                                  <p:stCondLst>
-                                    <p:cond delay="0"/>
-                                  </p:stCondLst>
-                                  <p:childTnLst>
-                                    <p:set>
-                                      <p:cBhvr>
-                                        <p:cTn id="22" dur="1" fill="hold">
-                                          <p:stCondLst>
-                                            <p:cond delay="0"/>
-                                          </p:stCondLst>
-                                        </p:cTn>
-                                        <p:tgtEl>
-                                          <p:spTgt spid="3">
-                                            <p:txEl>
-                                              <p:pRg st="5" end="5"/>
-                                            </p:txEl>
-                                          </p:spTgt>
-                                        </p:tgtEl>
-                                        <p:attrNameLst>
-                                          <p:attrName>style.visibility</p:attrName>
-                                        </p:attrNameLst>
-                                      </p:cBhvr>
-                                      <p:to>
-                                        <p:strVal val="visible"/>
-                                      </p:to>
-                                    </p:set>
-                                  </p:childTnLst>
-                                </p:cTn>
-                              </p:par>
-                            </p:childTnLst>
-                          </p:cTn>
-                        </p:par>
-                      </p:childTnLst>
-                    </p:cTn>
-                  </p:par>
-                </p:childTnLst>
-              </p:cTn>
-              <p:prevCondLst>
-                <p:cond evt="onPrev" delay="0">
-                  <p:tgtEl>
-                    <p:sldTgt/>
-                  </p:tgtEl>
-                </p:cond>
-              </p:prevCondLst>
-              <p:nextCondLst>
-                <p:cond evt="onNext" delay="0">
-                  <p:tgtEl>
-                    <p:sldTgt/>
-                  </p:tgtEl>
-                </p:cond>
-              </p:nextCondLst>
-            </p:seq>
-          </p:childTnLst>
-        </p:cTn>
-      </p:par>
-    </p:tnLst>
-  </p:timing>
-</p:sld>
-</file>
-
-<file path=ppt/slides/slide17.xml><?xml version="1.0" encoding="utf-8"?>
-<p:sld xmlns:a="http://schemas.openxmlformats.org/drawingml/2006/main" xmlns:r="http://schemas.openxmlformats.org/officeDocument/2006/relationships" xmlns:p="http://schemas.openxmlformats.org/presentationml/2006/main">
-  <p:cSld>
-    <p:spTree>
-      <p:nvGrpSpPr>
-        <p:cNvPr id="1" name=""/>
-        <p:cNvGrpSpPr/>
-        <p:nvPr/>
-      </p:nvGrpSpPr>
-      <p:grpSpPr>
-        <a:xfrm>
-          <a:off x="0" y="0"/>
-          <a:ext cx="0" cy="0"/>
-          <a:chOff x="0" y="0"/>
-          <a:chExt cx="0" cy="0"/>
-        </a:xfrm>
-      </p:grpSpPr>
-      <p:sp>
-        <p:nvSpPr>
-          <p:cNvPr id="3" name="Title 2"/>
-          <p:cNvSpPr>
-            <a:spLocks noGrp="1"/>
-          </p:cNvSpPr>
-          <p:nvPr>
-            <p:ph type="title"/>
-          </p:nvPr>
-        </p:nvSpPr>
-        <p:spPr/>
-        <p:txBody>
-          <a:bodyPr/>
-          <a:lstStyle/>
-          <a:p>
-            <a:r>
-              <a:rPr lang="en-US" dirty="0"/>
-              <a:t>To The Cloud!</a:t>
-            </a:r>
-          </a:p>
-        </p:txBody>
-      </p:sp>
-      <p:pic>
-        <p:nvPicPr>
-          <p:cNvPr id="5" name="Content Placeholder 4"/>
-          <p:cNvPicPr>
-            <a:picLocks noGrp="1" noChangeAspect="1"/>
-          </p:cNvPicPr>
-          <p:nvPr>
-            <p:ph idx="1"/>
-          </p:nvPr>
-        </p:nvPicPr>
-        <p:blipFill>
-          <a:blip r:embed="rId3">
-            <a:extLst>
-              <a:ext uri="{28A0092B-C50C-407E-A947-70E740481C1C}">
-                <a14:useLocalDpi xmlns:a14="http://schemas.microsoft.com/office/drawing/2010/main" val="0"/>
-              </a:ext>
-            </a:extLst>
-          </a:blip>
-          <a:stretch>
-            <a:fillRect/>
-          </a:stretch>
-        </p:blipFill>
-        <p:spPr>
-          <a:xfrm>
-            <a:off x="5259753" y="854440"/>
-            <a:ext cx="4220307" cy="4220307"/>
-          </a:xfrm>
-        </p:spPr>
-      </p:pic>
-    </p:spTree>
-    <p:extLst>
-      <p:ext uri="{BB962C8B-B14F-4D97-AF65-F5344CB8AC3E}">
-        <p14:creationId xmlns:p14="http://schemas.microsoft.com/office/powerpoint/2010/main" val="2911385361"/>
-      </p:ext>
-    </p:extLst>
-  </p:cSld>
-  <p:clrMapOvr>
-    <a:masterClrMapping/>
-  </p:clrMapOvr>
-</p:sld>
-</file>
-
-<file path=ppt/slides/slide18.xml><?xml version="1.0" encoding="utf-8"?>
-<p:sld xmlns:a="http://schemas.openxmlformats.org/drawingml/2006/main" xmlns:r="http://schemas.openxmlformats.org/officeDocument/2006/relationships" xmlns:p="http://schemas.openxmlformats.org/presentationml/2006/main" show="0">
-  <p:cSld>
-    <p:spTree>
-      <p:nvGrpSpPr>
-        <p:cNvPr id="1" name=""/>
-        <p:cNvGrpSpPr/>
-        <p:nvPr/>
-      </p:nvGrpSpPr>
-      <p:grpSpPr>
-        <a:xfrm>
-          <a:off x="0" y="0"/>
-          <a:ext cx="0" cy="0"/>
-          <a:chOff x="0" y="0"/>
-          <a:chExt cx="0" cy="0"/>
-        </a:xfrm>
-      </p:grpSpPr>
-      <p:sp>
-        <p:nvSpPr>
-          <p:cNvPr id="2" name="Title 1"/>
-          <p:cNvSpPr>
-            <a:spLocks noGrp="1"/>
-          </p:cNvSpPr>
-          <p:nvPr>
-            <p:ph type="title"/>
-          </p:nvPr>
-        </p:nvSpPr>
-        <p:spPr/>
-        <p:txBody>
-          <a:bodyPr/>
-          <a:lstStyle/>
-          <a:p>
-            <a:pPr algn="r"/>
-            <a:r>
-              <a:rPr lang="en-US" dirty="0"/>
-              <a:t>Always test your code!.....</a:t>
-            </a:r>
-          </a:p>
-        </p:txBody>
-      </p:sp>
-      <p:graphicFrame>
-        <p:nvGraphicFramePr>
-          <p:cNvPr id="4" name="Content Placeholder 3"/>
-          <p:cNvGraphicFramePr>
-            <a:graphicFrameLocks noGrp="1"/>
-          </p:cNvGraphicFramePr>
-          <p:nvPr>
-            <p:ph idx="1"/>
-            <p:extLst>
-              <p:ext uri="{D42A27DB-BD31-4B8C-83A1-F6EECF244321}">
-                <p14:modId xmlns:p14="http://schemas.microsoft.com/office/powerpoint/2010/main" val="1986227818"/>
-              </p:ext>
-            </p:extLst>
-          </p:nvPr>
-        </p:nvGraphicFramePr>
-        <p:xfrm>
-          <a:off x="3321538" y="1906955"/>
-          <a:ext cx="8032261" cy="4270008"/>
-        </p:xfrm>
-        <a:graphic>
-          <a:graphicData uri="http://schemas.openxmlformats.org/drawingml/2006/chart">
-            <c:chart xmlns:c="http://schemas.openxmlformats.org/drawingml/2006/chart" xmlns:r="http://schemas.openxmlformats.org/officeDocument/2006/relationships" r:id="rId3"/>
-          </a:graphicData>
-        </a:graphic>
-      </p:graphicFrame>
-    </p:spTree>
-    <p:extLst>
-      <p:ext uri="{BB962C8B-B14F-4D97-AF65-F5344CB8AC3E}">
-        <p14:creationId xmlns:p14="http://schemas.microsoft.com/office/powerpoint/2010/main" val="195809996"/>
-      </p:ext>
-    </p:extLst>
-  </p:cSld>
-  <p:clrMapOvr>
-    <a:masterClrMapping/>
-  </p:clrMapOvr>
-</p:sld>
-</file>
-
-<file path=ppt/slides/slide19.xml><?xml version="1.0" encoding="utf-8"?>
+<file path=ppt/slides/slide10.xml><?xml version="1.0" encoding="utf-8"?>
 <p:sld xmlns:a="http://schemas.openxmlformats.org/drawingml/2006/main" xmlns:r="http://schemas.openxmlformats.org/officeDocument/2006/relationships" xmlns:p="http://schemas.openxmlformats.org/presentationml/2006/main">
   <p:cSld>
     <p:spTree>
@@ -7975,101 +5006,7 @@
 </p:sld>
 </file>
 
-<file path=ppt/slides/slide2.xml><?xml version="1.0" encoding="utf-8"?>
-<p:sld xmlns:a="http://schemas.openxmlformats.org/drawingml/2006/main" xmlns:r="http://schemas.openxmlformats.org/officeDocument/2006/relationships" xmlns:p="http://schemas.openxmlformats.org/presentationml/2006/main" show="0">
-  <p:cSld>
-    <p:spTree>
-      <p:nvGrpSpPr>
-        <p:cNvPr id="1" name=""/>
-        <p:cNvGrpSpPr/>
-        <p:nvPr/>
-      </p:nvGrpSpPr>
-      <p:grpSpPr>
-        <a:xfrm>
-          <a:off x="0" y="0"/>
-          <a:ext cx="0" cy="0"/>
-          <a:chOff x="0" y="0"/>
-          <a:chExt cx="0" cy="0"/>
-        </a:xfrm>
-      </p:grpSpPr>
-      <p:sp>
-        <p:nvSpPr>
-          <p:cNvPr id="2" name="Title 1"/>
-          <p:cNvSpPr>
-            <a:spLocks noGrp="1"/>
-          </p:cNvSpPr>
-          <p:nvPr>
-            <p:ph type="title"/>
-          </p:nvPr>
-        </p:nvSpPr>
-        <p:spPr/>
-        <p:txBody>
-          <a:bodyPr/>
-          <a:lstStyle/>
-          <a:p>
-            <a:r>
-              <a:rPr lang="en-US" dirty="0"/>
-              <a:t>Sharing</a:t>
-            </a:r>
-          </a:p>
-        </p:txBody>
-      </p:sp>
-      <p:sp>
-        <p:nvSpPr>
-          <p:cNvPr id="3" name="Content Placeholder 2"/>
-          <p:cNvSpPr>
-            <a:spLocks noGrp="1"/>
-          </p:cNvSpPr>
-          <p:nvPr>
-            <p:ph sz="quarter" idx="13"/>
-          </p:nvPr>
-        </p:nvSpPr>
-        <p:spPr/>
-        <p:txBody>
-          <a:bodyPr/>
-          <a:lstStyle/>
-          <a:p>
-            <a:r>
-              <a:rPr lang="en-US" dirty="0"/>
-              <a:t>You are responsible for sharing your deck, your code, or anything else you like.</a:t>
-            </a:r>
-          </a:p>
-          <a:p>
-            <a:r>
-              <a:rPr lang="en-US" dirty="0"/>
-              <a:t>You can use </a:t>
-            </a:r>
-            <a:r>
-              <a:rPr lang="en-US" dirty="0" err="1"/>
-              <a:t>Sched.com</a:t>
-            </a:r>
-            <a:r>
-              <a:rPr lang="en-US" dirty="0"/>
-              <a:t>, or you can use another location. It’s entirely up to you.</a:t>
-            </a:r>
-          </a:p>
-          <a:p>
-            <a:r>
-              <a:rPr lang="en-US" dirty="0"/>
-              <a:t>We suggest including a shortened URL at the end of the presentation.</a:t>
-            </a:r>
-          </a:p>
-        </p:txBody>
-      </p:sp>
-    </p:spTree>
-    <p:extLst>
-      <p:ext uri="{BB962C8B-B14F-4D97-AF65-F5344CB8AC3E}">
-        <p14:creationId xmlns:p14="http://schemas.microsoft.com/office/powerpoint/2010/main" val="1494474433"/>
-      </p:ext>
-    </p:extLst>
-  </p:cSld>
-  <p:clrMapOvr>
-    <a:masterClrMapping/>
-  </p:clrMapOvr>
-</p:sld>
-</file>
-
-<file path=ppt/slides/slide20.xml><?xml version="1.0" encoding="utf-8"?>
+<file path=ppt/slides/slide11.xml><?xml version="1.0" encoding="utf-8"?>
 <p:sld xmlns:a="http://schemas.openxmlformats.org/drawingml/2006/main" xmlns:r="http://schemas.openxmlformats.org/officeDocument/2006/relationships" xmlns:p="http://schemas.openxmlformats.org/presentationml/2006/main">
   <p:cSld>
     <p:spTree>
@@ -8175,7 +5112,7 @@
 </p:sld>
 </file>
 
-<file path=ppt/slides/slide21.xml><?xml version="1.0" encoding="utf-8"?>
+<file path=ppt/slides/slide12.xml><?xml version="1.0" encoding="utf-8"?>
 <p:sld xmlns:a="http://schemas.openxmlformats.org/drawingml/2006/main" xmlns:r="http://schemas.openxmlformats.org/officeDocument/2006/relationships" xmlns:p="http://schemas.openxmlformats.org/presentationml/2006/main">
   <p:cSld>
     <p:spTree>
@@ -8205,8 +5142,8 @@
 </p:sld>
 </file>
 
-<file path=ppt/slides/slide3.xml><?xml version="1.0" encoding="utf-8"?>
-<p:sld xmlns:a="http://schemas.openxmlformats.org/drawingml/2006/main" xmlns:r="http://schemas.openxmlformats.org/officeDocument/2006/relationships" xmlns:p="http://schemas.openxmlformats.org/presentationml/2006/main" show="0">
+<file path=ppt/slides/slide2.xml><?xml version="1.0" encoding="utf-8"?>
+<p:sld xmlns:a="http://schemas.openxmlformats.org/drawingml/2006/main" xmlns:r="http://schemas.openxmlformats.org/officeDocument/2006/relationships" xmlns:p="http://schemas.openxmlformats.org/presentationml/2006/main">
   <p:cSld>
     <p:spTree>
       <p:nvGrpSpPr>
@@ -8224,7 +5161,7 @@
       </p:grpSpPr>
       <p:sp>
         <p:nvSpPr>
-          <p:cNvPr id="2" name="Title 1"/>
+          <p:cNvPr id="4" name="Title 3"/>
           <p:cNvSpPr>
             <a:spLocks noGrp="1"/>
           </p:cNvSpPr>
@@ -8239,19 +5176,19 @@
           <a:p>
             <a:r>
               <a:rPr lang="en-US" dirty="0"/>
-              <a:t>Demos</a:t>
-            </a:r>
-          </a:p>
-        </p:txBody>
-      </p:sp>
-      <p:sp>
-        <p:nvSpPr>
-          <p:cNvPr id="3" name="Content Placeholder 2"/>
-          <p:cNvSpPr>
-            <a:spLocks noGrp="1"/>
-          </p:cNvSpPr>
-          <p:nvPr>
-            <p:ph sz="quarter" idx="13"/>
+              <a:t>REST API                           CLASSES</a:t>
+            </a:r>
+          </a:p>
+        </p:txBody>
+      </p:sp>
+      <p:sp>
+        <p:nvSpPr>
+          <p:cNvPr id="5" name="Content Placeholder 4"/>
+          <p:cNvSpPr>
+            <a:spLocks noGrp="1"/>
+          </p:cNvSpPr>
+          <p:nvPr>
+            <p:ph sz="half" idx="1"/>
           </p:nvPr>
         </p:nvSpPr>
         <p:spPr/>
@@ -8261,19 +5198,125 @@
           <a:p>
             <a:r>
               <a:rPr lang="en-US" dirty="0"/>
-              <a:t>Please modify console, ISE, or VS Code colors to use a high-contrast color scheme.</a:t>
-            </a:r>
-          </a:p>
-          <a:p>
+              <a:t>https://website/api/objecttype</a:t>
+            </a:r>
+          </a:p>
+          <a:p>
+            <a:pPr lvl="1"/>
             <a:r>
               <a:rPr lang="en-US" dirty="0"/>
-              <a:t>“Light” themes often work better, especially when combined with bold fonts and dark text colors.</a:t>
-            </a:r>
-          </a:p>
-          <a:p>
+              <a:t>PUT	update</a:t>
+            </a:r>
+          </a:p>
+          <a:p>
+            <a:pPr lvl="1"/>
             <a:r>
               <a:rPr lang="en-US" dirty="0"/>
-              <a:t>Jack up the font size so your code is legible at the back of the room.</a:t>
+              <a:t>GET	read</a:t>
+            </a:r>
+          </a:p>
+          <a:p>
+            <a:pPr lvl="1"/>
+            <a:r>
+              <a:rPr lang="en-US" dirty="0"/>
+              <a:t>POST	create</a:t>
+            </a:r>
+          </a:p>
+          <a:p>
+            <a:pPr lvl="1"/>
+            <a:r>
+              <a:rPr lang="en-US" dirty="0"/>
+              <a:t>DELETE	delete</a:t>
+            </a:r>
+          </a:p>
+        </p:txBody>
+      </p:sp>
+      <p:sp>
+        <p:nvSpPr>
+          <p:cNvPr id="6" name="Content Placeholder 5"/>
+          <p:cNvSpPr>
+            <a:spLocks noGrp="1"/>
+          </p:cNvSpPr>
+          <p:nvPr>
+            <p:ph sz="half" idx="2"/>
+          </p:nvPr>
+        </p:nvSpPr>
+        <p:spPr/>
+        <p:txBody>
+          <a:bodyPr/>
+          <a:lstStyle/>
+          <a:p>
+            <a:r>
+              <a:rPr lang="en-US" dirty="0"/>
+              <a:t>Class </a:t>
+            </a:r>
+            <a:r>
+              <a:rPr lang="en-US" dirty="0" err="1"/>
+              <a:t>objecttype</a:t>
+            </a:r>
+            <a:r>
+              <a:rPr lang="en-US" dirty="0"/>
+              <a:t>{</a:t>
+            </a:r>
+          </a:p>
+          <a:p>
+            <a:pPr lvl="1"/>
+            <a:r>
+              <a:rPr lang="en-US" dirty="0"/>
+              <a:t>Static </a:t>
+            </a:r>
+            <a:r>
+              <a:rPr lang="en-US" dirty="0" err="1"/>
+              <a:t>objecttype</a:t>
+            </a:r>
+            <a:r>
+              <a:rPr lang="en-US" dirty="0"/>
+              <a:t> create {}</a:t>
+            </a:r>
+          </a:p>
+          <a:p>
+            <a:pPr lvl="1"/>
+            <a:r>
+              <a:rPr lang="en-US" dirty="0"/>
+              <a:t>           </a:t>
+            </a:r>
+            <a:r>
+              <a:rPr lang="en-US" dirty="0" err="1"/>
+              <a:t>objecttype</a:t>
+            </a:r>
+            <a:r>
+              <a:rPr lang="en-US" dirty="0"/>
+              <a:t> update {}</a:t>
+            </a:r>
+          </a:p>
+          <a:p>
+            <a:pPr lvl="1"/>
+            <a:r>
+              <a:rPr lang="en-US" dirty="0"/>
+              <a:t>Static </a:t>
+            </a:r>
+            <a:r>
+              <a:rPr lang="en-US" dirty="0" err="1"/>
+              <a:t>objecttype</a:t>
+            </a:r>
+            <a:r>
+              <a:rPr lang="en-US" dirty="0"/>
+              <a:t> get {}</a:t>
+            </a:r>
+          </a:p>
+          <a:p>
+            <a:pPr lvl="1"/>
+            <a:r>
+              <a:rPr lang="en-US" dirty="0"/>
+              <a:t>           </a:t>
+            </a:r>
+            <a:r>
+              <a:rPr lang="en-US" dirty="0" err="1"/>
+              <a:t>objecttype</a:t>
+            </a:r>
+            <a:r>
+              <a:rPr lang="en-US" dirty="0"/>
+              <a:t> delete {}</a:t>
             </a:r>
           </a:p>
         </p:txBody>
@@ -8281,7 +5324,7 @@
     </p:spTree>
     <p:extLst>
       <p:ext uri="{BB962C8B-B14F-4D97-AF65-F5344CB8AC3E}">
-        <p14:creationId xmlns:p14="http://schemas.microsoft.com/office/powerpoint/2010/main" val="811870181"/>
+        <p14:creationId xmlns:p14="http://schemas.microsoft.com/office/powerpoint/2010/main" val="244589169"/>
       </p:ext>
     </p:extLst>
   </p:cSld>
@@ -8291,8 +5334,8 @@
 </p:sld>
 </file>
 
-<file path=ppt/slides/slide4.xml><?xml version="1.0" encoding="utf-8"?>
-<p:sld xmlns:a="http://schemas.openxmlformats.org/drawingml/2006/main" xmlns:r="http://schemas.openxmlformats.org/officeDocument/2006/relationships" xmlns:p="http://schemas.openxmlformats.org/presentationml/2006/main" show="0">
+<file path=ppt/slides/slide3.xml><?xml version="1.0" encoding="utf-8"?>
+<p:sld xmlns:a="http://schemas.openxmlformats.org/drawingml/2006/main" xmlns:r="http://schemas.openxmlformats.org/officeDocument/2006/relationships" xmlns:p="http://schemas.openxmlformats.org/presentationml/2006/main">
   <p:cSld>
     <p:spTree>
       <p:nvGrpSpPr>
@@ -8325,19 +5368,19 @@
           <a:p>
             <a:r>
               <a:rPr lang="en-US" dirty="0"/>
-              <a:t>Demos</a:t>
-            </a:r>
-          </a:p>
-        </p:txBody>
-      </p:sp>
-      <p:sp>
-        <p:nvSpPr>
-          <p:cNvPr id="3" name="Content Placeholder 2"/>
-          <p:cNvSpPr>
-            <a:spLocks noGrp="1"/>
-          </p:cNvSpPr>
-          <p:nvPr>
-            <p:ph sz="quarter" idx="13"/>
+              <a:t>But Why?</a:t>
+            </a:r>
+          </a:p>
+        </p:txBody>
+      </p:sp>
+      <p:sp>
+        <p:nvSpPr>
+          <p:cNvPr id="5" name="Content Placeholder 4"/>
+          <p:cNvSpPr>
+            <a:spLocks noGrp="1"/>
+          </p:cNvSpPr>
+          <p:nvPr>
+            <p:ph idx="1"/>
           </p:nvPr>
         </p:nvSpPr>
         <p:spPr/>
@@ -8347,27 +5390,34 @@
           <a:p>
             <a:r>
               <a:rPr lang="en-US" dirty="0"/>
-              <a:t>We strongly recommend the use of VS Code </a:t>
-            </a:r>
-            <a:r>
-              <a:rPr lang="mr-IN" dirty="0"/>
-              <a:t>–</a:t>
-            </a:r>
+              <a:t>More Code Separation</a:t>
+            </a:r>
+          </a:p>
+          <a:p>
+            <a:pPr lvl="1"/>
             <a:r>
               <a:rPr lang="en-US" dirty="0"/>
-              <a:t> all attendees can get it, and we’d like them to get used to it</a:t>
-            </a:r>
-          </a:p>
-          <a:p>
+              <a:t>Class definitions interface between REST API and </a:t>
+            </a:r>
+            <a:r>
+              <a:rPr lang="en-US" dirty="0" err="1"/>
+              <a:t>powershell</a:t>
+            </a:r>
+            <a:endParaRPr lang="en-US" dirty="0"/>
+          </a:p>
+          <a:p>
+            <a:pPr lvl="1"/>
             <a:r>
               <a:rPr lang="en-US" dirty="0"/>
-              <a:t>We recommend the Light+ theme</a:t>
-            </a:r>
-          </a:p>
-          <a:p>
+              <a:t>Cmdlets interface between </a:t>
+            </a:r>
+            <a:r>
+              <a:rPr lang="en-US" dirty="0" err="1"/>
+              <a:t>powershell</a:t>
+            </a:r>
             <a:r>
               <a:rPr lang="en-US" dirty="0"/>
-              <a:t>Use the Zoom feature to raise the font size consistently throughout the UI</a:t>
+              <a:t> and the user</a:t>
             </a:r>
           </a:p>
         </p:txBody>
@@ -8375,7 +5425,7 @@
     </p:spTree>
     <p:extLst>
       <p:ext uri="{BB962C8B-B14F-4D97-AF65-F5344CB8AC3E}">
-        <p14:creationId xmlns:p14="http://schemas.microsoft.com/office/powerpoint/2010/main" val="2087206324"/>
+        <p14:creationId xmlns:p14="http://schemas.microsoft.com/office/powerpoint/2010/main" val="677094992"/>
       </p:ext>
     </p:extLst>
   </p:cSld>
@@ -8385,8 +5435,8 @@
 </p:sld>
 </file>
 
-<file path=ppt/slides/slide5.xml><?xml version="1.0" encoding="utf-8"?>
-<p:sld xmlns:a="http://schemas.openxmlformats.org/drawingml/2006/main" xmlns:r="http://schemas.openxmlformats.org/officeDocument/2006/relationships" xmlns:p="http://schemas.openxmlformats.org/presentationml/2006/main" show="0">
+<file path=ppt/slides/slide4.xml><?xml version="1.0" encoding="utf-8"?>
+<p:sld xmlns:a="http://schemas.openxmlformats.org/drawingml/2006/main" xmlns:r="http://schemas.openxmlformats.org/officeDocument/2006/relationships" xmlns:p="http://schemas.openxmlformats.org/presentationml/2006/main">
   <p:cSld>
     <p:spTree>
       <p:nvGrpSpPr>
@@ -8419,57 +5469,711 @@
           <a:p>
             <a:r>
               <a:rPr lang="en-US" dirty="0"/>
-              <a:t>Copyright</a:t>
-            </a:r>
-          </a:p>
-        </p:txBody>
-      </p:sp>
-      <p:sp>
-        <p:nvSpPr>
-          <p:cNvPr id="3" name="Content Placeholder 2"/>
-          <p:cNvSpPr>
-            <a:spLocks noGrp="1"/>
-          </p:cNvSpPr>
-          <p:nvPr>
-            <p:ph sz="quarter" idx="13"/>
+              <a:t>But Why?</a:t>
+            </a:r>
+          </a:p>
+        </p:txBody>
+      </p:sp>
+      <p:sp>
+        <p:nvSpPr>
+          <p:cNvPr id="7" name="Content Placeholder 6"/>
+          <p:cNvSpPr>
+            <a:spLocks noGrp="1"/>
+          </p:cNvSpPr>
+          <p:nvPr>
+            <p:ph sz="half" idx="2"/>
           </p:nvPr>
         </p:nvSpPr>
         <p:spPr/>
         <p:txBody>
-          <a:bodyPr/>
-          <a:lstStyle/>
-          <a:p>
-            <a:r>
-              <a:rPr lang="en-US" dirty="0"/>
-              <a:t>Please do not include graphics or videos you found on the Internet unless you have </a:t>
-            </a:r>
-            <a:r>
-              <a:rPr lang="en-US" b="1" dirty="0"/>
-              <a:t>explicit permission from their owner</a:t>
-            </a:r>
-            <a:r>
-              <a:rPr lang="en-US" dirty="0"/>
-              <a:t> to use them.</a:t>
-            </a:r>
-          </a:p>
-          <a:p>
-            <a:r>
-              <a:rPr lang="en-US" dirty="0"/>
-              <a:t>We have had take-down notices in the past and would like to avoid this.</a:t>
-            </a:r>
-          </a:p>
-          <a:p>
-            <a:r>
-              <a:rPr lang="en-US" dirty="0"/>
-              <a:t>When in doubt, skip the silly picture.</a:t>
-            </a:r>
+          <a:bodyPr>
+            <a:normAutofit/>
+          </a:bodyPr>
+          <a:lstStyle/>
+          <a:p>
+            <a:pPr marL="0" indent="0">
+              <a:buNone/>
+            </a:pPr>
+            <a:r>
+              <a:rPr lang="en-US" sz="1400" dirty="0" err="1">
+                <a:solidFill>
+                  <a:srgbClr val="00008B"/>
+                </a:solidFill>
+                <a:latin typeface="Consolas" panose="020B0609020204030204" pitchFamily="49" charset="0"/>
+              </a:rPr>
+              <a:t>Param</a:t>
+            </a:r>
+            <a:r>
+              <a:rPr lang="en-US" sz="1400" dirty="0">
+                <a:solidFill>
+                  <a:srgbClr val="00008B"/>
+                </a:solidFill>
+                <a:latin typeface="Consolas" panose="020B0609020204030204" pitchFamily="49" charset="0"/>
+              </a:rPr>
+              <a:t>(</a:t>
+            </a:r>
+            <a:endParaRPr lang="en-US" sz="1400" dirty="0">
+              <a:solidFill>
+                <a:srgbClr val="333333"/>
+              </a:solidFill>
+              <a:latin typeface="Consolas" panose="020B0609020204030204" pitchFamily="49" charset="0"/>
+            </a:endParaRPr>
+          </a:p>
+          <a:p>
+            <a:pPr marL="457200" lvl="1" indent="0">
+              <a:buNone/>
+            </a:pPr>
+            <a:r>
+              <a:rPr lang="en-US" sz="1400" dirty="0">
+                <a:solidFill>
+                  <a:srgbClr val="333333"/>
+                </a:solidFill>
+                <a:latin typeface="Consolas" panose="020B0609020204030204" pitchFamily="49" charset="0"/>
+              </a:rPr>
+              <a:t>[Parameter(</a:t>
+            </a:r>
+            <a:r>
+              <a:rPr lang="en-US" sz="1400" dirty="0">
+                <a:solidFill>
+                  <a:srgbClr val="008080"/>
+                </a:solidFill>
+                <a:latin typeface="Consolas" panose="020B0609020204030204" pitchFamily="49" charset="0"/>
+              </a:rPr>
+              <a:t>Mandatory</a:t>
+            </a:r>
+            <a:r>
+              <a:rPr lang="en-US" sz="1400" dirty="0">
+                <a:solidFill>
+                  <a:srgbClr val="333333"/>
+                </a:solidFill>
+                <a:latin typeface="Consolas" panose="020B0609020204030204" pitchFamily="49" charset="0"/>
+              </a:rPr>
+              <a:t>=</a:t>
+            </a:r>
+            <a:r>
+              <a:rPr lang="en-US" sz="1400" dirty="0">
+                <a:solidFill>
+                  <a:srgbClr val="FF4500"/>
+                </a:solidFill>
+                <a:latin typeface="Consolas" panose="020B0609020204030204" pitchFamily="49" charset="0"/>
+              </a:rPr>
+              <a:t>$True</a:t>
+            </a:r>
+            <a:r>
+              <a:rPr lang="en-US" sz="1400" dirty="0">
+                <a:solidFill>
+                  <a:srgbClr val="333333"/>
+                </a:solidFill>
+                <a:latin typeface="Consolas" panose="020B0609020204030204" pitchFamily="49" charset="0"/>
+              </a:rPr>
+              <a:t>)]</a:t>
+            </a:r>
+          </a:p>
+          <a:p>
+            <a:pPr marL="457200" lvl="1" indent="0">
+              <a:buNone/>
+            </a:pPr>
+            <a:r>
+              <a:rPr lang="en-US" sz="1400" dirty="0">
+                <a:solidFill>
+                  <a:srgbClr val="333333"/>
+                </a:solidFill>
+                <a:latin typeface="Consolas" panose="020B0609020204030204" pitchFamily="49" charset="0"/>
+              </a:rPr>
+              <a:t>[</a:t>
+            </a:r>
+            <a:r>
+              <a:rPr lang="en-US" sz="1400" dirty="0" err="1">
+                <a:solidFill>
+                  <a:srgbClr val="333333"/>
+                </a:solidFill>
+                <a:latin typeface="Consolas" panose="020B0609020204030204" pitchFamily="49" charset="0"/>
+              </a:rPr>
+              <a:t>ObjectType</a:t>
+            </a:r>
+            <a:r>
+              <a:rPr lang="en-US" sz="1400" dirty="0">
+                <a:solidFill>
+                  <a:srgbClr val="333333"/>
+                </a:solidFill>
+                <a:latin typeface="Consolas" panose="020B0609020204030204" pitchFamily="49" charset="0"/>
+              </a:rPr>
+              <a:t>]</a:t>
+            </a:r>
+            <a:r>
+              <a:rPr lang="en-US" sz="1400" dirty="0">
+                <a:solidFill>
+                  <a:srgbClr val="00008B"/>
+                </a:solidFill>
+                <a:latin typeface="Consolas" panose="020B0609020204030204" pitchFamily="49" charset="0"/>
+              </a:rPr>
+              <a:t>$</a:t>
+            </a:r>
+            <a:r>
+              <a:rPr lang="en-US" sz="1400" dirty="0" err="1">
+                <a:solidFill>
+                  <a:srgbClr val="FF4500"/>
+                </a:solidFill>
+                <a:latin typeface="Consolas" panose="020B0609020204030204" pitchFamily="49" charset="0"/>
+              </a:rPr>
+              <a:t>InputObject</a:t>
+            </a:r>
+            <a:endParaRPr lang="en-US" sz="1400" dirty="0">
+              <a:solidFill>
+                <a:srgbClr val="333333"/>
+              </a:solidFill>
+              <a:latin typeface="Consolas" panose="020B0609020204030204" pitchFamily="49" charset="0"/>
+            </a:endParaRPr>
+          </a:p>
+          <a:p>
+            <a:pPr marL="0" indent="0">
+              <a:buNone/>
+            </a:pPr>
+            <a:r>
+              <a:rPr lang="en-US" sz="1400" dirty="0">
+                <a:solidFill>
+                  <a:srgbClr val="00008B"/>
+                </a:solidFill>
+                <a:latin typeface="Consolas" panose="020B0609020204030204" pitchFamily="49" charset="0"/>
+              </a:rPr>
+              <a:t>)</a:t>
+            </a:r>
+            <a:endParaRPr lang="en-US" sz="1400" dirty="0">
+              <a:solidFill>
+                <a:srgbClr val="333333"/>
+              </a:solidFill>
+              <a:latin typeface="Consolas" panose="020B0609020204030204" pitchFamily="49" charset="0"/>
+            </a:endParaRPr>
+          </a:p>
+          <a:p>
+            <a:pPr marL="0" indent="0">
+              <a:buNone/>
+            </a:pPr>
+            <a:endParaRPr lang="en-US" sz="1400" dirty="0"/>
+          </a:p>
+        </p:txBody>
+      </p:sp>
+      <p:sp>
+        <p:nvSpPr>
+          <p:cNvPr id="8" name="Content Placeholder 7"/>
+          <p:cNvSpPr>
+            <a:spLocks noGrp="1"/>
+          </p:cNvSpPr>
+          <p:nvPr>
+            <p:ph sz="half" idx="1"/>
+          </p:nvPr>
+        </p:nvSpPr>
+        <p:spPr/>
+        <p:txBody>
+          <a:bodyPr>
+            <a:normAutofit/>
+          </a:bodyPr>
+          <a:lstStyle/>
+          <a:p>
+            <a:pPr marL="0" indent="0">
+              <a:buNone/>
+            </a:pPr>
+            <a:r>
+              <a:rPr lang="en-US" sz="1400" dirty="0" err="1">
+                <a:solidFill>
+                  <a:srgbClr val="00008B"/>
+                </a:solidFill>
+                <a:latin typeface="Consolas" panose="020B0609020204030204" pitchFamily="49" charset="0"/>
+              </a:rPr>
+              <a:t>Param</a:t>
+            </a:r>
+            <a:r>
+              <a:rPr lang="en-US" sz="1400" dirty="0">
+                <a:solidFill>
+                  <a:srgbClr val="333333"/>
+                </a:solidFill>
+                <a:latin typeface="Consolas" panose="020B0609020204030204" pitchFamily="49" charset="0"/>
+              </a:rPr>
+              <a:t> </a:t>
+            </a:r>
+            <a:r>
+              <a:rPr lang="en-US" sz="1400" dirty="0">
+                <a:solidFill>
+                  <a:srgbClr val="00008B"/>
+                </a:solidFill>
+                <a:latin typeface="Consolas" panose="020B0609020204030204" pitchFamily="49" charset="0"/>
+              </a:rPr>
+              <a:t>(</a:t>
+            </a:r>
+            <a:endParaRPr lang="en-US" sz="1400" dirty="0">
+              <a:solidFill>
+                <a:srgbClr val="333333"/>
+              </a:solidFill>
+              <a:latin typeface="Consolas" panose="020B0609020204030204" pitchFamily="49" charset="0"/>
+            </a:endParaRPr>
+          </a:p>
+          <a:p>
+            <a:pPr marL="457200" lvl="1" indent="0">
+              <a:buNone/>
+            </a:pPr>
+            <a:r>
+              <a:rPr lang="en-US" sz="1400" dirty="0">
+                <a:solidFill>
+                  <a:srgbClr val="333333"/>
+                </a:solidFill>
+                <a:latin typeface="Consolas" panose="020B0609020204030204" pitchFamily="49" charset="0"/>
+              </a:rPr>
+              <a:t>[Parameter(</a:t>
+            </a:r>
+            <a:r>
+              <a:rPr lang="en-US" sz="1400" dirty="0" err="1">
+                <a:solidFill>
+                  <a:srgbClr val="008080"/>
+                </a:solidFill>
+                <a:latin typeface="Consolas" panose="020B0609020204030204" pitchFamily="49" charset="0"/>
+              </a:rPr>
+              <a:t>ValueFromPipelineByPropertyName</a:t>
+            </a:r>
+            <a:r>
+              <a:rPr lang="en-US" sz="1400" dirty="0">
+                <a:solidFill>
+                  <a:srgbClr val="333333"/>
+                </a:solidFill>
+                <a:latin typeface="Consolas" panose="020B0609020204030204" pitchFamily="49" charset="0"/>
+              </a:rPr>
+              <a:t>)]</a:t>
+            </a:r>
+          </a:p>
+          <a:p>
+            <a:pPr marL="457200" lvl="1" indent="0">
+              <a:buNone/>
+            </a:pPr>
+            <a:r>
+              <a:rPr lang="en-US" sz="1400" dirty="0">
+                <a:solidFill>
+                  <a:srgbClr val="333333"/>
+                </a:solidFill>
+                <a:latin typeface="Consolas" panose="020B0609020204030204" pitchFamily="49" charset="0"/>
+              </a:rPr>
+              <a:t>[Parameter(</a:t>
+            </a:r>
+            <a:r>
+              <a:rPr lang="en-US" sz="1400" dirty="0">
+                <a:solidFill>
+                  <a:srgbClr val="008080"/>
+                </a:solidFill>
+                <a:latin typeface="Consolas" panose="020B0609020204030204" pitchFamily="49" charset="0"/>
+              </a:rPr>
+              <a:t>Mandatory</a:t>
+            </a:r>
+            <a:r>
+              <a:rPr lang="en-US" sz="1400" dirty="0">
+                <a:solidFill>
+                  <a:srgbClr val="333333"/>
+                </a:solidFill>
+                <a:latin typeface="Consolas" panose="020B0609020204030204" pitchFamily="49" charset="0"/>
+              </a:rPr>
+              <a:t>=</a:t>
+            </a:r>
+            <a:r>
+              <a:rPr lang="en-US" sz="1400" dirty="0">
+                <a:solidFill>
+                  <a:srgbClr val="FF4500"/>
+                </a:solidFill>
+                <a:latin typeface="Consolas" panose="020B0609020204030204" pitchFamily="49" charset="0"/>
+              </a:rPr>
+              <a:t>$True</a:t>
+            </a:r>
+            <a:r>
+              <a:rPr lang="en-US" sz="1400" dirty="0">
+                <a:solidFill>
+                  <a:srgbClr val="333333"/>
+                </a:solidFill>
+                <a:latin typeface="Consolas" panose="020B0609020204030204" pitchFamily="49" charset="0"/>
+              </a:rPr>
+              <a:t>)]</a:t>
+            </a:r>
+          </a:p>
+          <a:p>
+            <a:pPr marL="457200" lvl="1" indent="0">
+              <a:buNone/>
+            </a:pPr>
+            <a:r>
+              <a:rPr lang="en-US" sz="1400" dirty="0">
+                <a:solidFill>
+                  <a:srgbClr val="333333"/>
+                </a:solidFill>
+                <a:latin typeface="Consolas" panose="020B0609020204030204" pitchFamily="49" charset="0"/>
+              </a:rPr>
+              <a:t>[String]</a:t>
+            </a:r>
+            <a:r>
+              <a:rPr lang="en-US" sz="1400" dirty="0">
+                <a:solidFill>
+                  <a:srgbClr val="00008B"/>
+                </a:solidFill>
+                <a:latin typeface="Consolas" panose="020B0609020204030204" pitchFamily="49" charset="0"/>
+              </a:rPr>
+              <a:t>$</a:t>
+            </a:r>
+            <a:r>
+              <a:rPr lang="en-US" sz="1400" dirty="0">
+                <a:solidFill>
+                  <a:srgbClr val="FF4500"/>
+                </a:solidFill>
+                <a:latin typeface="Consolas" panose="020B0609020204030204" pitchFamily="49" charset="0"/>
+              </a:rPr>
+              <a:t>Name</a:t>
+            </a:r>
+            <a:r>
+              <a:rPr lang="en-US" sz="1400" dirty="0">
+                <a:solidFill>
+                  <a:srgbClr val="A9A9A9"/>
+                </a:solidFill>
+                <a:latin typeface="Consolas" panose="020B0609020204030204" pitchFamily="49" charset="0"/>
+              </a:rPr>
+              <a:t>,</a:t>
+            </a:r>
+            <a:endParaRPr lang="en-US" sz="1400" dirty="0">
+              <a:solidFill>
+                <a:srgbClr val="333333"/>
+              </a:solidFill>
+              <a:latin typeface="Consolas" panose="020B0609020204030204" pitchFamily="49" charset="0"/>
+            </a:endParaRPr>
+          </a:p>
+          <a:p>
+            <a:pPr marL="457200" lvl="1" indent="0">
+              <a:buNone/>
+            </a:pPr>
+            <a:br>
+              <a:rPr lang="en-US" sz="1400" dirty="0">
+                <a:solidFill>
+                  <a:srgbClr val="333333"/>
+                </a:solidFill>
+                <a:latin typeface="Consolas" panose="020B0609020204030204" pitchFamily="49" charset="0"/>
+              </a:rPr>
+            </a:br>
+            <a:r>
+              <a:rPr lang="en-US" sz="1400" dirty="0">
+                <a:solidFill>
+                  <a:srgbClr val="333333"/>
+                </a:solidFill>
+                <a:latin typeface="Consolas" panose="020B0609020204030204" pitchFamily="49" charset="0"/>
+              </a:rPr>
+              <a:t>[Parameter(</a:t>
+            </a:r>
+            <a:r>
+              <a:rPr lang="en-US" sz="1400" dirty="0" err="1">
+                <a:solidFill>
+                  <a:srgbClr val="008080"/>
+                </a:solidFill>
+                <a:latin typeface="Consolas" panose="020B0609020204030204" pitchFamily="49" charset="0"/>
+              </a:rPr>
+              <a:t>ValueFromPipelineByPropertyName</a:t>
+            </a:r>
+            <a:r>
+              <a:rPr lang="en-US" sz="1400" dirty="0">
+                <a:solidFill>
+                  <a:srgbClr val="333333"/>
+                </a:solidFill>
+                <a:latin typeface="Consolas" panose="020B0609020204030204" pitchFamily="49" charset="0"/>
+              </a:rPr>
+              <a:t>)]</a:t>
+            </a:r>
+          </a:p>
+          <a:p>
+            <a:pPr marL="457200" lvl="1" indent="0">
+              <a:buNone/>
+            </a:pPr>
+            <a:r>
+              <a:rPr lang="en-US" sz="1400" dirty="0">
+                <a:solidFill>
+                  <a:srgbClr val="333333"/>
+                </a:solidFill>
+                <a:latin typeface="Consolas" panose="020B0609020204030204" pitchFamily="49" charset="0"/>
+              </a:rPr>
+              <a:t>[Parameter(</a:t>
+            </a:r>
+            <a:r>
+              <a:rPr lang="en-US" sz="1400" dirty="0">
+                <a:solidFill>
+                  <a:srgbClr val="008080"/>
+                </a:solidFill>
+                <a:latin typeface="Consolas" panose="020B0609020204030204" pitchFamily="49" charset="0"/>
+              </a:rPr>
+              <a:t>Mandatory</a:t>
+            </a:r>
+            <a:r>
+              <a:rPr lang="en-US" sz="1400" dirty="0">
+                <a:solidFill>
+                  <a:srgbClr val="333333"/>
+                </a:solidFill>
+                <a:latin typeface="Consolas" panose="020B0609020204030204" pitchFamily="49" charset="0"/>
+              </a:rPr>
+              <a:t>=</a:t>
+            </a:r>
+            <a:r>
+              <a:rPr lang="en-US" sz="1400" dirty="0">
+                <a:solidFill>
+                  <a:srgbClr val="FF4500"/>
+                </a:solidFill>
+                <a:latin typeface="Consolas" panose="020B0609020204030204" pitchFamily="49" charset="0"/>
+              </a:rPr>
+              <a:t>$True</a:t>
+            </a:r>
+            <a:r>
+              <a:rPr lang="en-US" sz="1400" dirty="0">
+                <a:solidFill>
+                  <a:srgbClr val="333333"/>
+                </a:solidFill>
+                <a:latin typeface="Consolas" panose="020B0609020204030204" pitchFamily="49" charset="0"/>
+              </a:rPr>
+              <a:t>)]</a:t>
+            </a:r>
+          </a:p>
+          <a:p>
+            <a:pPr marL="457200" lvl="1" indent="0">
+              <a:buNone/>
+            </a:pPr>
+            <a:r>
+              <a:rPr lang="en-US" sz="1400" dirty="0">
+                <a:solidFill>
+                  <a:srgbClr val="333333"/>
+                </a:solidFill>
+                <a:latin typeface="Consolas" panose="020B0609020204030204" pitchFamily="49" charset="0"/>
+              </a:rPr>
+              <a:t>[</a:t>
+            </a:r>
+            <a:r>
+              <a:rPr lang="en-US" sz="1400" dirty="0" err="1">
+                <a:solidFill>
+                  <a:srgbClr val="333333"/>
+                </a:solidFill>
+                <a:latin typeface="Consolas" panose="020B0609020204030204" pitchFamily="49" charset="0"/>
+              </a:rPr>
+              <a:t>int</a:t>
+            </a:r>
+            <a:r>
+              <a:rPr lang="en-US" sz="1400" dirty="0">
+                <a:solidFill>
+                  <a:srgbClr val="333333"/>
+                </a:solidFill>
+                <a:latin typeface="Consolas" panose="020B0609020204030204" pitchFamily="49" charset="0"/>
+              </a:rPr>
+              <a:t>]</a:t>
+            </a:r>
+            <a:r>
+              <a:rPr lang="en-US" sz="1400" dirty="0">
+                <a:solidFill>
+                  <a:srgbClr val="00008B"/>
+                </a:solidFill>
+                <a:latin typeface="Consolas" panose="020B0609020204030204" pitchFamily="49" charset="0"/>
+              </a:rPr>
+              <a:t>$</a:t>
+            </a:r>
+            <a:r>
+              <a:rPr lang="en-US" sz="1400" dirty="0" err="1">
+                <a:solidFill>
+                  <a:srgbClr val="FF4500"/>
+                </a:solidFill>
+                <a:latin typeface="Consolas" panose="020B0609020204030204" pitchFamily="49" charset="0"/>
+              </a:rPr>
+              <a:t>numericalvalue</a:t>
+            </a:r>
+            <a:r>
+              <a:rPr lang="en-US" sz="1400" dirty="0">
+                <a:solidFill>
+                  <a:srgbClr val="A9A9A9"/>
+                </a:solidFill>
+                <a:latin typeface="Consolas" panose="020B0609020204030204" pitchFamily="49" charset="0"/>
+              </a:rPr>
+              <a:t>,</a:t>
+            </a:r>
+          </a:p>
+          <a:p>
+            <a:pPr marL="457200" lvl="1" indent="0">
+              <a:buNone/>
+            </a:pPr>
+            <a:endParaRPr lang="en-US" sz="1400" dirty="0">
+              <a:solidFill>
+                <a:srgbClr val="333333"/>
+              </a:solidFill>
+              <a:latin typeface="Consolas" panose="020B0609020204030204" pitchFamily="49" charset="0"/>
+            </a:endParaRPr>
+          </a:p>
+          <a:p>
+            <a:pPr marL="457200" lvl="1" indent="0">
+              <a:buNone/>
+            </a:pPr>
+            <a:r>
+              <a:rPr lang="en-US" sz="1400" dirty="0">
+                <a:solidFill>
+                  <a:srgbClr val="333333"/>
+                </a:solidFill>
+                <a:latin typeface="Consolas" panose="020B0609020204030204" pitchFamily="49" charset="0"/>
+              </a:rPr>
+              <a:t>[Parameter(</a:t>
+            </a:r>
+            <a:r>
+              <a:rPr lang="en-US" sz="1400" dirty="0" err="1">
+                <a:solidFill>
+                  <a:srgbClr val="008080"/>
+                </a:solidFill>
+                <a:latin typeface="Consolas" panose="020B0609020204030204" pitchFamily="49" charset="0"/>
+              </a:rPr>
+              <a:t>ValueFromPipelineByPropertyName</a:t>
+            </a:r>
+            <a:r>
+              <a:rPr lang="en-US" sz="1400" dirty="0">
+                <a:solidFill>
+                  <a:srgbClr val="333333"/>
+                </a:solidFill>
+                <a:latin typeface="Consolas" panose="020B0609020204030204" pitchFamily="49" charset="0"/>
+              </a:rPr>
+              <a:t>)]</a:t>
+            </a:r>
+          </a:p>
+          <a:p>
+            <a:pPr marL="457200" lvl="1" indent="0">
+              <a:buNone/>
+            </a:pPr>
+            <a:r>
+              <a:rPr lang="en-US" sz="1400" dirty="0">
+                <a:solidFill>
+                  <a:srgbClr val="333333"/>
+                </a:solidFill>
+                <a:latin typeface="Consolas" panose="020B0609020204030204" pitchFamily="49" charset="0"/>
+              </a:rPr>
+              <a:t>[Parameter(</a:t>
+            </a:r>
+            <a:r>
+              <a:rPr lang="en-US" sz="1400" dirty="0">
+                <a:solidFill>
+                  <a:srgbClr val="008080"/>
+                </a:solidFill>
+                <a:latin typeface="Consolas" panose="020B0609020204030204" pitchFamily="49" charset="0"/>
+              </a:rPr>
+              <a:t>Mandatory</a:t>
+            </a:r>
+            <a:r>
+              <a:rPr lang="en-US" sz="1400" dirty="0">
+                <a:solidFill>
+                  <a:srgbClr val="333333"/>
+                </a:solidFill>
+                <a:latin typeface="Consolas" panose="020B0609020204030204" pitchFamily="49" charset="0"/>
+              </a:rPr>
+              <a:t>=</a:t>
+            </a:r>
+            <a:r>
+              <a:rPr lang="en-US" sz="1400" dirty="0">
+                <a:solidFill>
+                  <a:srgbClr val="FF4500"/>
+                </a:solidFill>
+                <a:latin typeface="Consolas" panose="020B0609020204030204" pitchFamily="49" charset="0"/>
+              </a:rPr>
+              <a:t>$True</a:t>
+            </a:r>
+            <a:r>
+              <a:rPr lang="en-US" sz="1400" dirty="0">
+                <a:solidFill>
+                  <a:srgbClr val="333333"/>
+                </a:solidFill>
+                <a:latin typeface="Consolas" panose="020B0609020204030204" pitchFamily="49" charset="0"/>
+              </a:rPr>
+              <a:t>)]</a:t>
+            </a:r>
+          </a:p>
+          <a:p>
+            <a:pPr marL="457200" lvl="1" indent="0">
+              <a:buNone/>
+            </a:pPr>
+            <a:r>
+              <a:rPr lang="en-US" sz="1400" dirty="0">
+                <a:solidFill>
+                  <a:srgbClr val="333333"/>
+                </a:solidFill>
+                <a:latin typeface="Consolas" panose="020B0609020204030204" pitchFamily="49" charset="0"/>
+              </a:rPr>
+              <a:t>[Parameter(</a:t>
+            </a:r>
+            <a:r>
+              <a:rPr lang="en-US" sz="1400" dirty="0" err="1">
+                <a:solidFill>
+                  <a:srgbClr val="008080"/>
+                </a:solidFill>
+                <a:latin typeface="Consolas" panose="020B0609020204030204" pitchFamily="49" charset="0"/>
+              </a:rPr>
+              <a:t>ValidateNotNullorEmpty</a:t>
+            </a:r>
+            <a:r>
+              <a:rPr lang="en-US" sz="1400" dirty="0">
+                <a:solidFill>
+                  <a:srgbClr val="333333"/>
+                </a:solidFill>
+                <a:latin typeface="Consolas" panose="020B0609020204030204" pitchFamily="49" charset="0"/>
+              </a:rPr>
+              <a:t>)]</a:t>
+            </a:r>
+          </a:p>
+          <a:p>
+            <a:pPr marL="457200" lvl="1" indent="0">
+              <a:buNone/>
+            </a:pPr>
+            <a:r>
+              <a:rPr lang="en-US" sz="1400" dirty="0">
+                <a:solidFill>
+                  <a:srgbClr val="333333"/>
+                </a:solidFill>
+                <a:latin typeface="Consolas" panose="020B0609020204030204" pitchFamily="49" charset="0"/>
+              </a:rPr>
+              <a:t>[String]</a:t>
+            </a:r>
+            <a:r>
+              <a:rPr lang="en-US" sz="1400" dirty="0">
+                <a:solidFill>
+                  <a:srgbClr val="00008B"/>
+                </a:solidFill>
+                <a:latin typeface="Consolas" panose="020B0609020204030204" pitchFamily="49" charset="0"/>
+              </a:rPr>
+              <a:t>$</a:t>
+            </a:r>
+            <a:r>
+              <a:rPr lang="en-US" sz="1400" dirty="0" err="1">
+                <a:solidFill>
+                  <a:srgbClr val="FF4500"/>
+                </a:solidFill>
+                <a:latin typeface="Consolas" panose="020B0609020204030204" pitchFamily="49" charset="0"/>
+              </a:rPr>
+              <a:t>Stringvalue</a:t>
+            </a:r>
+            <a:endParaRPr lang="en-US" sz="1400" dirty="0">
+              <a:solidFill>
+                <a:srgbClr val="333333"/>
+              </a:solidFill>
+              <a:latin typeface="Consolas" panose="020B0609020204030204" pitchFamily="49" charset="0"/>
+            </a:endParaRPr>
+          </a:p>
+          <a:p>
+            <a:pPr marL="0" indent="0">
+              <a:buNone/>
+            </a:pPr>
+            <a:r>
+              <a:rPr lang="en-US" sz="1400" dirty="0">
+                <a:solidFill>
+                  <a:srgbClr val="00008B"/>
+                </a:solidFill>
+                <a:latin typeface="Consolas" panose="020B0609020204030204" pitchFamily="49" charset="0"/>
+              </a:rPr>
+              <a:t>)</a:t>
+            </a:r>
+            <a:endParaRPr lang="en-US" sz="1400" dirty="0">
+              <a:solidFill>
+                <a:srgbClr val="333333"/>
+              </a:solidFill>
+              <a:latin typeface="Consolas" panose="020B0609020204030204" pitchFamily="49" charset="0"/>
+            </a:endParaRPr>
           </a:p>
         </p:txBody>
       </p:sp>
     </p:spTree>
     <p:extLst>
       <p:ext uri="{BB962C8B-B14F-4D97-AF65-F5344CB8AC3E}">
-        <p14:creationId xmlns:p14="http://schemas.microsoft.com/office/powerpoint/2010/main" val="1586476822"/>
+        <p14:creationId xmlns:p14="http://schemas.microsoft.com/office/powerpoint/2010/main" val="2666579324"/>
       </p:ext>
     </p:extLst>
   </p:cSld>
@@ -8479,8 +6183,8 @@
 </p:sld>
 </file>
 
-<file path=ppt/slides/slide6.xml><?xml version="1.0" encoding="utf-8"?>
-<p:sld xmlns:a="http://schemas.openxmlformats.org/drawingml/2006/main" xmlns:r="http://schemas.openxmlformats.org/officeDocument/2006/relationships" xmlns:p="http://schemas.openxmlformats.org/presentationml/2006/main" show="0">
+<file path=ppt/slides/slide5.xml><?xml version="1.0" encoding="utf-8"?>
+<p:sld xmlns:a="http://schemas.openxmlformats.org/drawingml/2006/main" xmlns:r="http://schemas.openxmlformats.org/officeDocument/2006/relationships" xmlns:p="http://schemas.openxmlformats.org/presentationml/2006/main">
   <p:cSld>
     <p:spTree>
       <p:nvGrpSpPr>
@@ -8513,19 +6217,19 @@
           <a:p>
             <a:r>
               <a:rPr lang="en-US" dirty="0"/>
-              <a:t>Copyright</a:t>
-            </a:r>
-          </a:p>
-        </p:txBody>
-      </p:sp>
-      <p:sp>
-        <p:nvSpPr>
-          <p:cNvPr id="3" name="Content Placeholder 2"/>
-          <p:cNvSpPr>
-            <a:spLocks noGrp="1"/>
-          </p:cNvSpPr>
-          <p:nvPr>
-            <p:ph sz="quarter" idx="13"/>
+              <a:t>But Why?</a:t>
+            </a:r>
+          </a:p>
+        </p:txBody>
+      </p:sp>
+      <p:sp>
+        <p:nvSpPr>
+          <p:cNvPr id="5" name="Content Placeholder 4"/>
+          <p:cNvSpPr>
+            <a:spLocks noGrp="1"/>
+          </p:cNvSpPr>
+          <p:nvPr>
+            <p:ph idx="1"/>
           </p:nvPr>
         </p:nvSpPr>
         <p:spPr/>
@@ -8535,33 +6239,21 @@
           <a:p>
             <a:r>
               <a:rPr lang="en-US" dirty="0"/>
-              <a:t>We default slides to a Creative Commons attribution, </a:t>
-            </a:r>
-            <a:r>
-              <a:rPr lang="en-US" dirty="0" err="1"/>
-              <a:t>sharealike</a:t>
-            </a:r>
-            <a:r>
-              <a:rPr lang="en-US" dirty="0"/>
-              <a:t>, noncommercial license</a:t>
-            </a:r>
-          </a:p>
-          <a:p>
-            <a:r>
-              <a:rPr lang="en-US" dirty="0"/>
-              <a:t>You’re welcome to state a different copyright policy. If you do, please remove the CC logos</a:t>
-            </a:r>
-            <a:r>
-              <a:rPr lang="en-US"/>
-              <a:t>. </a:t>
-            </a:r>
+              <a:t>Why not?</a:t>
+            </a:r>
+          </a:p>
+          <a:p>
+            <a:pPr marL="0" indent="0">
+              <a:buNone/>
+            </a:pPr>
+            <a:endParaRPr lang="en-US" dirty="0"/>
           </a:p>
         </p:txBody>
       </p:sp>
     </p:spTree>
     <p:extLst>
       <p:ext uri="{BB962C8B-B14F-4D97-AF65-F5344CB8AC3E}">
-        <p14:creationId xmlns:p14="http://schemas.microsoft.com/office/powerpoint/2010/main" val="290935719"/>
+        <p14:creationId xmlns:p14="http://schemas.microsoft.com/office/powerpoint/2010/main" val="914536776"/>
       </p:ext>
     </p:extLst>
   </p:cSld>
@@ -8571,8 +6263,8 @@
 </p:sld>
 </file>
 
-<file path=ppt/slides/slide7.xml><?xml version="1.0" encoding="utf-8"?>
-<p:sld xmlns:a="http://schemas.openxmlformats.org/drawingml/2006/main" xmlns:r="http://schemas.openxmlformats.org/officeDocument/2006/relationships" xmlns:p="http://schemas.openxmlformats.org/presentationml/2006/main" show="0">
+<file path=ppt/slides/slide6.xml><?xml version="1.0" encoding="utf-8"?>
+<p:sld xmlns:a="http://schemas.openxmlformats.org/drawingml/2006/main" xmlns:r="http://schemas.openxmlformats.org/officeDocument/2006/relationships" xmlns:p="http://schemas.openxmlformats.org/presentationml/2006/main">
   <p:cSld>
     <p:spTree>
       <p:nvGrpSpPr>
@@ -8590,12 +6282,18 @@
       </p:grpSpPr>
       <p:sp>
         <p:nvSpPr>
-          <p:cNvPr id="2" name="Title 1"/>
-          <p:cNvSpPr>
-            <a:spLocks noGrp="1"/>
-          </p:cNvSpPr>
-          <p:nvPr>
-            <p:ph type="title"/>
+          <p:cNvPr id="2" name="Content Placeholder 1">
+            <a:extLst>
+              <a:ext uri="{FF2B5EF4-FFF2-40B4-BE49-F238E27FC236}">
+                <a16:creationId xmlns:a16="http://schemas.microsoft.com/office/drawing/2014/main" id="{16F50367-CCF8-43B5-9C4E-F40739DC5231}"/>
+              </a:ext>
+            </a:extLst>
+          </p:cNvPr>
+          <p:cNvSpPr>
+            <a:spLocks noGrp="1"/>
+          </p:cNvSpPr>
+          <p:nvPr>
+            <p:ph sz="quarter" idx="13"/>
           </p:nvPr>
         </p:nvSpPr>
         <p:spPr/>
@@ -8603,45 +6301,91 @@
           <a:bodyPr/>
           <a:lstStyle/>
           <a:p>
-            <a:r>
-              <a:rPr lang="en-US" dirty="0"/>
-              <a:t>Lastly</a:t>
-            </a:r>
-          </a:p>
-        </p:txBody>
-      </p:sp>
-      <p:sp>
-        <p:nvSpPr>
-          <p:cNvPr id="3" name="Content Placeholder 2"/>
-          <p:cNvSpPr>
-            <a:spLocks noGrp="1"/>
-          </p:cNvSpPr>
-          <p:nvPr>
-            <p:ph sz="quarter" idx="13"/>
-          </p:nvPr>
-        </p:nvSpPr>
-        <p:spPr/>
-        <p:txBody>
-          <a:bodyPr/>
-          <a:lstStyle/>
-          <a:p>
-            <a:r>
-              <a:rPr lang="en-US" dirty="0"/>
-              <a:t>Please leave the boilerplate slide at the end of the presentation, and leave it on-screen as you end.</a:t>
-            </a:r>
-          </a:p>
-          <a:p>
-            <a:r>
-              <a:rPr lang="en-US" dirty="0"/>
-              <a:t>During your “Final Q&amp;A” is a good time to bring that slide up.</a:t>
-            </a:r>
+            <a:pPr marL="0" indent="0">
+              <a:buNone/>
+            </a:pPr>
+            <a:endParaRPr lang="en-US" dirty="0"/>
           </a:p>
         </p:txBody>
       </p:sp>
     </p:spTree>
     <p:extLst>
       <p:ext uri="{BB962C8B-B14F-4D97-AF65-F5344CB8AC3E}">
-        <p14:creationId xmlns:p14="http://schemas.microsoft.com/office/powerpoint/2010/main" val="1297997306"/>
+        <p14:creationId xmlns:p14="http://schemas.microsoft.com/office/powerpoint/2010/main" val="3973683924"/>
+      </p:ext>
+    </p:extLst>
+  </p:cSld>
+  <p:clrMapOvr>
+    <a:masterClrMapping/>
+  </p:clrMapOvr>
+</p:sld>
+</file>
+
+<file path=ppt/slides/slide7.xml><?xml version="1.0" encoding="utf-8"?>
+<p:sld xmlns:a="http://schemas.openxmlformats.org/drawingml/2006/main" xmlns:r="http://schemas.openxmlformats.org/officeDocument/2006/relationships" xmlns:p="http://schemas.openxmlformats.org/presentationml/2006/main">
+  <p:cSld>
+    <p:spTree>
+      <p:nvGrpSpPr>
+        <p:cNvPr id="1" name=""/>
+        <p:cNvGrpSpPr/>
+        <p:nvPr/>
+      </p:nvGrpSpPr>
+      <p:grpSpPr>
+        <a:xfrm>
+          <a:off x="0" y="0"/>
+          <a:ext cx="0" cy="0"/>
+          <a:chOff x="0" y="0"/>
+          <a:chExt cx="0" cy="0"/>
+        </a:xfrm>
+      </p:grpSpPr>
+      <p:sp>
+        <p:nvSpPr>
+          <p:cNvPr id="5" name="Title 4"/>
+          <p:cNvSpPr>
+            <a:spLocks noGrp="1"/>
+          </p:cNvSpPr>
+          <p:nvPr>
+            <p:ph type="title"/>
+          </p:nvPr>
+        </p:nvSpPr>
+        <p:spPr/>
+        <p:txBody>
+          <a:bodyPr/>
+          <a:lstStyle/>
+          <a:p>
+            <a:r>
+              <a:rPr lang="en-US" dirty="0"/>
+              <a:t>Release Pipeline</a:t>
+            </a:r>
+          </a:p>
+        </p:txBody>
+      </p:sp>
+      <p:sp>
+        <p:nvSpPr>
+          <p:cNvPr id="6" name="Text Placeholder 5"/>
+          <p:cNvSpPr>
+            <a:spLocks noGrp="1"/>
+          </p:cNvSpPr>
+          <p:nvPr>
+            <p:ph type="body" idx="1"/>
+          </p:nvPr>
+        </p:nvSpPr>
+        <p:spPr/>
+        <p:txBody>
+          <a:bodyPr/>
+          <a:lstStyle/>
+          <a:p>
+            <a:r>
+              <a:rPr lang="en-US" dirty="0"/>
+              <a:t>Build…Test…Deploy</a:t>
+            </a:r>
+          </a:p>
+        </p:txBody>
+      </p:sp>
+    </p:spTree>
+    <p:extLst>
+      <p:ext uri="{BB962C8B-B14F-4D97-AF65-F5344CB8AC3E}">
+        <p14:creationId xmlns:p14="http://schemas.microsoft.com/office/powerpoint/2010/main" val="793227249"/>
       </p:ext>
     </p:extLst>
   </p:cSld>
@@ -8670,56 +6414,135 @@
       </p:grpSpPr>
       <p:sp>
         <p:nvSpPr>
-          <p:cNvPr id="4" name="Title 3"/>
-          <p:cNvSpPr>
-            <a:spLocks noGrp="1"/>
-          </p:cNvSpPr>
-          <p:nvPr>
-            <p:ph type="ctrTitle"/>
-          </p:nvPr>
-        </p:nvSpPr>
-        <p:spPr>
-          <a:xfrm>
-            <a:off x="1524000" y="2140226"/>
-            <a:ext cx="9144000" cy="2387600"/>
-          </a:xfrm>
-        </p:spPr>
+          <p:cNvPr id="2" name="Title 1"/>
+          <p:cNvSpPr>
+            <a:spLocks noGrp="1"/>
+          </p:cNvSpPr>
+          <p:nvPr>
+            <p:ph type="title"/>
+          </p:nvPr>
+        </p:nvSpPr>
+        <p:spPr/>
+        <p:txBody>
+          <a:bodyPr/>
+          <a:lstStyle/>
+          <a:p>
+            <a:r>
+              <a:rPr lang="en-US" dirty="0"/>
+              <a:t>Release Pipeline	</a:t>
+            </a:r>
+          </a:p>
+        </p:txBody>
+      </p:sp>
+      <p:sp>
+        <p:nvSpPr>
+          <p:cNvPr id="3" name="Content Placeholder 2"/>
+          <p:cNvSpPr>
+            <a:spLocks noGrp="1"/>
+          </p:cNvSpPr>
+          <p:nvPr>
+            <p:ph idx="1"/>
+          </p:nvPr>
+        </p:nvSpPr>
+        <p:spPr/>
         <p:txBody>
           <a:bodyPr>
-            <a:normAutofit fontScale="90000"/>
+            <a:normAutofit/>
           </a:bodyPr>
           <a:lstStyle/>
           <a:p>
+            <a:pPr>
+              <a:lnSpc>
+                <a:spcPct val="100000"/>
+              </a:lnSpc>
+            </a:pPr>
             <a:r>
               <a:rPr lang="en-US" dirty="0"/>
-              <a:t>Building cmdlets for REST API with PowerShell classes, Azure-based integration tests and continuous deployment</a:t>
-            </a:r>
-          </a:p>
-        </p:txBody>
-      </p:sp>
-      <p:sp>
-        <p:nvSpPr>
-          <p:cNvPr id="5" name="Subtitle 4"/>
-          <p:cNvSpPr>
-            <a:spLocks noGrp="1"/>
-          </p:cNvSpPr>
-          <p:nvPr>
-            <p:ph type="subTitle" idx="1"/>
-          </p:nvPr>
-        </p:nvSpPr>
-        <p:spPr>
-          <a:xfrm>
-            <a:off x="1524000" y="4717774"/>
-            <a:ext cx="9144000" cy="1655762"/>
-          </a:xfrm>
-        </p:spPr>
-        <p:txBody>
-          <a:bodyPr/>
-          <a:lstStyle/>
-          <a:p>
+              <a:t>Build</a:t>
+            </a:r>
+          </a:p>
+          <a:p>
+            <a:pPr lvl="1">
+              <a:lnSpc>
+                <a:spcPct val="100000"/>
+              </a:lnSpc>
+            </a:pPr>
             <a:r>
               <a:rPr lang="en-US" dirty="0"/>
-              <a:t>Jeremy Murrah</a:t>
+              <a:t>create directory structure</a:t>
+            </a:r>
+          </a:p>
+          <a:p>
+            <a:pPr lvl="1">
+              <a:lnSpc>
+                <a:spcPct val="100000"/>
+              </a:lnSpc>
+            </a:pPr>
+            <a:r>
+              <a:rPr lang="en-US" dirty="0"/>
+              <a:t>combine script files into psm1</a:t>
+            </a:r>
+          </a:p>
+          <a:p>
+            <a:pPr lvl="1">
+              <a:lnSpc>
+                <a:spcPct val="100000"/>
+              </a:lnSpc>
+            </a:pPr>
+            <a:r>
+              <a:rPr lang="en-US" dirty="0"/>
+              <a:t>set module manifest</a:t>
+            </a:r>
+          </a:p>
+          <a:p>
+            <a:pPr lvl="1">
+              <a:lnSpc>
+                <a:spcPct val="100000"/>
+              </a:lnSpc>
+            </a:pPr>
+            <a:r>
+              <a:rPr lang="en-US" dirty="0"/>
+              <a:t>compile help files with </a:t>
+            </a:r>
+            <a:r>
+              <a:rPr lang="en-US" dirty="0" err="1"/>
+              <a:t>platyPS</a:t>
+            </a:r>
+            <a:endParaRPr lang="en-US" dirty="0"/>
+          </a:p>
+          <a:p>
+            <a:pPr>
+              <a:lnSpc>
+                <a:spcPct val="200000"/>
+              </a:lnSpc>
+            </a:pPr>
+            <a:r>
+              <a:rPr lang="en-US" dirty="0"/>
+              <a:t>Test – unit test by mocking Invoke-</a:t>
+            </a:r>
+            <a:r>
+              <a:rPr lang="en-US" dirty="0" err="1"/>
+              <a:t>RestMethod</a:t>
+            </a:r>
+            <a:endParaRPr lang="en-US" dirty="0"/>
+          </a:p>
+          <a:p>
+            <a:pPr>
+              <a:lnSpc>
+                <a:spcPct val="200000"/>
+              </a:lnSpc>
+            </a:pPr>
+            <a:r>
+              <a:rPr lang="en-US" dirty="0"/>
+              <a:t>Deploy – publish module to the </a:t>
+            </a:r>
+            <a:r>
+              <a:rPr lang="en-US" dirty="0" err="1"/>
+              <a:t>Powershell</a:t>
+            </a:r>
+            <a:r>
+              <a:rPr lang="en-US" dirty="0"/>
+              <a:t> Gallery</a:t>
             </a:r>
           </a:p>
         </p:txBody>
@@ -8727,13 +6550,317 @@
     </p:spTree>
     <p:extLst>
       <p:ext uri="{BB962C8B-B14F-4D97-AF65-F5344CB8AC3E}">
-        <p14:creationId xmlns:p14="http://schemas.microsoft.com/office/powerpoint/2010/main" val="595910384"/>
+        <p14:creationId xmlns:p14="http://schemas.microsoft.com/office/powerpoint/2010/main" val="704832245"/>
       </p:ext>
     </p:extLst>
   </p:cSld>
   <p:clrMapOvr>
     <a:masterClrMapping/>
   </p:clrMapOvr>
+  <p:timing>
+    <p:tnLst>
+      <p:par>
+        <p:cTn id="1" dur="indefinite" restart="never" nodeType="tmRoot">
+          <p:childTnLst>
+            <p:seq concurrent="1" nextAc="seek">
+              <p:cTn id="2" dur="indefinite" nodeType="mainSeq">
+                <p:childTnLst>
+                  <p:par>
+                    <p:cTn id="3" fill="hold">
+                      <p:stCondLst>
+                        <p:cond delay="indefinite"/>
+                        <p:cond evt="onBegin" delay="0">
+                          <p:tn val="2"/>
+                        </p:cond>
+                      </p:stCondLst>
+                      <p:childTnLst>
+                        <p:par>
+                          <p:cTn id="4" fill="hold">
+                            <p:stCondLst>
+                              <p:cond delay="0"/>
+                            </p:stCondLst>
+                            <p:childTnLst>
+                              <p:par>
+                                <p:cTn id="5" presetID="1" presetClass="entr" presetSubtype="0" fill="hold" nodeType="withEffect">
+                                  <p:stCondLst>
+                                    <p:cond delay="0"/>
+                                  </p:stCondLst>
+                                  <p:childTnLst>
+                                    <p:set>
+                                      <p:cBhvr>
+                                        <p:cTn id="6" dur="1" fill="hold">
+                                          <p:stCondLst>
+                                            <p:cond delay="0"/>
+                                          </p:stCondLst>
+                                        </p:cTn>
+                                        <p:tgtEl>
+                                          <p:spTgt spid="3">
+                                            <p:txEl>
+                                              <p:pRg st="0" end="0"/>
+                                            </p:txEl>
+                                          </p:spTgt>
+                                        </p:tgtEl>
+                                        <p:attrNameLst>
+                                          <p:attrName>style.visibility</p:attrName>
+                                        </p:attrNameLst>
+                                      </p:cBhvr>
+                                      <p:to>
+                                        <p:strVal val="visible"/>
+                                      </p:to>
+                                    </p:set>
+                                  </p:childTnLst>
+                                </p:cTn>
+                              </p:par>
+                              <p:par>
+                                <p:cTn id="7" presetID="1" presetClass="entr" presetSubtype="0" fill="hold" nodeType="withEffect">
+                                  <p:stCondLst>
+                                    <p:cond delay="0"/>
+                                  </p:stCondLst>
+                                  <p:childTnLst>
+                                    <p:set>
+                                      <p:cBhvr>
+                                        <p:cTn id="8" dur="1" fill="hold">
+                                          <p:stCondLst>
+                                            <p:cond delay="0"/>
+                                          </p:stCondLst>
+                                        </p:cTn>
+                                        <p:tgtEl>
+                                          <p:spTgt spid="3">
+                                            <p:txEl>
+                                              <p:pRg st="1" end="1"/>
+                                            </p:txEl>
+                                          </p:spTgt>
+                                        </p:tgtEl>
+                                        <p:attrNameLst>
+                                          <p:attrName>style.visibility</p:attrName>
+                                        </p:attrNameLst>
+                                      </p:cBhvr>
+                                      <p:to>
+                                        <p:strVal val="visible"/>
+                                      </p:to>
+                                    </p:set>
+                                  </p:childTnLst>
+                                </p:cTn>
+                              </p:par>
+                              <p:par>
+                                <p:cTn id="9" presetID="1" presetClass="entr" presetSubtype="0" fill="hold" nodeType="withEffect">
+                                  <p:stCondLst>
+                                    <p:cond delay="0"/>
+                                  </p:stCondLst>
+                                  <p:childTnLst>
+                                    <p:set>
+                                      <p:cBhvr>
+                                        <p:cTn id="10" dur="1" fill="hold">
+                                          <p:stCondLst>
+                                            <p:cond delay="0"/>
+                                          </p:stCondLst>
+                                        </p:cTn>
+                                        <p:tgtEl>
+                                          <p:spTgt spid="3">
+                                            <p:txEl>
+                                              <p:pRg st="2" end="2"/>
+                                            </p:txEl>
+                                          </p:spTgt>
+                                        </p:tgtEl>
+                                        <p:attrNameLst>
+                                          <p:attrName>style.visibility</p:attrName>
+                                        </p:attrNameLst>
+                                      </p:cBhvr>
+                                      <p:to>
+                                        <p:strVal val="visible"/>
+                                      </p:to>
+                                    </p:set>
+                                  </p:childTnLst>
+                                </p:cTn>
+                              </p:par>
+                              <p:par>
+                                <p:cTn id="11" presetID="1" presetClass="entr" presetSubtype="0" fill="hold" nodeType="withEffect">
+                                  <p:stCondLst>
+                                    <p:cond delay="0"/>
+                                  </p:stCondLst>
+                                  <p:childTnLst>
+                                    <p:set>
+                                      <p:cBhvr>
+                                        <p:cTn id="12" dur="1" fill="hold">
+                                          <p:stCondLst>
+                                            <p:cond delay="0"/>
+                                          </p:stCondLst>
+                                        </p:cTn>
+                                        <p:tgtEl>
+                                          <p:spTgt spid="3">
+                                            <p:txEl>
+                                              <p:pRg st="3" end="3"/>
+                                            </p:txEl>
+                                          </p:spTgt>
+                                        </p:tgtEl>
+                                        <p:attrNameLst>
+                                          <p:attrName>style.visibility</p:attrName>
+                                        </p:attrNameLst>
+                                      </p:cBhvr>
+                                      <p:to>
+                                        <p:strVal val="visible"/>
+                                      </p:to>
+                                    </p:set>
+                                  </p:childTnLst>
+                                </p:cTn>
+                              </p:par>
+                              <p:par>
+                                <p:cTn id="13" presetID="1" presetClass="entr" presetSubtype="0" fill="hold" nodeType="withEffect">
+                                  <p:stCondLst>
+                                    <p:cond delay="0"/>
+                                  </p:stCondLst>
+                                  <p:childTnLst>
+                                    <p:set>
+                                      <p:cBhvr>
+                                        <p:cTn id="14" dur="1" fill="hold">
+                                          <p:stCondLst>
+                                            <p:cond delay="0"/>
+                                          </p:stCondLst>
+                                        </p:cTn>
+                                        <p:tgtEl>
+                                          <p:spTgt spid="3">
+                                            <p:txEl>
+                                              <p:pRg st="4" end="4"/>
+                                            </p:txEl>
+                                          </p:spTgt>
+                                        </p:tgtEl>
+                                        <p:attrNameLst>
+                                          <p:attrName>style.visibility</p:attrName>
+                                        </p:attrNameLst>
+                                      </p:cBhvr>
+                                      <p:to>
+                                        <p:strVal val="visible"/>
+                                      </p:to>
+                                    </p:set>
+                                  </p:childTnLst>
+                                </p:cTn>
+                              </p:par>
+                            </p:childTnLst>
+                          </p:cTn>
+                        </p:par>
+                      </p:childTnLst>
+                    </p:cTn>
+                  </p:par>
+                  <p:par>
+                    <p:cTn id="15" fill="hold">
+                      <p:stCondLst>
+                        <p:cond delay="indefinite"/>
+                      </p:stCondLst>
+                      <p:childTnLst>
+                        <p:par>
+                          <p:cTn id="16" fill="hold">
+                            <p:stCondLst>
+                              <p:cond delay="0"/>
+                            </p:stCondLst>
+                            <p:childTnLst>
+                              <p:par>
+                                <p:cTn id="17" presetID="1" presetClass="entr" presetSubtype="0" fill="hold" nodeType="clickEffect">
+                                  <p:stCondLst>
+                                    <p:cond delay="0"/>
+                                  </p:stCondLst>
+                                  <p:childTnLst>
+                                    <p:set>
+                                      <p:cBhvr>
+                                        <p:cTn id="18" dur="1" fill="hold">
+                                          <p:stCondLst>
+                                            <p:cond delay="0"/>
+                                          </p:stCondLst>
+                                        </p:cTn>
+                                        <p:tgtEl>
+                                          <p:spTgt spid="3">
+                                            <p:txEl>
+                                              <p:pRg st="6" end="6"/>
+                                            </p:txEl>
+                                          </p:spTgt>
+                                        </p:tgtEl>
+                                        <p:attrNameLst>
+                                          <p:attrName>style.visibility</p:attrName>
+                                        </p:attrNameLst>
+                                      </p:cBhvr>
+                                      <p:to>
+                                        <p:strVal val="visible"/>
+                                      </p:to>
+                                    </p:set>
+                                  </p:childTnLst>
+                                </p:cTn>
+                              </p:par>
+                            </p:childTnLst>
+                          </p:cTn>
+                        </p:par>
+                      </p:childTnLst>
+                    </p:cTn>
+                  </p:par>
+                  <p:par>
+                    <p:cTn id="19" fill="hold">
+                      <p:stCondLst>
+                        <p:cond delay="indefinite"/>
+                      </p:stCondLst>
+                      <p:childTnLst>
+                        <p:par>
+                          <p:cTn id="20" fill="hold">
+                            <p:stCondLst>
+                              <p:cond delay="0"/>
+                            </p:stCondLst>
+                            <p:childTnLst>
+                              <p:par>
+                                <p:cTn id="21" presetID="1" presetClass="entr" presetSubtype="0" fill="hold" nodeType="clickEffect">
+                                  <p:stCondLst>
+                                    <p:cond delay="0"/>
+                                  </p:stCondLst>
+                                  <p:childTnLst>
+                                    <p:set>
+                                      <p:cBhvr>
+                                        <p:cTn id="22" dur="1" fill="hold">
+                                          <p:stCondLst>
+                                            <p:cond delay="0"/>
+                                          </p:stCondLst>
+                                        </p:cTn>
+                                        <p:tgtEl>
+                                          <p:spTgt spid="3">
+                                            <p:txEl>
+                                              <p:pRg st="5" end="5"/>
+                                            </p:txEl>
+                                          </p:spTgt>
+                                        </p:tgtEl>
+                                        <p:attrNameLst>
+                                          <p:attrName>style.visibility</p:attrName>
+                                        </p:attrNameLst>
+                                      </p:cBhvr>
+                                      <p:to>
+                                        <p:strVal val="visible"/>
+                                      </p:to>
+                                    </p:set>
+                                  </p:childTnLst>
+                                </p:cTn>
+                              </p:par>
+                            </p:childTnLst>
+                          </p:cTn>
+                        </p:par>
+                      </p:childTnLst>
+                    </p:cTn>
+                  </p:par>
+                </p:childTnLst>
+              </p:cTn>
+              <p:prevCondLst>
+                <p:cond evt="onPrev" delay="0">
+                  <p:tgtEl>
+                    <p:sldTgt/>
+                  </p:tgtEl>
+                </p:cond>
+              </p:prevCondLst>
+              <p:nextCondLst>
+                <p:cond evt="onNext" delay="0">
+                  <p:tgtEl>
+                    <p:sldTgt/>
+                  </p:tgtEl>
+                </p:cond>
+              </p:nextCondLst>
+            </p:seq>
+          </p:childTnLst>
+        </p:cTn>
+      </p:par>
+    </p:tnLst>
+  </p:timing>
 </p:sld>
 </file>
 
@@ -8756,7 +6883,7 @@
       </p:grpSpPr>
       <p:sp>
         <p:nvSpPr>
-          <p:cNvPr id="4" name="Title 3"/>
+          <p:cNvPr id="3" name="Title 2"/>
           <p:cNvSpPr>
             <a:spLocks noGrp="1"/>
           </p:cNvSpPr>
@@ -8771,155 +6898,44 @@
           <a:p>
             <a:r>
               <a:rPr lang="en-US" dirty="0"/>
-              <a:t>REST API                           CLASSES</a:t>
-            </a:r>
-          </a:p>
-        </p:txBody>
-      </p:sp>
-      <p:sp>
-        <p:nvSpPr>
+              <a:t>To The Cloud!</a:t>
+            </a:r>
+          </a:p>
+        </p:txBody>
+      </p:sp>
+      <p:pic>
+        <p:nvPicPr>
           <p:cNvPr id="5" name="Content Placeholder 4"/>
-          <p:cNvSpPr>
-            <a:spLocks noGrp="1"/>
-          </p:cNvSpPr>
-          <p:nvPr>
-            <p:ph sz="half" idx="1"/>
-          </p:nvPr>
-        </p:nvSpPr>
-        <p:spPr/>
-        <p:txBody>
-          <a:bodyPr/>
-          <a:lstStyle/>
-          <a:p>
-            <a:r>
-              <a:rPr lang="en-US" dirty="0"/>
-              <a:t>https://website/api/objecttype</a:t>
-            </a:r>
-          </a:p>
-          <a:p>
-            <a:pPr lvl="1"/>
-            <a:r>
-              <a:rPr lang="en-US" dirty="0"/>
-              <a:t>PUT	update</a:t>
-            </a:r>
-          </a:p>
-          <a:p>
-            <a:pPr lvl="1"/>
-            <a:r>
-              <a:rPr lang="en-US" dirty="0"/>
-              <a:t>GET	read</a:t>
-            </a:r>
-          </a:p>
-          <a:p>
-            <a:pPr lvl="1"/>
-            <a:r>
-              <a:rPr lang="en-US" dirty="0"/>
-              <a:t>POST	create</a:t>
-            </a:r>
-          </a:p>
-          <a:p>
-            <a:pPr lvl="1"/>
-            <a:r>
-              <a:rPr lang="en-US" dirty="0"/>
-              <a:t>DELETE	delete</a:t>
-            </a:r>
-          </a:p>
-        </p:txBody>
-      </p:sp>
-      <p:sp>
-        <p:nvSpPr>
-          <p:cNvPr id="6" name="Content Placeholder 5"/>
-          <p:cNvSpPr>
-            <a:spLocks noGrp="1"/>
-          </p:cNvSpPr>
-          <p:nvPr>
-            <p:ph sz="half" idx="2"/>
-          </p:nvPr>
-        </p:nvSpPr>
-        <p:spPr/>
-        <p:txBody>
-          <a:bodyPr/>
-          <a:lstStyle/>
-          <a:p>
-            <a:r>
-              <a:rPr lang="en-US" dirty="0"/>
-              <a:t>Class </a:t>
-            </a:r>
-            <a:r>
-              <a:rPr lang="en-US" dirty="0" err="1"/>
-              <a:t>objecttype</a:t>
-            </a:r>
-            <a:r>
-              <a:rPr lang="en-US" dirty="0"/>
-              <a:t>{</a:t>
-            </a:r>
-          </a:p>
-          <a:p>
-            <a:pPr lvl="1"/>
-            <a:r>
-              <a:rPr lang="en-US" dirty="0"/>
-              <a:t>Static </a:t>
-            </a:r>
-            <a:r>
-              <a:rPr lang="en-US" dirty="0" err="1"/>
-              <a:t>objecttype</a:t>
-            </a:r>
-            <a:r>
-              <a:rPr lang="en-US" dirty="0"/>
-              <a:t> create {}</a:t>
-            </a:r>
-          </a:p>
-          <a:p>
-            <a:pPr lvl="1"/>
-            <a:r>
-              <a:rPr lang="en-US" dirty="0"/>
-              <a:t>           </a:t>
-            </a:r>
-            <a:r>
-              <a:rPr lang="en-US" dirty="0" err="1"/>
-              <a:t>objecttype</a:t>
-            </a:r>
-            <a:r>
-              <a:rPr lang="en-US" dirty="0"/>
-              <a:t> update {}</a:t>
-            </a:r>
-          </a:p>
-          <a:p>
-            <a:pPr lvl="1"/>
-            <a:r>
-              <a:rPr lang="en-US" dirty="0"/>
-              <a:t>Static </a:t>
-            </a:r>
-            <a:r>
-              <a:rPr lang="en-US" dirty="0" err="1"/>
-              <a:t>objecttype</a:t>
-            </a:r>
-            <a:r>
-              <a:rPr lang="en-US" dirty="0"/>
-              <a:t> get {}</a:t>
-            </a:r>
-          </a:p>
-          <a:p>
-            <a:pPr lvl="1"/>
-            <a:r>
-              <a:rPr lang="en-US" dirty="0"/>
-              <a:t>           </a:t>
-            </a:r>
-            <a:r>
-              <a:rPr lang="en-US" dirty="0" err="1"/>
-              <a:t>objecttype</a:t>
-            </a:r>
-            <a:r>
-              <a:rPr lang="en-US" dirty="0"/>
-              <a:t> delete {}</a:t>
-            </a:r>
-          </a:p>
-        </p:txBody>
-      </p:sp>
+          <p:cNvPicPr>
+            <a:picLocks noGrp="1" noChangeAspect="1"/>
+          </p:cNvPicPr>
+          <p:nvPr>
+            <p:ph idx="1"/>
+          </p:nvPr>
+        </p:nvPicPr>
+        <p:blipFill>
+          <a:blip r:embed="rId3">
+            <a:extLst>
+              <a:ext uri="{28A0092B-C50C-407E-A947-70E740481C1C}">
+                <a14:useLocalDpi xmlns:a14="http://schemas.microsoft.com/office/drawing/2010/main" val="0"/>
+              </a:ext>
+            </a:extLst>
+          </a:blip>
+          <a:stretch>
+            <a:fillRect/>
+          </a:stretch>
+        </p:blipFill>
+        <p:spPr>
+          <a:xfrm>
+            <a:off x="5259753" y="854440"/>
+            <a:ext cx="4220307" cy="4220307"/>
+          </a:xfrm>
+        </p:spPr>
+      </p:pic>
     </p:spTree>
     <p:extLst>
       <p:ext uri="{BB962C8B-B14F-4D97-AF65-F5344CB8AC3E}">
-        <p14:creationId xmlns:p14="http://schemas.microsoft.com/office/powerpoint/2010/main" val="244589169"/>
+        <p14:creationId xmlns:p14="http://schemas.microsoft.com/office/powerpoint/2010/main" val="2911385361"/>
       </p:ext>
     </p:extLst>
   </p:cSld>

--- a/Presentation.pptx
+++ b/Presentation.pptx
@@ -231,7 +231,7 @@
           <a:p>
             <a:fld id="{D98B8BF6-A8F6-45E4-934F-66193C77F253}" type="datetimeFigureOut">
               <a:rPr lang="en-US" smtClean="0"/>
-              <a:t>3/11/2018</a:t>
+              <a:t>4/4/2018</a:t>
             </a:fld>
             <a:endParaRPr lang="en-US"/>
           </a:p>
@@ -909,7 +909,7 @@
             <a:fld id="{B61BEF0D-F0BB-DE4B-95CE-6DB70DBA9567}" type="datetimeFigureOut">
               <a:rPr lang="en-US" smtClean="0"/>
               <a:pPr/>
-              <a:t>3/11/2018</a:t>
+              <a:t>4/4/2018</a:t>
             </a:fld>
             <a:endParaRPr lang="en-US" dirty="0"/>
           </a:p>
@@ -1489,7 +1489,7 @@
             <a:fld id="{B61BEF0D-F0BB-DE4B-95CE-6DB70DBA9567}" type="datetimeFigureOut">
               <a:rPr lang="en-US" smtClean="0"/>
               <a:pPr/>
-              <a:t>3/11/2018</a:t>
+              <a:t>4/4/2018</a:t>
             </a:fld>
             <a:endParaRPr lang="en-US" dirty="0"/>
           </a:p>
@@ -1731,7 +1731,7 @@
             <a:fld id="{B61BEF0D-F0BB-DE4B-95CE-6DB70DBA9567}" type="datetimeFigureOut">
               <a:rPr lang="en-US" smtClean="0"/>
               <a:pPr/>
-              <a:t>3/11/2018</a:t>
+              <a:t>4/4/2018</a:t>
             </a:fld>
             <a:endParaRPr lang="en-US" dirty="0"/>
           </a:p>
@@ -1987,7 +1987,7 @@
             <a:fld id="{B61BEF0D-F0BB-DE4B-95CE-6DB70DBA9567}" type="datetimeFigureOut">
               <a:rPr lang="en-US" smtClean="0"/>
               <a:pPr/>
-              <a:t>3/11/2018</a:t>
+              <a:t>4/4/2018</a:t>
             </a:fld>
             <a:endParaRPr lang="en-US" dirty="0"/>
           </a:p>
@@ -2348,7 +2348,7 @@
             <a:fld id="{B61BEF0D-F0BB-DE4B-95CE-6DB70DBA9567}" type="datetimeFigureOut">
               <a:rPr lang="en-US" smtClean="0"/>
               <a:pPr/>
-              <a:t>3/11/2018</a:t>
+              <a:t>4/4/2018</a:t>
             </a:fld>
             <a:endParaRPr lang="en-US" dirty="0"/>
           </a:p>
@@ -2462,7 +2462,7 @@
             <a:fld id="{B61BEF0D-F0BB-DE4B-95CE-6DB70DBA9567}" type="datetimeFigureOut">
               <a:rPr lang="en-US" smtClean="0"/>
               <a:pPr/>
-              <a:t>3/11/2018</a:t>
+              <a:t>4/4/2018</a:t>
             </a:fld>
             <a:endParaRPr lang="en-US" dirty="0"/>
           </a:p>
@@ -2554,7 +2554,7 @@
             <a:fld id="{B61BEF0D-F0BB-DE4B-95CE-6DB70DBA9567}" type="datetimeFigureOut">
               <a:rPr lang="en-US" smtClean="0"/>
               <a:pPr/>
-              <a:t>3/11/2018</a:t>
+              <a:t>4/4/2018</a:t>
             </a:fld>
             <a:endParaRPr lang="en-US" dirty="0"/>
           </a:p>
@@ -2826,7 +2826,7 @@
             <a:fld id="{B61BEF0D-F0BB-DE4B-95CE-6DB70DBA9567}" type="datetimeFigureOut">
               <a:rPr lang="en-US" smtClean="0"/>
               <a:pPr/>
-              <a:t>3/11/2018</a:t>
+              <a:t>4/4/2018</a:t>
             </a:fld>
             <a:endParaRPr lang="en-US" dirty="0"/>
           </a:p>
@@ -3075,7 +3075,7 @@
             <a:fld id="{B61BEF0D-F0BB-DE4B-95CE-6DB70DBA9567}" type="datetimeFigureOut">
               <a:rPr lang="en-US" smtClean="0"/>
               <a:pPr/>
-              <a:t>3/11/2018</a:t>
+              <a:t>4/4/2018</a:t>
             </a:fld>
             <a:endParaRPr lang="en-US" dirty="0"/>
           </a:p>
@@ -3286,7 +3286,7 @@
             <a:fld id="{B61BEF0D-F0BB-DE4B-95CE-6DB70DBA9567}" type="datetimeFigureOut">
               <a:rPr lang="en-US" smtClean="0"/>
               <a:pPr/>
-              <a:t>3/11/2018</a:t>
+              <a:t>4/4/2018</a:t>
             </a:fld>
             <a:endParaRPr lang="en-US" dirty="0"/>
           </a:p>
@@ -3790,6 +3790,13 @@
   <p:clrMapOvr>
     <a:masterClrMapping/>
   </p:clrMapOvr>
+  <p:timing>
+    <p:tnLst>
+      <p:par>
+        <p:cTn id="1" dur="indefinite" restart="never" nodeType="tmRoot"/>
+      </p:par>
+    </p:tnLst>
+  </p:timing>
 </p:sld>
 </file>
 
@@ -5069,10 +5076,36 @@
           <a:lstStyle/>
           <a:p>
             <a:r>
+              <a:rPr lang="en-US" sz="2000" dirty="0" smtClean="0">
+                <a:hlinkClick r:id="rId2"/>
+              </a:rPr>
+              <a:t>https</a:t>
+            </a:r>
+            <a:r>
               <a:rPr lang="en-US" sz="2000" dirty="0">
                 <a:hlinkClick r:id="rId2"/>
               </a:rPr>
-              <a:t>https://github.com/murrahjm/Infoblox-Classy</a:t>
+              <a:t>://</a:t>
+            </a:r>
+            <a:r>
+              <a:rPr lang="en-US" sz="2000" dirty="0" smtClean="0">
+                <a:hlinkClick r:id="rId2"/>
+              </a:rPr>
+              <a:t>github.com/murrahjm/PSSummit2018</a:t>
+            </a:r>
+          </a:p>
+          <a:p>
+            <a:r>
+              <a:rPr lang="en-US" sz="2000" dirty="0" smtClean="0">
+                <a:hlinkClick r:id="rId2"/>
+              </a:rPr>
+              <a:t>https</a:t>
+            </a:r>
+            <a:r>
+              <a:rPr lang="en-US" sz="2000" dirty="0">
+                <a:hlinkClick r:id="rId2"/>
+              </a:rPr>
+              <a:t>://github.com/murrahjm/Infoblox-Classy</a:t>
             </a:r>
             <a:endParaRPr lang="en-US" sz="2000" dirty="0"/>
           </a:p>
@@ -5086,19 +5119,55 @@
             <a:endParaRPr lang="en-US" sz="2000" dirty="0"/>
           </a:p>
           <a:p>
-            <a:r>
-              <a:rPr lang="en-US" sz="1800" dirty="0">
-                <a:hlinkClick r:id="rId4"/>
-              </a:rPr>
-              <a:t>https://docs.microsoft.com/en-us/powershell/wmf/5.0/class_newtype</a:t>
-            </a:r>
-            <a:endParaRPr lang="en-US" sz="1800" dirty="0"/>
-          </a:p>
-          <a:p>
-            <a:endParaRPr lang="en-US" sz="2000" dirty="0"/>
-          </a:p>
-        </p:txBody>
-      </p:sp>
+            <a:endParaRPr lang="en-US" sz="2000" dirty="0" smtClean="0"/>
+          </a:p>
+        </p:txBody>
+      </p:sp>
+      <p:pic>
+        <p:nvPicPr>
+          <p:cNvPr id="4" name="Picture 3"/>
+          <p:cNvPicPr>
+            <a:picLocks noChangeAspect="1"/>
+          </p:cNvPicPr>
+          <p:nvPr/>
+        </p:nvPicPr>
+        <p:blipFill rotWithShape="1">
+          <a:blip r:embed="rId4">
+            <a:extLst>
+              <a:ext uri="{28A0092B-C50C-407E-A947-70E740481C1C}">
+                <a14:useLocalDpi xmlns:a14="http://schemas.microsoft.com/office/drawing/2010/main" val="0"/>
+              </a:ext>
+            </a:extLst>
+          </a:blip>
+          <a:srcRect l="3782" t="21808" b="23616"/>
+          <a:stretch/>
+        </p:blipFill>
+        <p:spPr>
+          <a:xfrm>
+            <a:off x="3037667" y="3921071"/>
+            <a:ext cx="6762474" cy="2798428"/>
+          </a:xfrm>
+          <a:prstGeom prst="round2DiagRect">
+            <a:avLst>
+              <a:gd name="adj1" fmla="val 16667"/>
+              <a:gd name="adj2" fmla="val 0"/>
+            </a:avLst>
+          </a:prstGeom>
+          <a:ln w="88900" cap="sq">
+            <a:solidFill>
+              <a:srgbClr val="FFFFFF"/>
+            </a:solidFill>
+            <a:miter lim="800000"/>
+          </a:ln>
+          <a:effectLst>
+            <a:outerShdw blurRad="254000" algn="tl" rotWithShape="0">
+              <a:srgbClr val="000000">
+                <a:alpha val="43000"/>
+              </a:srgbClr>
+            </a:outerShdw>
+          </a:effectLst>
+        </p:spPr>
+      </p:pic>
     </p:spTree>
     <p:extLst>
       <p:ext uri="{BB962C8B-B14F-4D97-AF65-F5344CB8AC3E}">
@@ -5109,6 +5178,13 @@
   <p:clrMapOvr>
     <a:masterClrMapping/>
   </p:clrMapOvr>
+  <p:timing>
+    <p:tnLst>
+      <p:par>
+        <p:cTn id="1" dur="indefinite" restart="never" nodeType="tmRoot"/>
+      </p:par>
+    </p:tnLst>
+  </p:timing>
 </p:sld>
 </file>
 
@@ -5139,6 +5215,13 @@
   <p:clrMapOvr>
     <a:masterClrMapping/>
   </p:clrMapOvr>
+  <p:timing>
+    <p:tnLst>
+      <p:par>
+        <p:cTn id="1" dur="indefinite" restart="never" nodeType="tmRoot"/>
+      </p:par>
+    </p:tnLst>
+  </p:timing>
 </p:sld>
 </file>
 
@@ -5331,6 +5414,13 @@
   <p:clrMapOvr>
     <a:masterClrMapping/>
   </p:clrMapOvr>
+  <p:timing>
+    <p:tnLst>
+      <p:par>
+        <p:cTn id="1" dur="indefinite" restart="never" nodeType="tmRoot"/>
+      </p:par>
+    </p:tnLst>
+  </p:timing>
 </p:sld>
 </file>
 
@@ -5432,6 +5522,13 @@
   <p:clrMapOvr>
     <a:masterClrMapping/>
   </p:clrMapOvr>
+  <p:timing>
+    <p:tnLst>
+      <p:par>
+        <p:cTn id="1" dur="indefinite" restart="never" nodeType="tmRoot"/>
+      </p:par>
+    </p:tnLst>
+  </p:timing>
 </p:sld>
 </file>
 
@@ -5840,6 +5937,15 @@
             <a:pPr marL="457200" lvl="1" indent="0">
               <a:buNone/>
             </a:pPr>
+            <a:r>
+              <a:rPr lang="en-US" sz="1400" dirty="0">
+                <a:solidFill>
+                  <a:srgbClr val="333333"/>
+                </a:solidFill>
+                <a:latin typeface="Consolas" panose="020B0609020204030204" pitchFamily="49" charset="0"/>
+              </a:rPr>
+              <a:t/>
+            </a:r>
             <a:br>
               <a:rPr lang="en-US" sz="1400" dirty="0">
                 <a:solidFill>
@@ -6180,6 +6286,13 @@
   <p:clrMapOvr>
     <a:masterClrMapping/>
   </p:clrMapOvr>
+  <p:timing>
+    <p:tnLst>
+      <p:par>
+        <p:cTn id="1" dur="indefinite" restart="never" nodeType="tmRoot"/>
+      </p:par>
+    </p:tnLst>
+  </p:timing>
 </p:sld>
 </file>
 
@@ -6250,6 +6363,51 @@
           </a:p>
         </p:txBody>
       </p:sp>
+      <p:pic>
+        <p:nvPicPr>
+          <p:cNvPr id="4" name="Picture 3"/>
+          <p:cNvPicPr>
+            <a:picLocks noChangeAspect="1"/>
+          </p:cNvPicPr>
+          <p:nvPr/>
+        </p:nvPicPr>
+        <p:blipFill rotWithShape="1">
+          <a:blip r:embed="rId2">
+            <a:extLst>
+              <a:ext uri="{28A0092B-C50C-407E-A947-70E740481C1C}">
+                <a14:useLocalDpi xmlns:a14="http://schemas.microsoft.com/office/drawing/2010/main" val="0"/>
+              </a:ext>
+            </a:extLst>
+          </a:blip>
+          <a:srcRect l="15225" t="15965"/>
+          <a:stretch/>
+        </p:blipFill>
+        <p:spPr>
+          <a:xfrm>
+            <a:off x="6974236" y="1825625"/>
+            <a:ext cx="4379563" cy="3256018"/>
+          </a:xfrm>
+          <a:prstGeom prst="round2DiagRect">
+            <a:avLst>
+              <a:gd name="adj1" fmla="val 16667"/>
+              <a:gd name="adj2" fmla="val 0"/>
+            </a:avLst>
+          </a:prstGeom>
+          <a:ln w="88900" cap="sq">
+            <a:solidFill>
+              <a:srgbClr val="FFFFFF"/>
+            </a:solidFill>
+            <a:miter lim="800000"/>
+          </a:ln>
+          <a:effectLst>
+            <a:outerShdw blurRad="254000" algn="tl" rotWithShape="0">
+              <a:srgbClr val="000000">
+                <a:alpha val="43000"/>
+              </a:srgbClr>
+            </a:outerShdw>
+          </a:effectLst>
+        </p:spPr>
+      </p:pic>
     </p:spTree>
     <p:extLst>
       <p:ext uri="{BB962C8B-B14F-4D97-AF65-F5344CB8AC3E}">
@@ -6260,6 +6418,13 @@
   <p:clrMapOvr>
     <a:masterClrMapping/>
   </p:clrMapOvr>
+  <p:timing>
+    <p:tnLst>
+      <p:par>
+        <p:cTn id="1" dur="indefinite" restart="never" nodeType="tmRoot"/>
+      </p:par>
+    </p:tnLst>
+  </p:timing>
 </p:sld>
 </file>
 
@@ -6318,6 +6483,13 @@
   <p:clrMapOvr>
     <a:masterClrMapping/>
   </p:clrMapOvr>
+  <p:timing>
+    <p:tnLst>
+      <p:par>
+        <p:cTn id="1" dur="indefinite" restart="never" nodeType="tmRoot"/>
+      </p:par>
+    </p:tnLst>
+  </p:timing>
 </p:sld>
 </file>
 
@@ -6382,6 +6554,51 @@
           </a:p>
         </p:txBody>
       </p:sp>
+      <p:pic>
+        <p:nvPicPr>
+          <p:cNvPr id="2" name="Picture 1"/>
+          <p:cNvPicPr>
+            <a:picLocks noChangeAspect="1"/>
+          </p:cNvPicPr>
+          <p:nvPr/>
+        </p:nvPicPr>
+        <p:blipFill rotWithShape="1">
+          <a:blip r:embed="rId2">
+            <a:extLst>
+              <a:ext uri="{28A0092B-C50C-407E-A947-70E740481C1C}">
+                <a14:useLocalDpi xmlns:a14="http://schemas.microsoft.com/office/drawing/2010/main" val="0"/>
+              </a:ext>
+            </a:extLst>
+          </a:blip>
+          <a:srcRect l="450" t="15610" r="-201" b="21219"/>
+          <a:stretch/>
+        </p:blipFill>
+        <p:spPr>
+          <a:xfrm>
+            <a:off x="7439187" y="1709738"/>
+            <a:ext cx="3848020" cy="4014062"/>
+          </a:xfrm>
+          <a:prstGeom prst="round2DiagRect">
+            <a:avLst>
+              <a:gd name="adj1" fmla="val 16667"/>
+              <a:gd name="adj2" fmla="val 0"/>
+            </a:avLst>
+          </a:prstGeom>
+          <a:ln w="88900" cap="sq">
+            <a:solidFill>
+              <a:srgbClr val="FFFFFF"/>
+            </a:solidFill>
+            <a:miter lim="800000"/>
+          </a:ln>
+          <a:effectLst>
+            <a:outerShdw blurRad="254000" algn="tl" rotWithShape="0">
+              <a:srgbClr val="000000">
+                <a:alpha val="43000"/>
+              </a:srgbClr>
+            </a:outerShdw>
+          </a:effectLst>
+        </p:spPr>
+      </p:pic>
     </p:spTree>
     <p:extLst>
       <p:ext uri="{BB962C8B-B14F-4D97-AF65-F5344CB8AC3E}">
@@ -6392,6 +6609,13 @@
   <p:clrMapOvr>
     <a:masterClrMapping/>
   </p:clrMapOvr>
+  <p:timing>
+    <p:tnLst>
+      <p:par>
+        <p:cTn id="1" dur="indefinite" restart="never" nodeType="tmRoot"/>
+      </p:par>
+    </p:tnLst>
+  </p:timing>
 </p:sld>
 </file>
 
@@ -6942,6 +7166,13 @@
   <p:clrMapOvr>
     <a:masterClrMapping/>
   </p:clrMapOvr>
+  <p:timing>
+    <p:tnLst>
+      <p:par>
+        <p:cTn id="1" dur="indefinite" restart="never" nodeType="tmRoot"/>
+      </p:par>
+    </p:tnLst>
+  </p:timing>
 </p:sld>
 </file>
 
